--- a/Models for handcycle Power output.pptx
+++ b/Models for handcycle Power output.pptx
@@ -4,17 +4,23 @@
   <p:sldMasterIdLst>
     <p:sldMasterId id="2147483648" r:id="rId1"/>
   </p:sldMasterIdLst>
+  <p:notesMasterIdLst>
+    <p:notesMasterId r:id="rId15"/>
+  </p:notesMasterIdLst>
   <p:sldIdLst>
     <p:sldId id="256" r:id="rId2"/>
-    <p:sldId id="257" r:id="rId3"/>
+    <p:sldId id="260" r:id="rId3"/>
     <p:sldId id="258" r:id="rId4"/>
     <p:sldId id="259" r:id="rId5"/>
-    <p:sldId id="263" r:id="rId6"/>
-    <p:sldId id="264" r:id="rId7"/>
-    <p:sldId id="265" r:id="rId8"/>
-    <p:sldId id="260" r:id="rId9"/>
-    <p:sldId id="266" r:id="rId10"/>
-    <p:sldId id="267" r:id="rId11"/>
+    <p:sldId id="266" r:id="rId6"/>
+    <p:sldId id="267" r:id="rId7"/>
+    <p:sldId id="268" r:id="rId8"/>
+    <p:sldId id="270" r:id="rId9"/>
+    <p:sldId id="269" r:id="rId10"/>
+    <p:sldId id="271" r:id="rId11"/>
+    <p:sldId id="272" r:id="rId12"/>
+    <p:sldId id="273" r:id="rId13"/>
+    <p:sldId id="274" r:id="rId14"/>
   </p:sldIdLst>
   <p:sldSz cx="12192000" cy="6858000"/>
   <p:notesSz cx="6858000" cy="9144000"/>
@@ -113,7 +119,362 @@
       </a:defRPr>
     </a:lvl9pPr>
   </p:defaultTextStyle>
+  <p:extLst>
+    <p:ext uri="{EFAFB233-063F-42B5-8137-9DF3F51BA10A}">
+      <p15:sldGuideLst xmlns:p15="http://schemas.microsoft.com/office/powerpoint/2012/main"/>
+    </p:ext>
+  </p:extLst>
 </p:presentation>
+</file>
+
+<file path=ppt/notesMasters/notesMaster1.xml><?xml version="1.0" encoding="utf-8"?>
+<p:notesMaster xmlns:a="http://schemas.openxmlformats.org/drawingml/2006/main" xmlns:r="http://schemas.openxmlformats.org/officeDocument/2006/relationships" xmlns:p="http://schemas.openxmlformats.org/presentationml/2006/main">
+  <p:cSld>
+    <p:bg>
+      <p:bgRef idx="1001">
+        <a:schemeClr val="bg1"/>
+      </p:bgRef>
+    </p:bg>
+    <p:spTree>
+      <p:nvGrpSpPr>
+        <p:cNvPr id="1" name=""/>
+        <p:cNvGrpSpPr/>
+        <p:nvPr/>
+      </p:nvGrpSpPr>
+      <p:grpSpPr>
+        <a:xfrm>
+          <a:off x="0" y="0"/>
+          <a:ext cx="0" cy="0"/>
+          <a:chOff x="0" y="0"/>
+          <a:chExt cx="0" cy="0"/>
+        </a:xfrm>
+      </p:grpSpPr>
+      <p:sp>
+        <p:nvSpPr>
+          <p:cNvPr id="2" name="Header Placeholder 1"/>
+          <p:cNvSpPr>
+            <a:spLocks noGrp="1"/>
+          </p:cNvSpPr>
+          <p:nvPr>
+            <p:ph type="hdr" sz="quarter"/>
+          </p:nvPr>
+        </p:nvSpPr>
+        <p:spPr>
+          <a:xfrm>
+            <a:off x="0" y="0"/>
+            <a:ext cx="2971800" cy="458788"/>
+          </a:xfrm>
+          <a:prstGeom prst="rect">
+            <a:avLst/>
+          </a:prstGeom>
+        </p:spPr>
+        <p:txBody>
+          <a:bodyPr vert="horz" lIns="91440" tIns="45720" rIns="91440" bIns="45720" rtlCol="0"/>
+          <a:lstStyle>
+            <a:lvl1pPr algn="l">
+              <a:defRPr sz="1200"/>
+            </a:lvl1pPr>
+          </a:lstStyle>
+          <a:p>
+            <a:endParaRPr lang="nb-NO"/>
+          </a:p>
+        </p:txBody>
+      </p:sp>
+      <p:sp>
+        <p:nvSpPr>
+          <p:cNvPr id="3" name="Date Placeholder 2"/>
+          <p:cNvSpPr>
+            <a:spLocks noGrp="1"/>
+          </p:cNvSpPr>
+          <p:nvPr>
+            <p:ph type="dt" idx="1"/>
+          </p:nvPr>
+        </p:nvSpPr>
+        <p:spPr>
+          <a:xfrm>
+            <a:off x="3884613" y="0"/>
+            <a:ext cx="2971800" cy="458788"/>
+          </a:xfrm>
+          <a:prstGeom prst="rect">
+            <a:avLst/>
+          </a:prstGeom>
+        </p:spPr>
+        <p:txBody>
+          <a:bodyPr vert="horz" lIns="91440" tIns="45720" rIns="91440" bIns="45720" rtlCol="0"/>
+          <a:lstStyle>
+            <a:lvl1pPr algn="r">
+              <a:defRPr sz="1200"/>
+            </a:lvl1pPr>
+          </a:lstStyle>
+          <a:p>
+            <a:fld id="{A3F31FE9-DDFA-4BBF-A90F-E3EE8477797B}" type="datetimeFigureOut">
+              <a:rPr lang="nb-NO" smtClean="0"/>
+              <a:t>26.03.2025</a:t>
+            </a:fld>
+            <a:endParaRPr lang="nb-NO"/>
+          </a:p>
+        </p:txBody>
+      </p:sp>
+      <p:sp>
+        <p:nvSpPr>
+          <p:cNvPr id="4" name="Slide Image Placeholder 3"/>
+          <p:cNvSpPr>
+            <a:spLocks noGrp="1" noRot="1" noChangeAspect="1"/>
+          </p:cNvSpPr>
+          <p:nvPr>
+            <p:ph type="sldImg" idx="2"/>
+          </p:nvPr>
+        </p:nvSpPr>
+        <p:spPr>
+          <a:xfrm>
+            <a:off x="685800" y="1143000"/>
+            <a:ext cx="5486400" cy="3086100"/>
+          </a:xfrm>
+          <a:prstGeom prst="rect">
+            <a:avLst/>
+          </a:prstGeom>
+          <a:noFill/>
+          <a:ln w="12700">
+            <a:solidFill>
+              <a:prstClr val="black"/>
+            </a:solidFill>
+          </a:ln>
+        </p:spPr>
+        <p:txBody>
+          <a:bodyPr vert="horz" lIns="91440" tIns="45720" rIns="91440" bIns="45720" rtlCol="0" anchor="ctr"/>
+          <a:lstStyle/>
+          <a:p>
+            <a:endParaRPr lang="nb-NO"/>
+          </a:p>
+        </p:txBody>
+      </p:sp>
+      <p:sp>
+        <p:nvSpPr>
+          <p:cNvPr id="5" name="Notes Placeholder 4"/>
+          <p:cNvSpPr>
+            <a:spLocks noGrp="1"/>
+          </p:cNvSpPr>
+          <p:nvPr>
+            <p:ph type="body" sz="quarter" idx="3"/>
+          </p:nvPr>
+        </p:nvSpPr>
+        <p:spPr>
+          <a:xfrm>
+            <a:off x="685800" y="4400550"/>
+            <a:ext cx="5486400" cy="3600450"/>
+          </a:xfrm>
+          <a:prstGeom prst="rect">
+            <a:avLst/>
+          </a:prstGeom>
+        </p:spPr>
+        <p:txBody>
+          <a:bodyPr vert="horz" lIns="91440" tIns="45720" rIns="91440" bIns="45720" rtlCol="0"/>
+          <a:lstStyle/>
+          <a:p>
+            <a:pPr lvl="0"/>
+            <a:r>
+              <a:rPr lang="en-US"/>
+              <a:t>Click to edit Master text styles</a:t>
+            </a:r>
+          </a:p>
+          <a:p>
+            <a:pPr lvl="1"/>
+            <a:r>
+              <a:rPr lang="en-US"/>
+              <a:t>Second level</a:t>
+            </a:r>
+          </a:p>
+          <a:p>
+            <a:pPr lvl="2"/>
+            <a:r>
+              <a:rPr lang="en-US"/>
+              <a:t>Third level</a:t>
+            </a:r>
+          </a:p>
+          <a:p>
+            <a:pPr lvl="3"/>
+            <a:r>
+              <a:rPr lang="en-US"/>
+              <a:t>Fourth level</a:t>
+            </a:r>
+          </a:p>
+          <a:p>
+            <a:pPr lvl="4"/>
+            <a:r>
+              <a:rPr lang="en-US"/>
+              <a:t>Fifth level</a:t>
+            </a:r>
+            <a:endParaRPr lang="nb-NO"/>
+          </a:p>
+        </p:txBody>
+      </p:sp>
+      <p:sp>
+        <p:nvSpPr>
+          <p:cNvPr id="6" name="Footer Placeholder 5"/>
+          <p:cNvSpPr>
+            <a:spLocks noGrp="1"/>
+          </p:cNvSpPr>
+          <p:nvPr>
+            <p:ph type="ftr" sz="quarter" idx="4"/>
+          </p:nvPr>
+        </p:nvSpPr>
+        <p:spPr>
+          <a:xfrm>
+            <a:off x="0" y="8685213"/>
+            <a:ext cx="2971800" cy="458787"/>
+          </a:xfrm>
+          <a:prstGeom prst="rect">
+            <a:avLst/>
+          </a:prstGeom>
+        </p:spPr>
+        <p:txBody>
+          <a:bodyPr vert="horz" lIns="91440" tIns="45720" rIns="91440" bIns="45720" rtlCol="0" anchor="b"/>
+          <a:lstStyle>
+            <a:lvl1pPr algn="l">
+              <a:defRPr sz="1200"/>
+            </a:lvl1pPr>
+          </a:lstStyle>
+          <a:p>
+            <a:endParaRPr lang="nb-NO"/>
+          </a:p>
+        </p:txBody>
+      </p:sp>
+      <p:sp>
+        <p:nvSpPr>
+          <p:cNvPr id="7" name="Slide Number Placeholder 6"/>
+          <p:cNvSpPr>
+            <a:spLocks noGrp="1"/>
+          </p:cNvSpPr>
+          <p:nvPr>
+            <p:ph type="sldNum" sz="quarter" idx="5"/>
+          </p:nvPr>
+        </p:nvSpPr>
+        <p:spPr>
+          <a:xfrm>
+            <a:off x="3884613" y="8685213"/>
+            <a:ext cx="2971800" cy="458787"/>
+          </a:xfrm>
+          <a:prstGeom prst="rect">
+            <a:avLst/>
+          </a:prstGeom>
+        </p:spPr>
+        <p:txBody>
+          <a:bodyPr vert="horz" lIns="91440" tIns="45720" rIns="91440" bIns="45720" rtlCol="0" anchor="b"/>
+          <a:lstStyle>
+            <a:lvl1pPr algn="r">
+              <a:defRPr sz="1200"/>
+            </a:lvl1pPr>
+          </a:lstStyle>
+          <a:p>
+            <a:fld id="{D22E6221-6F35-4DF6-88F5-D6E83D3149CF}" type="slidenum">
+              <a:rPr lang="nb-NO" smtClean="0"/>
+              <a:t>‹#›</a:t>
+            </a:fld>
+            <a:endParaRPr lang="nb-NO"/>
+          </a:p>
+        </p:txBody>
+      </p:sp>
+    </p:spTree>
+    <p:extLst>
+      <p:ext uri="{BB962C8B-B14F-4D97-AF65-F5344CB8AC3E}">
+        <p14:creationId xmlns:p14="http://schemas.microsoft.com/office/powerpoint/2010/main" val="478825924"/>
+      </p:ext>
+    </p:extLst>
+  </p:cSld>
+  <p:clrMap bg1="lt1" tx1="dk1" bg2="lt2" tx2="dk2" accent1="accent1" accent2="accent2" accent3="accent3" accent4="accent4" accent5="accent5" accent6="accent6" hlink="hlink" folHlink="folHlink"/>
+  <p:notesStyle>
+    <a:lvl1pPr marL="0" algn="l" defTabSz="914400" rtl="0" eaLnBrk="1" latinLnBrk="0" hangingPunct="1">
+      <a:defRPr sz="1200" kern="1200">
+        <a:solidFill>
+          <a:schemeClr val="tx1"/>
+        </a:solidFill>
+        <a:latin typeface="+mn-lt"/>
+        <a:ea typeface="+mn-ea"/>
+        <a:cs typeface="+mn-cs"/>
+      </a:defRPr>
+    </a:lvl1pPr>
+    <a:lvl2pPr marL="457200" algn="l" defTabSz="914400" rtl="0" eaLnBrk="1" latinLnBrk="0" hangingPunct="1">
+      <a:defRPr sz="1200" kern="1200">
+        <a:solidFill>
+          <a:schemeClr val="tx1"/>
+        </a:solidFill>
+        <a:latin typeface="+mn-lt"/>
+        <a:ea typeface="+mn-ea"/>
+        <a:cs typeface="+mn-cs"/>
+      </a:defRPr>
+    </a:lvl2pPr>
+    <a:lvl3pPr marL="914400" algn="l" defTabSz="914400" rtl="0" eaLnBrk="1" latinLnBrk="0" hangingPunct="1">
+      <a:defRPr sz="1200" kern="1200">
+        <a:solidFill>
+          <a:schemeClr val="tx1"/>
+        </a:solidFill>
+        <a:latin typeface="+mn-lt"/>
+        <a:ea typeface="+mn-ea"/>
+        <a:cs typeface="+mn-cs"/>
+      </a:defRPr>
+    </a:lvl3pPr>
+    <a:lvl4pPr marL="1371600" algn="l" defTabSz="914400" rtl="0" eaLnBrk="1" latinLnBrk="0" hangingPunct="1">
+      <a:defRPr sz="1200" kern="1200">
+        <a:solidFill>
+          <a:schemeClr val="tx1"/>
+        </a:solidFill>
+        <a:latin typeface="+mn-lt"/>
+        <a:ea typeface="+mn-ea"/>
+        <a:cs typeface="+mn-cs"/>
+      </a:defRPr>
+    </a:lvl4pPr>
+    <a:lvl5pPr marL="1828800" algn="l" defTabSz="914400" rtl="0" eaLnBrk="1" latinLnBrk="0" hangingPunct="1">
+      <a:defRPr sz="1200" kern="1200">
+        <a:solidFill>
+          <a:schemeClr val="tx1"/>
+        </a:solidFill>
+        <a:latin typeface="+mn-lt"/>
+        <a:ea typeface="+mn-ea"/>
+        <a:cs typeface="+mn-cs"/>
+      </a:defRPr>
+    </a:lvl5pPr>
+    <a:lvl6pPr marL="2286000" algn="l" defTabSz="914400" rtl="0" eaLnBrk="1" latinLnBrk="0" hangingPunct="1">
+      <a:defRPr sz="1200" kern="1200">
+        <a:solidFill>
+          <a:schemeClr val="tx1"/>
+        </a:solidFill>
+        <a:latin typeface="+mn-lt"/>
+        <a:ea typeface="+mn-ea"/>
+        <a:cs typeface="+mn-cs"/>
+      </a:defRPr>
+    </a:lvl6pPr>
+    <a:lvl7pPr marL="2743200" algn="l" defTabSz="914400" rtl="0" eaLnBrk="1" latinLnBrk="0" hangingPunct="1">
+      <a:defRPr sz="1200" kern="1200">
+        <a:solidFill>
+          <a:schemeClr val="tx1"/>
+        </a:solidFill>
+        <a:latin typeface="+mn-lt"/>
+        <a:ea typeface="+mn-ea"/>
+        <a:cs typeface="+mn-cs"/>
+      </a:defRPr>
+    </a:lvl7pPr>
+    <a:lvl8pPr marL="3200400" algn="l" defTabSz="914400" rtl="0" eaLnBrk="1" latinLnBrk="0" hangingPunct="1">
+      <a:defRPr sz="1200" kern="1200">
+        <a:solidFill>
+          <a:schemeClr val="tx1"/>
+        </a:solidFill>
+        <a:latin typeface="+mn-lt"/>
+        <a:ea typeface="+mn-ea"/>
+        <a:cs typeface="+mn-cs"/>
+      </a:defRPr>
+    </a:lvl8pPr>
+    <a:lvl9pPr marL="3657600" algn="l" defTabSz="914400" rtl="0" eaLnBrk="1" latinLnBrk="0" hangingPunct="1">
+      <a:defRPr sz="1200" kern="1200">
+        <a:solidFill>
+          <a:schemeClr val="tx1"/>
+        </a:solidFill>
+        <a:latin typeface="+mn-lt"/>
+        <a:ea typeface="+mn-ea"/>
+        <a:cs typeface="+mn-cs"/>
+      </a:defRPr>
+    </a:lvl9pPr>
+  </p:notesStyle>
+</p:notesMaster>
 </file>
 
 <file path=ppt/slideLayouts/slideLayout1.xml><?xml version="1.0" encoding="utf-8"?>
@@ -160,7 +521,7 @@
           </a:lstStyle>
           <a:p>
             <a:r>
-              <a:rPr lang="it-IT" smtClean="0"/>
+              <a:rPr lang="it-IT"/>
               <a:t>Fare clic per modificare lo stile del titolo</a:t>
             </a:r>
             <a:endParaRPr lang="en-US" dirty="0"/>
@@ -280,7 +641,7 @@
           </a:lstStyle>
           <a:p>
             <a:r>
-              <a:rPr lang="it-IT" smtClean="0"/>
+              <a:rPr lang="it-IT"/>
               <a:t>Fare clic per modificare lo stile del sottotitolo dello schema</a:t>
             </a:r>
             <a:endParaRPr lang="en-US" dirty="0"/>
@@ -305,7 +666,7 @@
             <a:fld id="{B61BEF0D-F0BB-DE4B-95CE-6DB70DBA9567}" type="datetimeFigureOut">
               <a:rPr lang="en-US" dirty="0"/>
               <a:pPr/>
-              <a:t>2/10/2025</a:t>
+              <a:t>3/26/2025</a:t>
             </a:fld>
             <a:endParaRPr lang="en-US" dirty="0"/>
           </a:p>
@@ -435,7 +796,7 @@
             <a:fld id="{D57F1E4F-1CFF-5643-939E-217C01CDF565}" type="slidenum">
               <a:rPr lang="en-US" dirty="0"/>
               <a:pPr/>
-              <a:t>‹N›</a:t>
+              <a:t>‹#›</a:t>
             </a:fld>
             <a:endParaRPr lang="en-US" dirty="0"/>
           </a:p>
@@ -493,7 +854,7 @@
           </a:lstStyle>
           <a:p>
             <a:r>
-              <a:rPr lang="it-IT" smtClean="0"/>
+              <a:rPr lang="it-IT"/>
               <a:t>Fare clic per modificare lo stile del titolo</a:t>
             </a:r>
             <a:endParaRPr lang="en-US" dirty="0"/>
@@ -616,7 +977,7 @@
           <a:p>
             <a:pPr lvl="0"/>
             <a:r>
-              <a:rPr lang="it-IT" smtClean="0"/>
+              <a:rPr lang="it-IT"/>
               <a:t>Fare clic per modificare stili del testo dello schema</a:t>
             </a:r>
           </a:p>
@@ -640,7 +1001,7 @@
             <a:fld id="{B61BEF0D-F0BB-DE4B-95CE-6DB70DBA9567}" type="datetimeFigureOut">
               <a:rPr lang="en-US" dirty="0"/>
               <a:pPr/>
-              <a:t>2/10/2025</a:t>
+              <a:t>3/26/2025</a:t>
             </a:fld>
             <a:endParaRPr lang="en-US" dirty="0"/>
           </a:p>
@@ -770,7 +1131,7 @@
             <a:fld id="{D57F1E4F-1CFF-5643-939E-217C01CDF565}" type="slidenum">
               <a:rPr lang="en-US" dirty="0"/>
               <a:pPr/>
-              <a:t>‹N›</a:t>
+              <a:t>‹#›</a:t>
             </a:fld>
             <a:endParaRPr lang="en-US" dirty="0"/>
           </a:p>
@@ -828,7 +1189,7 @@
           </a:lstStyle>
           <a:p>
             <a:r>
-              <a:rPr lang="it-IT" smtClean="0"/>
+              <a:rPr lang="it-IT"/>
               <a:t>Fare clic per modificare lo stile del titolo</a:t>
             </a:r>
             <a:endParaRPr lang="en-US" dirty="0"/>
@@ -892,7 +1253,7 @@
           <a:p>
             <a:pPr lvl="0"/>
             <a:r>
-              <a:rPr lang="it-IT" smtClean="0"/>
+              <a:rPr lang="it-IT"/>
               <a:t>Fare clic per modificare stili del testo dello schema</a:t>
             </a:r>
           </a:p>
@@ -1014,7 +1375,7 @@
           <a:p>
             <a:pPr lvl="0"/>
             <a:r>
-              <a:rPr lang="it-IT" smtClean="0"/>
+              <a:rPr lang="it-IT"/>
               <a:t>Fare clic per modificare stili del testo dello schema</a:t>
             </a:r>
           </a:p>
@@ -1038,7 +1399,7 @@
             <a:fld id="{B61BEF0D-F0BB-DE4B-95CE-6DB70DBA9567}" type="datetimeFigureOut">
               <a:rPr lang="en-US" dirty="0"/>
               <a:pPr/>
-              <a:t>2/10/2025</a:t>
+              <a:t>3/26/2025</a:t>
             </a:fld>
             <a:endParaRPr lang="en-US" dirty="0"/>
           </a:p>
@@ -1168,7 +1529,7 @@
             <a:fld id="{D57F1E4F-1CFF-5643-939E-217C01CDF565}" type="slidenum">
               <a:rPr lang="en-US" dirty="0"/>
               <a:pPr/>
-              <a:t>‹N›</a:t>
+              <a:t>‹#›</a:t>
             </a:fld>
             <a:endParaRPr lang="en-US" dirty="0"/>
           </a:p>
@@ -1302,7 +1663,7 @@
           </a:lstStyle>
           <a:p>
             <a:r>
-              <a:rPr lang="it-IT" smtClean="0"/>
+              <a:rPr lang="it-IT"/>
               <a:t>Fare clic per modificare lo stile del titolo</a:t>
             </a:r>
             <a:endParaRPr lang="en-US" dirty="0"/>
@@ -1347,7 +1708,7 @@
               <a:buNone/>
             </a:pPr>
             <a:r>
-              <a:rPr lang="it-IT" smtClean="0"/>
+              <a:rPr lang="it-IT"/>
               <a:t>Fare clic per modificare stili del testo dello schema</a:t>
             </a:r>
           </a:p>
@@ -1371,7 +1732,7 @@
             <a:fld id="{B61BEF0D-F0BB-DE4B-95CE-6DB70DBA9567}" type="datetimeFigureOut">
               <a:rPr lang="en-US" dirty="0"/>
               <a:pPr/>
-              <a:t>2/10/2025</a:t>
+              <a:t>3/26/2025</a:t>
             </a:fld>
             <a:endParaRPr lang="en-US" dirty="0"/>
           </a:p>
@@ -1501,7 +1862,7 @@
             <a:fld id="{D57F1E4F-1CFF-5643-939E-217C01CDF565}" type="slidenum">
               <a:rPr lang="en-US" dirty="0"/>
               <a:pPr/>
-              <a:t>‹N›</a:t>
+              <a:t>‹#›</a:t>
             </a:fld>
             <a:endParaRPr lang="en-US" dirty="0"/>
           </a:p>
@@ -1559,7 +1920,7 @@
           </a:lstStyle>
           <a:p>
             <a:r>
-              <a:rPr lang="it-IT" smtClean="0"/>
+              <a:rPr lang="it-IT"/>
               <a:t>Fare clic per modificare lo stile del titolo</a:t>
             </a:r>
             <a:endParaRPr lang="en-US" dirty="0"/>
@@ -1620,7 +1981,7 @@
           <a:p>
             <a:pPr lvl="0"/>
             <a:r>
-              <a:rPr lang="it-IT" smtClean="0"/>
+              <a:rPr lang="it-IT"/>
               <a:t>Fare clic per modificare stili del testo dello schema</a:t>
             </a:r>
           </a:p>
@@ -1664,7 +2025,7 @@
               <a:buNone/>
             </a:pPr>
             <a:r>
-              <a:rPr lang="it-IT" smtClean="0"/>
+              <a:rPr lang="it-IT"/>
               <a:t>Fare clic per modificare stili del testo dello schema</a:t>
             </a:r>
           </a:p>
@@ -1688,7 +2049,7 @@
             <a:fld id="{B61BEF0D-F0BB-DE4B-95CE-6DB70DBA9567}" type="datetimeFigureOut">
               <a:rPr lang="en-US" dirty="0"/>
               <a:pPr/>
-              <a:t>2/10/2025</a:t>
+              <a:t>3/26/2025</a:t>
             </a:fld>
             <a:endParaRPr lang="en-US" dirty="0"/>
           </a:p>
@@ -1818,7 +2179,7 @@
             <a:fld id="{D57F1E4F-1CFF-5643-939E-217C01CDF565}" type="slidenum">
               <a:rPr lang="en-US" dirty="0"/>
               <a:pPr/>
-              <a:t>‹N›</a:t>
+              <a:t>‹#›</a:t>
             </a:fld>
             <a:endParaRPr lang="en-US" dirty="0"/>
           </a:p>
@@ -1952,7 +2313,7 @@
           </a:lstStyle>
           <a:p>
             <a:r>
-              <a:rPr lang="it-IT" smtClean="0"/>
+              <a:rPr lang="it-IT"/>
               <a:t>Fare clic per modificare lo stile del titolo</a:t>
             </a:r>
             <a:endParaRPr lang="en-US" dirty="0"/>
@@ -2013,7 +2374,7 @@
           <a:p>
             <a:pPr lvl="0"/>
             <a:r>
-              <a:rPr lang="it-IT" smtClean="0"/>
+              <a:rPr lang="it-IT"/>
               <a:t>Fare clic per modificare stili del testo dello schema</a:t>
             </a:r>
           </a:p>
@@ -2057,7 +2418,7 @@
               <a:buNone/>
             </a:pPr>
             <a:r>
-              <a:rPr lang="it-IT" smtClean="0"/>
+              <a:rPr lang="it-IT"/>
               <a:t>Fare clic per modificare stili del testo dello schema</a:t>
             </a:r>
           </a:p>
@@ -2081,7 +2442,7 @@
             <a:fld id="{B61BEF0D-F0BB-DE4B-95CE-6DB70DBA9567}" type="datetimeFigureOut">
               <a:rPr lang="en-US" dirty="0"/>
               <a:pPr/>
-              <a:t>2/10/2025</a:t>
+              <a:t>3/26/2025</a:t>
             </a:fld>
             <a:endParaRPr lang="en-US" dirty="0"/>
           </a:p>
@@ -2211,7 +2572,7 @@
             <a:fld id="{D57F1E4F-1CFF-5643-939E-217C01CDF565}" type="slidenum">
               <a:rPr lang="en-US" dirty="0"/>
               <a:pPr/>
-              <a:t>‹N›</a:t>
+              <a:t>‹#›</a:t>
             </a:fld>
             <a:endParaRPr lang="en-US" dirty="0"/>
           </a:p>
@@ -2258,7 +2619,7 @@
           <a:lstStyle/>
           <a:p>
             <a:r>
-              <a:rPr lang="it-IT" smtClean="0"/>
+              <a:rPr lang="it-IT"/>
               <a:t>Fare clic per modificare lo stile del titolo</a:t>
             </a:r>
             <a:endParaRPr lang="en-US" dirty="0"/>
@@ -2282,35 +2643,35 @@
           <a:p>
             <a:pPr lvl="0"/>
             <a:r>
-              <a:rPr lang="it-IT" smtClean="0"/>
+              <a:rPr lang="it-IT"/>
               <a:t>Fare clic per modificare stili del testo dello schema</a:t>
             </a:r>
           </a:p>
           <a:p>
             <a:pPr lvl="1"/>
             <a:r>
-              <a:rPr lang="it-IT" smtClean="0"/>
+              <a:rPr lang="it-IT"/>
               <a:t>Secondo livello</a:t>
             </a:r>
           </a:p>
           <a:p>
             <a:pPr lvl="2"/>
             <a:r>
-              <a:rPr lang="it-IT" smtClean="0"/>
+              <a:rPr lang="it-IT"/>
               <a:t>Terzo livello</a:t>
             </a:r>
           </a:p>
           <a:p>
             <a:pPr lvl="3"/>
             <a:r>
-              <a:rPr lang="it-IT" smtClean="0"/>
+              <a:rPr lang="it-IT"/>
               <a:t>Quarto livello</a:t>
             </a:r>
           </a:p>
           <a:p>
             <a:pPr lvl="4"/>
             <a:r>
-              <a:rPr lang="it-IT" smtClean="0"/>
+              <a:rPr lang="it-IT"/>
               <a:t>Quinto livello</a:t>
             </a:r>
             <a:endParaRPr lang="en-US" dirty="0"/>
@@ -2335,7 +2696,7 @@
             <a:fld id="{B61BEF0D-F0BB-DE4B-95CE-6DB70DBA9567}" type="datetimeFigureOut">
               <a:rPr lang="en-US" dirty="0"/>
               <a:pPr/>
-              <a:t>2/10/2025</a:t>
+              <a:t>3/26/2025</a:t>
             </a:fld>
             <a:endParaRPr lang="en-US" dirty="0"/>
           </a:p>
@@ -2460,7 +2821,7 @@
             <a:fld id="{D57F1E4F-1CFF-5643-939E-217C01CDF565}" type="slidenum">
               <a:rPr lang="en-US" dirty="0"/>
               <a:pPr/>
-              <a:t>‹N›</a:t>
+              <a:t>‹#›</a:t>
             </a:fld>
             <a:endParaRPr lang="en-US" dirty="0"/>
           </a:p>
@@ -2512,7 +2873,7 @@
           <a:lstStyle/>
           <a:p>
             <a:r>
-              <a:rPr lang="it-IT" smtClean="0"/>
+              <a:rPr lang="it-IT"/>
               <a:t>Fare clic per modificare lo stile del titolo</a:t>
             </a:r>
             <a:endParaRPr lang="en-US" dirty="0"/>
@@ -2541,35 +2902,35 @@
           <a:p>
             <a:pPr lvl="0"/>
             <a:r>
-              <a:rPr lang="it-IT" smtClean="0"/>
+              <a:rPr lang="it-IT"/>
               <a:t>Fare clic per modificare stili del testo dello schema</a:t>
             </a:r>
           </a:p>
           <a:p>
             <a:pPr lvl="1"/>
             <a:r>
-              <a:rPr lang="it-IT" smtClean="0"/>
+              <a:rPr lang="it-IT"/>
               <a:t>Secondo livello</a:t>
             </a:r>
           </a:p>
           <a:p>
             <a:pPr lvl="2"/>
             <a:r>
-              <a:rPr lang="it-IT" smtClean="0"/>
+              <a:rPr lang="it-IT"/>
               <a:t>Terzo livello</a:t>
             </a:r>
           </a:p>
           <a:p>
             <a:pPr lvl="3"/>
             <a:r>
-              <a:rPr lang="it-IT" smtClean="0"/>
+              <a:rPr lang="it-IT"/>
               <a:t>Quarto livello</a:t>
             </a:r>
           </a:p>
           <a:p>
             <a:pPr lvl="4"/>
             <a:r>
-              <a:rPr lang="it-IT" smtClean="0"/>
+              <a:rPr lang="it-IT"/>
               <a:t>Quinto livello</a:t>
             </a:r>
             <a:endParaRPr lang="en-US" dirty="0"/>
@@ -2594,7 +2955,7 @@
             <a:fld id="{B61BEF0D-F0BB-DE4B-95CE-6DB70DBA9567}" type="datetimeFigureOut">
               <a:rPr lang="en-US" dirty="0"/>
               <a:pPr/>
-              <a:t>2/10/2025</a:t>
+              <a:t>3/26/2025</a:t>
             </a:fld>
             <a:endParaRPr lang="en-US" dirty="0"/>
           </a:p>
@@ -2719,7 +3080,7 @@
             <a:fld id="{D57F1E4F-1CFF-5643-939E-217C01CDF565}" type="slidenum">
               <a:rPr lang="en-US" dirty="0"/>
               <a:pPr/>
-              <a:t>‹N›</a:t>
+              <a:t>‹#›</a:t>
             </a:fld>
             <a:endParaRPr lang="en-US" dirty="0"/>
           </a:p>
@@ -2771,7 +3132,7 @@
           <a:lstStyle/>
           <a:p>
             <a:r>
-              <a:rPr lang="it-IT" smtClean="0"/>
+              <a:rPr lang="it-IT"/>
               <a:t>Fare clic per modificare lo stile del titolo</a:t>
             </a:r>
             <a:endParaRPr lang="en-US" dirty="0"/>
@@ -2800,35 +3161,35 @@
           <a:p>
             <a:pPr lvl="0"/>
             <a:r>
-              <a:rPr lang="it-IT" smtClean="0"/>
+              <a:rPr lang="it-IT"/>
               <a:t>Fare clic per modificare stili del testo dello schema</a:t>
             </a:r>
           </a:p>
           <a:p>
             <a:pPr lvl="1"/>
             <a:r>
-              <a:rPr lang="it-IT" smtClean="0"/>
+              <a:rPr lang="it-IT"/>
               <a:t>Secondo livello</a:t>
             </a:r>
           </a:p>
           <a:p>
             <a:pPr lvl="2"/>
             <a:r>
-              <a:rPr lang="it-IT" smtClean="0"/>
+              <a:rPr lang="it-IT"/>
               <a:t>Terzo livello</a:t>
             </a:r>
           </a:p>
           <a:p>
             <a:pPr lvl="3"/>
             <a:r>
-              <a:rPr lang="it-IT" smtClean="0"/>
+              <a:rPr lang="it-IT"/>
               <a:t>Quarto livello</a:t>
             </a:r>
           </a:p>
           <a:p>
             <a:pPr lvl="4"/>
             <a:r>
-              <a:rPr lang="it-IT" smtClean="0"/>
+              <a:rPr lang="it-IT"/>
               <a:t>Quinto livello</a:t>
             </a:r>
             <a:endParaRPr lang="en-US" dirty="0"/>
@@ -2853,7 +3214,7 @@
             <a:fld id="{B61BEF0D-F0BB-DE4B-95CE-6DB70DBA9567}" type="datetimeFigureOut">
               <a:rPr lang="en-US" dirty="0"/>
               <a:pPr/>
-              <a:t>2/10/2025</a:t>
+              <a:t>3/26/2025</a:t>
             </a:fld>
             <a:endParaRPr lang="en-US" dirty="0"/>
           </a:p>
@@ -2978,7 +3339,7 @@
             <a:fld id="{D57F1E4F-1CFF-5643-939E-217C01CDF565}" type="slidenum">
               <a:rPr lang="en-US" dirty="0"/>
               <a:pPr/>
-              <a:t>‹N›</a:t>
+              <a:t>‹#›</a:t>
             </a:fld>
             <a:endParaRPr lang="en-US" dirty="0"/>
           </a:p>
@@ -3034,7 +3395,7 @@
           </a:lstStyle>
           <a:p>
             <a:r>
-              <a:rPr lang="it-IT" smtClean="0"/>
+              <a:rPr lang="it-IT"/>
               <a:t>Fare clic per modificare lo stile del titolo</a:t>
             </a:r>
             <a:endParaRPr lang="en-US" dirty="0"/>
@@ -3155,7 +3516,7 @@
           <a:p>
             <a:pPr lvl="0"/>
             <a:r>
-              <a:rPr lang="it-IT" smtClean="0"/>
+              <a:rPr lang="it-IT"/>
               <a:t>Fare clic per modificare stili del testo dello schema</a:t>
             </a:r>
           </a:p>
@@ -3179,7 +3540,7 @@
             <a:fld id="{B61BEF0D-F0BB-DE4B-95CE-6DB70DBA9567}" type="datetimeFigureOut">
               <a:rPr lang="en-US" dirty="0"/>
               <a:pPr/>
-              <a:t>2/10/2025</a:t>
+              <a:t>3/26/2025</a:t>
             </a:fld>
             <a:endParaRPr lang="en-US" dirty="0"/>
           </a:p>
@@ -3309,7 +3670,7 @@
             <a:fld id="{D57F1E4F-1CFF-5643-939E-217C01CDF565}" type="slidenum">
               <a:rPr lang="en-US" dirty="0"/>
               <a:pPr/>
-              <a:t>‹N›</a:t>
+              <a:t>‹#›</a:t>
             </a:fld>
             <a:endParaRPr lang="en-US" dirty="0"/>
           </a:p>
@@ -3356,7 +3717,7 @@
           <a:lstStyle/>
           <a:p>
             <a:r>
-              <a:rPr lang="it-IT" smtClean="0"/>
+              <a:rPr lang="it-IT"/>
               <a:t>Fare clic per modificare lo stile del titolo</a:t>
             </a:r>
             <a:endParaRPr lang="en-US" dirty="0"/>
@@ -3387,35 +3748,35 @@
           <a:p>
             <a:pPr lvl="0"/>
             <a:r>
-              <a:rPr lang="it-IT" smtClean="0"/>
+              <a:rPr lang="it-IT"/>
               <a:t>Fare clic per modificare stili del testo dello schema</a:t>
             </a:r>
           </a:p>
           <a:p>
             <a:pPr lvl="1"/>
             <a:r>
-              <a:rPr lang="it-IT" smtClean="0"/>
+              <a:rPr lang="it-IT"/>
               <a:t>Secondo livello</a:t>
             </a:r>
           </a:p>
           <a:p>
             <a:pPr lvl="2"/>
             <a:r>
-              <a:rPr lang="it-IT" smtClean="0"/>
+              <a:rPr lang="it-IT"/>
               <a:t>Terzo livello</a:t>
             </a:r>
           </a:p>
           <a:p>
             <a:pPr lvl="3"/>
             <a:r>
-              <a:rPr lang="it-IT" smtClean="0"/>
+              <a:rPr lang="it-IT"/>
               <a:t>Quarto livello</a:t>
             </a:r>
           </a:p>
           <a:p>
             <a:pPr lvl="4"/>
             <a:r>
-              <a:rPr lang="it-IT" smtClean="0"/>
+              <a:rPr lang="it-IT"/>
               <a:t>Quinto livello</a:t>
             </a:r>
             <a:endParaRPr lang="en-US" dirty="0"/>
@@ -3446,35 +3807,35 @@
           <a:p>
             <a:pPr lvl="0"/>
             <a:r>
-              <a:rPr lang="it-IT" smtClean="0"/>
+              <a:rPr lang="it-IT"/>
               <a:t>Fare clic per modificare stili del testo dello schema</a:t>
             </a:r>
           </a:p>
           <a:p>
             <a:pPr lvl="1"/>
             <a:r>
-              <a:rPr lang="it-IT" smtClean="0"/>
+              <a:rPr lang="it-IT"/>
               <a:t>Secondo livello</a:t>
             </a:r>
           </a:p>
           <a:p>
             <a:pPr lvl="2"/>
             <a:r>
-              <a:rPr lang="it-IT" smtClean="0"/>
+              <a:rPr lang="it-IT"/>
               <a:t>Terzo livello</a:t>
             </a:r>
           </a:p>
           <a:p>
             <a:pPr lvl="3"/>
             <a:r>
-              <a:rPr lang="it-IT" smtClean="0"/>
+              <a:rPr lang="it-IT"/>
               <a:t>Quarto livello</a:t>
             </a:r>
           </a:p>
           <a:p>
             <a:pPr lvl="4"/>
             <a:r>
-              <a:rPr lang="it-IT" smtClean="0"/>
+              <a:rPr lang="it-IT"/>
               <a:t>Quinto livello</a:t>
             </a:r>
             <a:endParaRPr lang="en-US" dirty="0"/>
@@ -3499,7 +3860,7 @@
             <a:fld id="{B61BEF0D-F0BB-DE4B-95CE-6DB70DBA9567}" type="datetimeFigureOut">
               <a:rPr lang="en-US" dirty="0"/>
               <a:pPr/>
-              <a:t>2/10/2025</a:t>
+              <a:t>3/26/2025</a:t>
             </a:fld>
             <a:endParaRPr lang="en-US" dirty="0"/>
           </a:p>
@@ -3629,7 +3990,7 @@
             <a:fld id="{D57F1E4F-1CFF-5643-939E-217C01CDF565}" type="slidenum">
               <a:rPr lang="en-US" dirty="0"/>
               <a:pPr/>
-              <a:t>‹N›</a:t>
+              <a:t>‹#›</a:t>
             </a:fld>
             <a:endParaRPr lang="en-US" dirty="0"/>
           </a:p>
@@ -3676,7 +4037,7 @@
           <a:lstStyle/>
           <a:p>
             <a:r>
-              <a:rPr lang="it-IT" smtClean="0"/>
+              <a:rPr lang="it-IT"/>
               <a:t>Fare clic per modificare lo stile del titolo</a:t>
             </a:r>
             <a:endParaRPr lang="en-US" dirty="0"/>
@@ -3744,7 +4105,7 @@
           <a:p>
             <a:pPr lvl="0"/>
             <a:r>
-              <a:rPr lang="it-IT" smtClean="0"/>
+              <a:rPr lang="it-IT"/>
               <a:t>Fare clic per modificare stili del testo dello schema</a:t>
             </a:r>
           </a:p>
@@ -3774,35 +4135,35 @@
           <a:p>
             <a:pPr lvl="0"/>
             <a:r>
-              <a:rPr lang="it-IT" smtClean="0"/>
+              <a:rPr lang="it-IT"/>
               <a:t>Fare clic per modificare stili del testo dello schema</a:t>
             </a:r>
           </a:p>
           <a:p>
             <a:pPr lvl="1"/>
             <a:r>
-              <a:rPr lang="it-IT" smtClean="0"/>
+              <a:rPr lang="it-IT"/>
               <a:t>Secondo livello</a:t>
             </a:r>
           </a:p>
           <a:p>
             <a:pPr lvl="2"/>
             <a:r>
-              <a:rPr lang="it-IT" smtClean="0"/>
+              <a:rPr lang="it-IT"/>
               <a:t>Terzo livello</a:t>
             </a:r>
           </a:p>
           <a:p>
             <a:pPr lvl="3"/>
             <a:r>
-              <a:rPr lang="it-IT" smtClean="0"/>
+              <a:rPr lang="it-IT"/>
               <a:t>Quarto livello</a:t>
             </a:r>
           </a:p>
           <a:p>
             <a:pPr lvl="4"/>
             <a:r>
-              <a:rPr lang="it-IT" smtClean="0"/>
+              <a:rPr lang="it-IT"/>
               <a:t>Quinto livello</a:t>
             </a:r>
             <a:endParaRPr lang="en-US" dirty="0"/>
@@ -3870,7 +4231,7 @@
           <a:p>
             <a:pPr lvl="0"/>
             <a:r>
-              <a:rPr lang="it-IT" smtClean="0"/>
+              <a:rPr lang="it-IT"/>
               <a:t>Fare clic per modificare stili del testo dello schema</a:t>
             </a:r>
           </a:p>
@@ -3900,35 +4261,35 @@
           <a:p>
             <a:pPr lvl="0"/>
             <a:r>
-              <a:rPr lang="it-IT" smtClean="0"/>
+              <a:rPr lang="it-IT"/>
               <a:t>Fare clic per modificare stili del testo dello schema</a:t>
             </a:r>
           </a:p>
           <a:p>
             <a:pPr lvl="1"/>
             <a:r>
-              <a:rPr lang="it-IT" smtClean="0"/>
+              <a:rPr lang="it-IT"/>
               <a:t>Secondo livello</a:t>
             </a:r>
           </a:p>
           <a:p>
             <a:pPr lvl="2"/>
             <a:r>
-              <a:rPr lang="it-IT" smtClean="0"/>
+              <a:rPr lang="it-IT"/>
               <a:t>Terzo livello</a:t>
             </a:r>
           </a:p>
           <a:p>
             <a:pPr lvl="3"/>
             <a:r>
-              <a:rPr lang="it-IT" smtClean="0"/>
+              <a:rPr lang="it-IT"/>
               <a:t>Quarto livello</a:t>
             </a:r>
           </a:p>
           <a:p>
             <a:pPr lvl="4"/>
             <a:r>
-              <a:rPr lang="it-IT" smtClean="0"/>
+              <a:rPr lang="it-IT"/>
               <a:t>Quinto livello</a:t>
             </a:r>
             <a:endParaRPr lang="en-US" dirty="0"/>
@@ -3953,7 +4314,7 @@
             <a:fld id="{B61BEF0D-F0BB-DE4B-95CE-6DB70DBA9567}" type="datetimeFigureOut">
               <a:rPr lang="en-US" dirty="0"/>
               <a:pPr/>
-              <a:t>2/10/2025</a:t>
+              <a:t>3/26/2025</a:t>
             </a:fld>
             <a:endParaRPr lang="en-US" dirty="0"/>
           </a:p>
@@ -4083,7 +4444,7 @@
             <a:fld id="{D57F1E4F-1CFF-5643-939E-217C01CDF565}" type="slidenum">
               <a:rPr lang="en-US" dirty="0"/>
               <a:pPr/>
-              <a:t>‹N›</a:t>
+              <a:t>‹#›</a:t>
             </a:fld>
             <a:endParaRPr lang="en-US" dirty="0"/>
           </a:p>
@@ -4130,7 +4491,7 @@
           <a:lstStyle/>
           <a:p>
             <a:r>
-              <a:rPr lang="it-IT" smtClean="0"/>
+              <a:rPr lang="it-IT"/>
               <a:t>Fare clic per modificare lo stile del titolo</a:t>
             </a:r>
             <a:endParaRPr lang="en-US" dirty="0"/>
@@ -4155,7 +4516,7 @@
             <a:fld id="{B61BEF0D-F0BB-DE4B-95CE-6DB70DBA9567}" type="datetimeFigureOut">
               <a:rPr lang="en-US" dirty="0"/>
               <a:pPr/>
-              <a:t>2/10/2025</a:t>
+              <a:t>3/26/2025</a:t>
             </a:fld>
             <a:endParaRPr lang="en-US" dirty="0"/>
           </a:p>
@@ -4280,7 +4641,7 @@
             <a:fld id="{D57F1E4F-1CFF-5643-939E-217C01CDF565}" type="slidenum">
               <a:rPr lang="en-US" dirty="0"/>
               <a:pPr/>
-              <a:t>‹N›</a:t>
+              <a:t>‹#›</a:t>
             </a:fld>
             <a:endParaRPr lang="en-US" dirty="0"/>
           </a:p>
@@ -4329,7 +4690,7 @@
             <a:fld id="{B61BEF0D-F0BB-DE4B-95CE-6DB70DBA9567}" type="datetimeFigureOut">
               <a:rPr lang="en-US" dirty="0"/>
               <a:pPr/>
-              <a:t>2/10/2025</a:t>
+              <a:t>3/26/2025</a:t>
             </a:fld>
             <a:endParaRPr lang="en-US" dirty="0"/>
           </a:p>
@@ -4454,7 +4815,7 @@
             <a:fld id="{D57F1E4F-1CFF-5643-939E-217C01CDF565}" type="slidenum">
               <a:rPr lang="en-US" dirty="0"/>
               <a:pPr/>
-              <a:t>‹N›</a:t>
+              <a:t>‹#›</a:t>
             </a:fld>
             <a:endParaRPr lang="en-US" dirty="0"/>
           </a:p>
@@ -4510,7 +4871,7 @@
           </a:lstStyle>
           <a:p>
             <a:r>
-              <a:rPr lang="it-IT" smtClean="0"/>
+              <a:rPr lang="it-IT"/>
               <a:t>Fare clic per modificare lo stile del titolo</a:t>
             </a:r>
             <a:endParaRPr lang="en-US" dirty="0"/>
@@ -4541,35 +4902,35 @@
           <a:p>
             <a:pPr lvl="0"/>
             <a:r>
-              <a:rPr lang="it-IT" smtClean="0"/>
+              <a:rPr lang="it-IT"/>
               <a:t>Fare clic per modificare stili del testo dello schema</a:t>
             </a:r>
           </a:p>
           <a:p>
             <a:pPr lvl="1"/>
             <a:r>
-              <a:rPr lang="it-IT" smtClean="0"/>
+              <a:rPr lang="it-IT"/>
               <a:t>Secondo livello</a:t>
             </a:r>
           </a:p>
           <a:p>
             <a:pPr lvl="2"/>
             <a:r>
-              <a:rPr lang="it-IT" smtClean="0"/>
+              <a:rPr lang="it-IT"/>
               <a:t>Terzo livello</a:t>
             </a:r>
           </a:p>
           <a:p>
             <a:pPr lvl="3"/>
             <a:r>
-              <a:rPr lang="it-IT" smtClean="0"/>
+              <a:rPr lang="it-IT"/>
               <a:t>Quarto livello</a:t>
             </a:r>
           </a:p>
           <a:p>
             <a:pPr lvl="4"/>
             <a:r>
-              <a:rPr lang="it-IT" smtClean="0"/>
+              <a:rPr lang="it-IT"/>
               <a:t>Quinto livello</a:t>
             </a:r>
             <a:endParaRPr lang="en-US" dirty="0"/>
@@ -4635,7 +4996,7 @@
           <a:p>
             <a:pPr lvl="0"/>
             <a:r>
-              <a:rPr lang="it-IT" smtClean="0"/>
+              <a:rPr lang="it-IT"/>
               <a:t>Fare clic per modificare stili del testo dello schema</a:t>
             </a:r>
           </a:p>
@@ -4659,7 +5020,7 @@
             <a:fld id="{B61BEF0D-F0BB-DE4B-95CE-6DB70DBA9567}" type="datetimeFigureOut">
               <a:rPr lang="en-US" dirty="0"/>
               <a:pPr/>
-              <a:t>2/10/2025</a:t>
+              <a:t>3/26/2025</a:t>
             </a:fld>
             <a:endParaRPr lang="en-US" dirty="0"/>
           </a:p>
@@ -4784,7 +5145,7 @@
             <a:fld id="{D57F1E4F-1CFF-5643-939E-217C01CDF565}" type="slidenum">
               <a:rPr lang="en-US" dirty="0"/>
               <a:pPr/>
-              <a:t>‹N›</a:t>
+              <a:t>‹#›</a:t>
             </a:fld>
             <a:endParaRPr lang="en-US" dirty="0"/>
           </a:p>
@@ -4842,7 +5203,7 @@
           </a:lstStyle>
           <a:p>
             <a:r>
-              <a:rPr lang="it-IT" smtClean="0"/>
+              <a:rPr lang="it-IT"/>
               <a:t>Fare clic per modificare lo stile del titolo</a:t>
             </a:r>
             <a:endParaRPr lang="en-US" dirty="0"/>
@@ -4909,7 +5270,7 @@
           </a:lstStyle>
           <a:p>
             <a:r>
-              <a:rPr lang="it-IT" smtClean="0"/>
+              <a:rPr lang="it-IT"/>
               <a:t>Fare clic sull'icona per inserire un'immagine</a:t>
             </a:r>
             <a:endParaRPr lang="en-US" dirty="0"/>
@@ -4977,7 +5338,7 @@
           <a:p>
             <a:pPr lvl="0"/>
             <a:r>
-              <a:rPr lang="it-IT" smtClean="0"/>
+              <a:rPr lang="it-IT"/>
               <a:t>Fare clic per modificare stili del testo dello schema</a:t>
             </a:r>
           </a:p>
@@ -5001,7 +5362,7 @@
             <a:fld id="{B61BEF0D-F0BB-DE4B-95CE-6DB70DBA9567}" type="datetimeFigureOut">
               <a:rPr lang="en-US" dirty="0"/>
               <a:pPr/>
-              <a:t>2/10/2025</a:t>
+              <a:t>3/26/2025</a:t>
             </a:fld>
             <a:endParaRPr lang="en-US" dirty="0"/>
           </a:p>
@@ -5131,7 +5492,7 @@
             <a:fld id="{D57F1E4F-1CFF-5643-939E-217C01CDF565}" type="slidenum">
               <a:rPr lang="en-US" dirty="0"/>
               <a:pPr/>
-              <a:t>‹N›</a:t>
+              <a:t>‹#›</a:t>
             </a:fld>
             <a:endParaRPr lang="en-US" dirty="0"/>
           </a:p>
@@ -7010,7 +7371,7 @@
           <a:lstStyle/>
           <a:p>
             <a:r>
-              <a:rPr lang="it-IT" smtClean="0"/>
+              <a:rPr lang="it-IT"/>
               <a:t>Fare clic per modificare lo stile del titolo</a:t>
             </a:r>
             <a:endParaRPr lang="en-US" dirty="0"/>
@@ -7044,35 +7405,35 @@
           <a:p>
             <a:pPr lvl="0"/>
             <a:r>
-              <a:rPr lang="it-IT" smtClean="0"/>
+              <a:rPr lang="it-IT"/>
               <a:t>Fare clic per modificare stili del testo dello schema</a:t>
             </a:r>
           </a:p>
           <a:p>
             <a:pPr lvl="1"/>
             <a:r>
-              <a:rPr lang="it-IT" smtClean="0"/>
+              <a:rPr lang="it-IT"/>
               <a:t>Secondo livello</a:t>
             </a:r>
           </a:p>
           <a:p>
             <a:pPr lvl="2"/>
             <a:r>
-              <a:rPr lang="it-IT" smtClean="0"/>
+              <a:rPr lang="it-IT"/>
               <a:t>Terzo livello</a:t>
             </a:r>
           </a:p>
           <a:p>
             <a:pPr lvl="3"/>
             <a:r>
-              <a:rPr lang="it-IT" smtClean="0"/>
+              <a:rPr lang="it-IT"/>
               <a:t>Quarto livello</a:t>
             </a:r>
           </a:p>
           <a:p>
             <a:pPr lvl="4"/>
             <a:r>
-              <a:rPr lang="it-IT" smtClean="0"/>
+              <a:rPr lang="it-IT"/>
               <a:t>Quinto livello</a:t>
             </a:r>
             <a:endParaRPr lang="en-US" dirty="0"/>
@@ -7115,7 +7476,7 @@
             <a:fld id="{B61BEF0D-F0BB-DE4B-95CE-6DB70DBA9567}" type="datetimeFigureOut">
               <a:rPr lang="en-US" dirty="0"/>
               <a:pPr/>
-              <a:t>2/10/2025</a:t>
+              <a:t>3/26/2025</a:t>
             </a:fld>
             <a:endParaRPr lang="en-US" dirty="0"/>
           </a:p>
@@ -7192,7 +7553,7 @@
             <a:fld id="{D57F1E4F-1CFF-5643-939E-217C01CDF565}" type="slidenum">
               <a:rPr lang="en-US" dirty="0"/>
               <a:pPr/>
-              <a:t>‹N›</a:t>
+              <a:t>‹#›</a:t>
             </a:fld>
             <a:endParaRPr lang="en-US" dirty="0"/>
           </a:p>
@@ -7638,84 +7999,112 @@
             <p:ph type="ctrTitle"/>
           </p:nvPr>
         </p:nvSpPr>
-        <p:spPr/>
+        <p:spPr>
+          <a:xfrm>
+            <a:off x="2434230" y="603096"/>
+            <a:ext cx="8915399" cy="2262781"/>
+          </a:xfrm>
+        </p:spPr>
         <p:txBody>
           <a:bodyPr>
-            <a:normAutofit fontScale="90000"/>
+            <a:normAutofit/>
           </a:bodyPr>
           <a:lstStyle/>
           <a:p>
             <a:r>
-              <a:rPr lang="it-IT" dirty="0" err="1" smtClean="0"/>
-              <a:t>Models</a:t>
-            </a:r>
-            <a:r>
-              <a:rPr lang="it-IT" dirty="0" smtClean="0"/>
-              <a:t> for </a:t>
-            </a:r>
-            <a:r>
-              <a:rPr lang="it-IT" dirty="0" err="1" smtClean="0"/>
+              <a:rPr lang="it-IT" dirty="0" err="1"/>
+              <a:t>Modelling</a:t>
+            </a:r>
+            <a:r>
+              <a:rPr lang="it-IT" dirty="0"/>
+              <a:t> power in </a:t>
+            </a:r>
+            <a:r>
+              <a:rPr lang="it-IT" dirty="0" err="1"/>
               <a:t>handcycle</a:t>
             </a:r>
             <a:r>
-              <a:rPr lang="it-IT" dirty="0" smtClean="0"/>
+              <a:rPr lang="it-IT" dirty="0"/>
+              <a:t>: an </a:t>
+            </a:r>
+            <a:r>
+              <a:rPr lang="it-IT" dirty="0" err="1"/>
+              <a:t>overview</a:t>
+            </a:r>
+            <a:endParaRPr lang="it-IT" dirty="0"/>
+          </a:p>
+        </p:txBody>
+      </p:sp>
+      <p:sp>
+        <p:nvSpPr>
+          <p:cNvPr id="4" name="TextBox 3">
+            <a:extLst>
+              <a:ext uri="{FF2B5EF4-FFF2-40B4-BE49-F238E27FC236}">
+                <a16:creationId xmlns:a16="http://schemas.microsoft.com/office/drawing/2014/main" id="{AD4DDF7F-527D-EF77-D480-D107449BB75D}"/>
+              </a:ext>
+            </a:extLst>
+          </p:cNvPr>
+          <p:cNvSpPr txBox="1"/>
+          <p:nvPr/>
+        </p:nvSpPr>
+        <p:spPr>
+          <a:xfrm>
+            <a:off x="2434230" y="3611103"/>
+            <a:ext cx="9297987" cy="954107"/>
+          </a:xfrm>
+          <a:prstGeom prst="rect">
+            <a:avLst/>
+          </a:prstGeom>
+          <a:noFill/>
+        </p:spPr>
+        <p:txBody>
+          <a:bodyPr wrap="square" rtlCol="0">
+            <a:spAutoFit/>
+          </a:bodyPr>
+          <a:lstStyle/>
+          <a:p>
+            <a:pPr marL="457200" indent="-457200">
+              <a:buFontTx/>
+              <a:buChar char="-"/>
+            </a:pPr>
+            <a:r>
+              <a:rPr lang="nb-NO" sz="2800" dirty="0" err="1"/>
+              <a:t>Modelling</a:t>
+            </a:r>
+            <a:r>
+              <a:rPr lang="nb-NO" sz="2800" dirty="0"/>
               <a:t> </a:t>
             </a:r>
             <a:r>
-              <a:rPr lang="it-IT" dirty="0" err="1" smtClean="0"/>
-              <a:t>Power</a:t>
-            </a:r>
-            <a:r>
-              <a:rPr lang="it-IT" dirty="0" smtClean="0"/>
-              <a:t> output</a:t>
-            </a:r>
-            <a:br>
-              <a:rPr lang="it-IT" dirty="0" smtClean="0"/>
-            </a:br>
-            <a:endParaRPr lang="it-IT" dirty="0"/>
-          </a:p>
-        </p:txBody>
-      </p:sp>
-      <p:sp>
-        <p:nvSpPr>
-          <p:cNvPr id="3" name="Sottotitolo 2"/>
-          <p:cNvSpPr>
-            <a:spLocks noGrp="1"/>
-          </p:cNvSpPr>
-          <p:nvPr>
-            <p:ph type="subTitle" idx="1"/>
-          </p:nvPr>
-        </p:nvSpPr>
-        <p:spPr/>
-        <p:txBody>
-          <a:bodyPr/>
-          <a:lstStyle/>
-          <a:p>
-            <a:r>
-              <a:rPr lang="it-IT" dirty="0" err="1" smtClean="0"/>
-              <a:t>Where</a:t>
-            </a:r>
-            <a:r>
-              <a:rPr lang="it-IT" dirty="0" smtClean="0"/>
-              <a:t> are </a:t>
-            </a:r>
-            <a:r>
-              <a:rPr lang="it-IT" dirty="0" err="1" smtClean="0"/>
-              <a:t>we</a:t>
-            </a:r>
-            <a:r>
-              <a:rPr lang="it-IT" dirty="0" smtClean="0"/>
+              <a:rPr lang="nb-NO" sz="2800" dirty="0" err="1"/>
+              <a:t>the</a:t>
+            </a:r>
+            <a:r>
+              <a:rPr lang="nb-NO" sz="2800" dirty="0"/>
+              <a:t> RPE</a:t>
+            </a:r>
+          </a:p>
+          <a:p>
+            <a:pPr marL="457200" indent="-457200">
+              <a:buFontTx/>
+              <a:buChar char="-"/>
+            </a:pPr>
+            <a:r>
+              <a:rPr lang="nb-NO" sz="2800" dirty="0" err="1"/>
+              <a:t>Modelling</a:t>
+            </a:r>
+            <a:r>
+              <a:rPr lang="nb-NO" sz="2800" dirty="0"/>
               <a:t> </a:t>
             </a:r>
             <a:r>
-              <a:rPr lang="it-IT" dirty="0" err="1" smtClean="0"/>
-              <a:t>now</a:t>
-            </a:r>
-            <a:r>
-              <a:rPr lang="it-IT" dirty="0" smtClean="0"/>
-              <a:t>?</a:t>
-            </a:r>
-            <a:endParaRPr lang="it-IT" dirty="0"/>
+              <a:rPr lang="nb-NO" sz="2800" dirty="0" err="1"/>
+              <a:t>the</a:t>
+            </a:r>
+            <a:r>
+              <a:rPr lang="nb-NO" sz="2800" dirty="0"/>
+              <a:t> Power output</a:t>
+            </a:r>
           </a:p>
         </p:txBody>
       </p:sp>
@@ -7729,13 +8118,6 @@
   <p:clrMapOvr>
     <a:masterClrMapping/>
   </p:clrMapOvr>
-  <p:timing>
-    <p:tnLst>
-      <p:par>
-        <p:cTn id="1" dur="indefinite" restart="never" nodeType="tmRoot"/>
-      </p:par>
-    </p:tnLst>
-  </p:timing>
 </p:sld>
 </file>
 
@@ -7744,7 +8126,13 @@
   <p:cSld>
     <p:spTree>
       <p:nvGrpSpPr>
-        <p:cNvPr id="1" name=""/>
+        <p:cNvPr id="1" name="">
+          <a:extLst>
+            <a:ext uri="{FF2B5EF4-FFF2-40B4-BE49-F238E27FC236}">
+              <a16:creationId xmlns:a16="http://schemas.microsoft.com/office/drawing/2014/main" id="{3109EB53-61D5-CFFB-449E-452D9BE308EF}"/>
+            </a:ext>
+          </a:extLst>
+        </p:cNvPr>
         <p:cNvGrpSpPr/>
         <p:nvPr/>
       </p:nvGrpSpPr>
@@ -7758,7 +8146,13 @@
       </p:grpSpPr>
       <p:sp>
         <p:nvSpPr>
-          <p:cNvPr id="2" name="Titolo 1"/>
+          <p:cNvPr id="2" name="Titolo 1">
+            <a:extLst>
+              <a:ext uri="{FF2B5EF4-FFF2-40B4-BE49-F238E27FC236}">
+                <a16:creationId xmlns:a16="http://schemas.microsoft.com/office/drawing/2014/main" id="{DE031526-490F-CE91-0810-5D87F8C7C500}"/>
+              </a:ext>
+            </a:extLst>
+          </p:cNvPr>
           <p:cNvSpPr>
             <a:spLocks noGrp="1"/>
           </p:cNvSpPr>
@@ -7766,266 +8160,360 @@
             <p:ph type="title"/>
           </p:nvPr>
         </p:nvSpPr>
-        <p:spPr/>
+        <p:spPr>
+          <a:xfrm>
+            <a:off x="1640156" y="531121"/>
+            <a:ext cx="9828590" cy="1280890"/>
+          </a:xfrm>
+        </p:spPr>
         <p:txBody>
           <a:bodyPr/>
           <a:lstStyle/>
           <a:p>
             <a:r>
-              <a:rPr lang="it-IT" dirty="0" smtClean="0"/>
-              <a:t>So </a:t>
-            </a:r>
-            <a:r>
-              <a:rPr lang="it-IT" dirty="0" err="1" smtClean="0"/>
-              <a:t>what’s</a:t>
-            </a:r>
-            <a:r>
-              <a:rPr lang="it-IT" dirty="0" smtClean="0"/>
-              <a:t> </a:t>
-            </a:r>
-            <a:r>
-              <a:rPr lang="it-IT" dirty="0" err="1" smtClean="0"/>
-              <a:t>going</a:t>
-            </a:r>
-            <a:r>
-              <a:rPr lang="it-IT" dirty="0" smtClean="0"/>
-              <a:t> on </a:t>
-            </a:r>
-            <a:r>
-              <a:rPr lang="it-IT" dirty="0" err="1" smtClean="0"/>
-              <a:t>here</a:t>
-            </a:r>
-            <a:r>
-              <a:rPr lang="it-IT" dirty="0" smtClean="0"/>
-              <a:t>?</a:t>
-            </a:r>
-            <a:endParaRPr lang="it-IT" dirty="0"/>
+              <a:rPr lang="it-IT" dirty="0"/>
+              <a:t>Model performance: 180 second windows</a:t>
+            </a:r>
           </a:p>
         </p:txBody>
       </p:sp>
-      <p:sp>
-        <p:nvSpPr>
-          <p:cNvPr id="3" name="Segnaposto contenuto 2"/>
-          <p:cNvSpPr>
-            <a:spLocks noGrp="1"/>
-          </p:cNvSpPr>
-          <p:nvPr>
-            <p:ph idx="1"/>
-          </p:nvPr>
-        </p:nvSpPr>
-        <p:spPr/>
-        <p:txBody>
-          <a:bodyPr/>
-          <a:lstStyle/>
-          <a:p>
-            <a:r>
-              <a:rPr lang="it-IT" dirty="0" smtClean="0"/>
-              <a:t>The performance for the model </a:t>
-            </a:r>
-            <a:r>
-              <a:rPr lang="it-IT" dirty="0" err="1" smtClean="0"/>
-              <a:t>based</a:t>
-            </a:r>
-            <a:r>
-              <a:rPr lang="it-IT" dirty="0" smtClean="0"/>
-              <a:t> </a:t>
-            </a:r>
-            <a:r>
-              <a:rPr lang="it-IT" dirty="0" err="1" smtClean="0"/>
-              <a:t>only</a:t>
-            </a:r>
-            <a:r>
-              <a:rPr lang="it-IT" dirty="0" smtClean="0"/>
-              <a:t> on the </a:t>
-            </a:r>
-            <a:r>
-              <a:rPr lang="it-IT" dirty="0" err="1" smtClean="0"/>
-              <a:t>female</a:t>
-            </a:r>
-            <a:r>
-              <a:rPr lang="it-IT" dirty="0" smtClean="0"/>
-              <a:t> </a:t>
-            </a:r>
-            <a:r>
-              <a:rPr lang="it-IT" dirty="0" err="1" smtClean="0"/>
-              <a:t>population</a:t>
-            </a:r>
-            <a:r>
-              <a:rPr lang="it-IT" dirty="0" smtClean="0"/>
-              <a:t> </a:t>
-            </a:r>
-            <a:r>
-              <a:rPr lang="it-IT" dirty="0" err="1" smtClean="0"/>
-              <a:t>doesn’t</a:t>
-            </a:r>
-            <a:r>
-              <a:rPr lang="it-IT" dirty="0" smtClean="0"/>
-              <a:t> </a:t>
-            </a:r>
-            <a:r>
-              <a:rPr lang="it-IT" dirty="0" err="1" smtClean="0"/>
-              <a:t>seem</a:t>
-            </a:r>
-            <a:r>
-              <a:rPr lang="it-IT" dirty="0" smtClean="0"/>
-              <a:t> to </a:t>
-            </a:r>
-            <a:r>
-              <a:rPr lang="it-IT" dirty="0" err="1" smtClean="0"/>
-              <a:t>improve</a:t>
-            </a:r>
-            <a:r>
-              <a:rPr lang="it-IT" dirty="0" smtClean="0"/>
-              <a:t> the model </a:t>
-            </a:r>
-            <a:r>
-              <a:rPr lang="it-IT" dirty="0" err="1" smtClean="0"/>
-              <a:t>noticeably</a:t>
-            </a:r>
-            <a:r>
-              <a:rPr lang="it-IT" dirty="0" smtClean="0"/>
-              <a:t>. </a:t>
-            </a:r>
-            <a:r>
-              <a:rPr lang="it-IT" dirty="0" err="1" smtClean="0"/>
-              <a:t>It</a:t>
-            </a:r>
-            <a:r>
-              <a:rPr lang="it-IT" dirty="0" smtClean="0"/>
-              <a:t> </a:t>
-            </a:r>
-            <a:r>
-              <a:rPr lang="it-IT" dirty="0" err="1" smtClean="0"/>
-              <a:t>may</a:t>
-            </a:r>
-            <a:r>
-              <a:rPr lang="it-IT" dirty="0" smtClean="0"/>
-              <a:t> be due to the </a:t>
-            </a:r>
-            <a:r>
-              <a:rPr lang="it-IT" dirty="0" err="1" smtClean="0"/>
-              <a:t>reduced</a:t>
-            </a:r>
-            <a:r>
-              <a:rPr lang="it-IT" dirty="0"/>
-              <a:t> </a:t>
-            </a:r>
-            <a:r>
-              <a:rPr lang="it-IT" dirty="0" err="1" smtClean="0"/>
-              <a:t>size</a:t>
-            </a:r>
-            <a:r>
-              <a:rPr lang="it-IT" dirty="0" smtClean="0"/>
-              <a:t> of the </a:t>
-            </a:r>
-            <a:r>
-              <a:rPr lang="it-IT" dirty="0" err="1" smtClean="0"/>
-              <a:t>population</a:t>
-            </a:r>
-            <a:endParaRPr lang="it-IT" dirty="0" smtClean="0"/>
-          </a:p>
-          <a:p>
-            <a:r>
-              <a:rPr lang="it-IT" dirty="0" smtClean="0"/>
-              <a:t>The linear </a:t>
-            </a:r>
-            <a:r>
-              <a:rPr lang="it-IT" dirty="0" err="1" smtClean="0"/>
-              <a:t>regression</a:t>
-            </a:r>
-            <a:r>
-              <a:rPr lang="it-IT" dirty="0" smtClean="0"/>
-              <a:t> model </a:t>
-            </a:r>
-            <a:r>
-              <a:rPr lang="it-IT" dirty="0" err="1" smtClean="0"/>
-              <a:t>seems</a:t>
-            </a:r>
-            <a:r>
-              <a:rPr lang="it-IT" dirty="0" smtClean="0"/>
-              <a:t> to be </a:t>
-            </a:r>
-            <a:r>
-              <a:rPr lang="it-IT" dirty="0" err="1" smtClean="0"/>
-              <a:t>performing</a:t>
-            </a:r>
-            <a:r>
-              <a:rPr lang="it-IT" dirty="0" smtClean="0"/>
-              <a:t> </a:t>
-            </a:r>
-            <a:r>
-              <a:rPr lang="it-IT" dirty="0" err="1" smtClean="0"/>
-              <a:t>better</a:t>
-            </a:r>
-            <a:r>
-              <a:rPr lang="it-IT" dirty="0" smtClean="0"/>
-              <a:t>, </a:t>
-            </a:r>
-            <a:r>
-              <a:rPr lang="it-IT" dirty="0" err="1" smtClean="0"/>
-              <a:t>but</a:t>
-            </a:r>
-            <a:r>
-              <a:rPr lang="it-IT" dirty="0" smtClean="0"/>
-              <a:t> </a:t>
-            </a:r>
-            <a:r>
-              <a:rPr lang="it-IT" dirty="0" err="1" smtClean="0"/>
-              <a:t>it</a:t>
-            </a:r>
-            <a:r>
-              <a:rPr lang="it-IT" dirty="0" smtClean="0"/>
-              <a:t> </a:t>
-            </a:r>
-            <a:r>
-              <a:rPr lang="it-IT" dirty="0" err="1" smtClean="0"/>
-              <a:t>requires</a:t>
-            </a:r>
-            <a:r>
-              <a:rPr lang="it-IT" dirty="0" smtClean="0"/>
-              <a:t> more </a:t>
-            </a:r>
-            <a:r>
-              <a:rPr lang="it-IT" dirty="0" err="1" smtClean="0"/>
-              <a:t>testing</a:t>
-            </a:r>
-            <a:r>
-              <a:rPr lang="it-IT" dirty="0" smtClean="0"/>
-              <a:t> on </a:t>
-            </a:r>
-            <a:r>
-              <a:rPr lang="it-IT" dirty="0" err="1" smtClean="0"/>
-              <a:t>healthy</a:t>
-            </a:r>
-            <a:r>
-              <a:rPr lang="it-IT" dirty="0" smtClean="0"/>
-              <a:t> </a:t>
-            </a:r>
-            <a:r>
-              <a:rPr lang="it-IT" smtClean="0"/>
-              <a:t>subjects</a:t>
-            </a:r>
-            <a:endParaRPr lang="it-IT" dirty="0"/>
-          </a:p>
-        </p:txBody>
-      </p:sp>
+      <p:pic>
+        <p:nvPicPr>
+          <p:cNvPr id="5" name="Picture 4" descr="A group of graphs with red and blue dots&#10;&#10;AI-generated content may be incorrect.">
+            <a:extLst>
+              <a:ext uri="{FF2B5EF4-FFF2-40B4-BE49-F238E27FC236}">
+                <a16:creationId xmlns:a16="http://schemas.microsoft.com/office/drawing/2014/main" id="{9F7D0462-A381-0571-A746-8D6BAFAD9475}"/>
+              </a:ext>
+            </a:extLst>
+          </p:cNvPr>
+          <p:cNvPicPr>
+            <a:picLocks noChangeAspect="1"/>
+          </p:cNvPicPr>
+          <p:nvPr/>
+        </p:nvPicPr>
+        <p:blipFill>
+          <a:blip r:embed="rId2"/>
+          <a:stretch>
+            <a:fillRect/>
+          </a:stretch>
+        </p:blipFill>
+        <p:spPr>
+          <a:xfrm>
+            <a:off x="816932" y="1387720"/>
+            <a:ext cx="8660443" cy="4939159"/>
+          </a:xfrm>
+          <a:prstGeom prst="rect">
+            <a:avLst/>
+          </a:prstGeom>
+        </p:spPr>
+      </p:pic>
     </p:spTree>
     <p:extLst>
       <p:ext uri="{BB962C8B-B14F-4D97-AF65-F5344CB8AC3E}">
-        <p14:creationId xmlns:p14="http://schemas.microsoft.com/office/powerpoint/2010/main" val="508040427"/>
+        <p14:creationId xmlns:p14="http://schemas.microsoft.com/office/powerpoint/2010/main" val="3093111195"/>
       </p:ext>
     </p:extLst>
   </p:cSld>
   <p:clrMapOvr>
     <a:masterClrMapping/>
   </p:clrMapOvr>
-  <p:timing>
-    <p:tnLst>
-      <p:par>
-        <p:cTn id="1" dur="indefinite" restart="never" nodeType="tmRoot"/>
-      </p:par>
-    </p:tnLst>
-  </p:timing>
+</p:sld>
+</file>
+
+<file path=ppt/slides/slide11.xml><?xml version="1.0" encoding="utf-8"?>
+<p:sld xmlns:a="http://schemas.openxmlformats.org/drawingml/2006/main" xmlns:r="http://schemas.openxmlformats.org/officeDocument/2006/relationships" xmlns:p="http://schemas.openxmlformats.org/presentationml/2006/main">
+  <p:cSld>
+    <p:spTree>
+      <p:nvGrpSpPr>
+        <p:cNvPr id="1" name="">
+          <a:extLst>
+            <a:ext uri="{FF2B5EF4-FFF2-40B4-BE49-F238E27FC236}">
+              <a16:creationId xmlns:a16="http://schemas.microsoft.com/office/drawing/2014/main" id="{5EA5A101-9A7D-22C2-F2D2-F99991D4480C}"/>
+            </a:ext>
+          </a:extLst>
+        </p:cNvPr>
+        <p:cNvGrpSpPr/>
+        <p:nvPr/>
+      </p:nvGrpSpPr>
+      <p:grpSpPr>
+        <a:xfrm>
+          <a:off x="0" y="0"/>
+          <a:ext cx="0" cy="0"/>
+          <a:chOff x="0" y="0"/>
+          <a:chExt cx="0" cy="0"/>
+        </a:xfrm>
+      </p:grpSpPr>
+      <p:sp>
+        <p:nvSpPr>
+          <p:cNvPr id="2" name="Titolo 1">
+            <a:extLst>
+              <a:ext uri="{FF2B5EF4-FFF2-40B4-BE49-F238E27FC236}">
+                <a16:creationId xmlns:a16="http://schemas.microsoft.com/office/drawing/2014/main" id="{A634549F-DA4D-FD4A-9B0B-16CC1528C222}"/>
+              </a:ext>
+            </a:extLst>
+          </p:cNvPr>
+          <p:cNvSpPr>
+            <a:spLocks noGrp="1"/>
+          </p:cNvSpPr>
+          <p:nvPr>
+            <p:ph type="title"/>
+          </p:nvPr>
+        </p:nvSpPr>
+        <p:spPr>
+          <a:xfrm>
+            <a:off x="1640156" y="531121"/>
+            <a:ext cx="9828590" cy="1280890"/>
+          </a:xfrm>
+        </p:spPr>
+        <p:txBody>
+          <a:bodyPr/>
+          <a:lstStyle/>
+          <a:p>
+            <a:r>
+              <a:rPr lang="it-IT" dirty="0"/>
+              <a:t>Model performance: 180 second windows</a:t>
+            </a:r>
+          </a:p>
+        </p:txBody>
+      </p:sp>
+      <p:pic>
+        <p:nvPicPr>
+          <p:cNvPr id="4" name="Picture 3" descr="A group of graphs with different colored dots&#10;&#10;AI-generated content may be incorrect.">
+            <a:extLst>
+              <a:ext uri="{FF2B5EF4-FFF2-40B4-BE49-F238E27FC236}">
+                <a16:creationId xmlns:a16="http://schemas.microsoft.com/office/drawing/2014/main" id="{632C7C16-568E-892E-7A86-9C7E398E7B49}"/>
+              </a:ext>
+            </a:extLst>
+          </p:cNvPr>
+          <p:cNvPicPr>
+            <a:picLocks noChangeAspect="1"/>
+          </p:cNvPicPr>
+          <p:nvPr/>
+        </p:nvPicPr>
+        <p:blipFill>
+          <a:blip r:embed="rId2"/>
+          <a:stretch>
+            <a:fillRect/>
+          </a:stretch>
+        </p:blipFill>
+        <p:spPr>
+          <a:xfrm>
+            <a:off x="626432" y="1428750"/>
+            <a:ext cx="9118947" cy="5200650"/>
+          </a:xfrm>
+          <a:prstGeom prst="rect">
+            <a:avLst/>
+          </a:prstGeom>
+        </p:spPr>
+      </p:pic>
+    </p:spTree>
+    <p:extLst>
+      <p:ext uri="{BB962C8B-B14F-4D97-AF65-F5344CB8AC3E}">
+        <p14:creationId xmlns:p14="http://schemas.microsoft.com/office/powerpoint/2010/main" val="2305492771"/>
+      </p:ext>
+    </p:extLst>
+  </p:cSld>
+  <p:clrMapOvr>
+    <a:masterClrMapping/>
+  </p:clrMapOvr>
+</p:sld>
+</file>
+
+<file path=ppt/slides/slide12.xml><?xml version="1.0" encoding="utf-8"?>
+<p:sld xmlns:a="http://schemas.openxmlformats.org/drawingml/2006/main" xmlns:r="http://schemas.openxmlformats.org/officeDocument/2006/relationships" xmlns:p="http://schemas.openxmlformats.org/presentationml/2006/main">
+  <p:cSld>
+    <p:spTree>
+      <p:nvGrpSpPr>
+        <p:cNvPr id="1" name="">
+          <a:extLst>
+            <a:ext uri="{FF2B5EF4-FFF2-40B4-BE49-F238E27FC236}">
+              <a16:creationId xmlns:a16="http://schemas.microsoft.com/office/drawing/2014/main" id="{26E82427-357F-0F39-894A-AECA0F4C687F}"/>
+            </a:ext>
+          </a:extLst>
+        </p:cNvPr>
+        <p:cNvGrpSpPr/>
+        <p:nvPr/>
+      </p:nvGrpSpPr>
+      <p:grpSpPr>
+        <a:xfrm>
+          <a:off x="0" y="0"/>
+          <a:ext cx="0" cy="0"/>
+          <a:chOff x="0" y="0"/>
+          <a:chExt cx="0" cy="0"/>
+        </a:xfrm>
+      </p:grpSpPr>
+      <p:sp>
+        <p:nvSpPr>
+          <p:cNvPr id="2" name="Titolo 1">
+            <a:extLst>
+              <a:ext uri="{FF2B5EF4-FFF2-40B4-BE49-F238E27FC236}">
+                <a16:creationId xmlns:a16="http://schemas.microsoft.com/office/drawing/2014/main" id="{1539E865-ADAD-F791-4ECE-82A50D5D04DD}"/>
+              </a:ext>
+            </a:extLst>
+          </p:cNvPr>
+          <p:cNvSpPr>
+            <a:spLocks noGrp="1"/>
+          </p:cNvSpPr>
+          <p:nvPr>
+            <p:ph type="title"/>
+          </p:nvPr>
+        </p:nvSpPr>
+        <p:spPr>
+          <a:xfrm>
+            <a:off x="1640156" y="531121"/>
+            <a:ext cx="9828590" cy="1280890"/>
+          </a:xfrm>
+        </p:spPr>
+        <p:txBody>
+          <a:bodyPr/>
+          <a:lstStyle/>
+          <a:p>
+            <a:r>
+              <a:rPr lang="it-IT" dirty="0"/>
+              <a:t>Model performance: 180 second windows</a:t>
+            </a:r>
+          </a:p>
+        </p:txBody>
+      </p:sp>
+      <p:pic>
+        <p:nvPicPr>
+          <p:cNvPr id="5" name="Picture 4" descr="A screenshot of a graph&#10;&#10;AI-generated content may be incorrect.">
+            <a:extLst>
+              <a:ext uri="{FF2B5EF4-FFF2-40B4-BE49-F238E27FC236}">
+                <a16:creationId xmlns:a16="http://schemas.microsoft.com/office/drawing/2014/main" id="{CA9CE31B-F84A-BD9A-51B3-093E8C067439}"/>
+              </a:ext>
+            </a:extLst>
+          </p:cNvPr>
+          <p:cNvPicPr>
+            <a:picLocks noChangeAspect="1"/>
+          </p:cNvPicPr>
+          <p:nvPr/>
+        </p:nvPicPr>
+        <p:blipFill>
+          <a:blip r:embed="rId2"/>
+          <a:stretch>
+            <a:fillRect/>
+          </a:stretch>
+        </p:blipFill>
+        <p:spPr>
+          <a:xfrm>
+            <a:off x="807407" y="1411485"/>
+            <a:ext cx="8831893" cy="5036939"/>
+          </a:xfrm>
+          <a:prstGeom prst="rect">
+            <a:avLst/>
+          </a:prstGeom>
+        </p:spPr>
+      </p:pic>
+    </p:spTree>
+    <p:extLst>
+      <p:ext uri="{BB962C8B-B14F-4D97-AF65-F5344CB8AC3E}">
+        <p14:creationId xmlns:p14="http://schemas.microsoft.com/office/powerpoint/2010/main" val="1022716392"/>
+      </p:ext>
+    </p:extLst>
+  </p:cSld>
+  <p:clrMapOvr>
+    <a:masterClrMapping/>
+  </p:clrMapOvr>
+</p:sld>
+</file>
+
+<file path=ppt/slides/slide13.xml><?xml version="1.0" encoding="utf-8"?>
+<p:sld xmlns:a="http://schemas.openxmlformats.org/drawingml/2006/main" xmlns:r="http://schemas.openxmlformats.org/officeDocument/2006/relationships" xmlns:p="http://schemas.openxmlformats.org/presentationml/2006/main">
+  <p:cSld>
+    <p:spTree>
+      <p:nvGrpSpPr>
+        <p:cNvPr id="1" name="">
+          <a:extLst>
+            <a:ext uri="{FF2B5EF4-FFF2-40B4-BE49-F238E27FC236}">
+              <a16:creationId xmlns:a16="http://schemas.microsoft.com/office/drawing/2014/main" id="{649EA57A-067B-DEF1-A68A-C60566B7CE2E}"/>
+            </a:ext>
+          </a:extLst>
+        </p:cNvPr>
+        <p:cNvGrpSpPr/>
+        <p:nvPr/>
+      </p:nvGrpSpPr>
+      <p:grpSpPr>
+        <a:xfrm>
+          <a:off x="0" y="0"/>
+          <a:ext cx="0" cy="0"/>
+          <a:chOff x="0" y="0"/>
+          <a:chExt cx="0" cy="0"/>
+        </a:xfrm>
+      </p:grpSpPr>
+      <p:sp>
+        <p:nvSpPr>
+          <p:cNvPr id="2" name="Titolo 1">
+            <a:extLst>
+              <a:ext uri="{FF2B5EF4-FFF2-40B4-BE49-F238E27FC236}">
+                <a16:creationId xmlns:a16="http://schemas.microsoft.com/office/drawing/2014/main" id="{E24AD7D4-7A94-4D80-A100-2614FB94DD7E}"/>
+              </a:ext>
+            </a:extLst>
+          </p:cNvPr>
+          <p:cNvSpPr>
+            <a:spLocks noGrp="1"/>
+          </p:cNvSpPr>
+          <p:nvPr>
+            <p:ph type="title"/>
+          </p:nvPr>
+        </p:nvSpPr>
+        <p:spPr>
+          <a:xfrm>
+            <a:off x="1640156" y="531121"/>
+            <a:ext cx="9828590" cy="1280890"/>
+          </a:xfrm>
+        </p:spPr>
+        <p:txBody>
+          <a:bodyPr/>
+          <a:lstStyle/>
+          <a:p>
+            <a:r>
+              <a:rPr lang="it-IT" dirty="0"/>
+              <a:t>Model performance: 180 second windows</a:t>
+            </a:r>
+          </a:p>
+        </p:txBody>
+      </p:sp>
+      <p:pic>
+        <p:nvPicPr>
+          <p:cNvPr id="4" name="Picture 3" descr="A group of graphs with red and blue dots&#10;&#10;AI-generated content may be incorrect.">
+            <a:extLst>
+              <a:ext uri="{FF2B5EF4-FFF2-40B4-BE49-F238E27FC236}">
+                <a16:creationId xmlns:a16="http://schemas.microsoft.com/office/drawing/2014/main" id="{6B487772-E654-E74C-B4BB-5DC34523C81D}"/>
+              </a:ext>
+            </a:extLst>
+          </p:cNvPr>
+          <p:cNvPicPr>
+            <a:picLocks noChangeAspect="1"/>
+          </p:cNvPicPr>
+          <p:nvPr/>
+        </p:nvPicPr>
+        <p:blipFill>
+          <a:blip r:embed="rId2"/>
+          <a:stretch>
+            <a:fillRect/>
+          </a:stretch>
+        </p:blipFill>
+        <p:spPr>
+          <a:xfrm>
+            <a:off x="723254" y="1327965"/>
+            <a:ext cx="8765218" cy="4998914"/>
+          </a:xfrm>
+          <a:prstGeom prst="rect">
+            <a:avLst/>
+          </a:prstGeom>
+        </p:spPr>
+      </p:pic>
+    </p:spTree>
+    <p:extLst>
+      <p:ext uri="{BB962C8B-B14F-4D97-AF65-F5344CB8AC3E}">
+        <p14:creationId xmlns:p14="http://schemas.microsoft.com/office/powerpoint/2010/main" val="2377765371"/>
+      </p:ext>
+    </p:extLst>
+  </p:cSld>
+  <p:clrMapOvr>
+    <a:masterClrMapping/>
+  </p:clrMapOvr>
 </p:sld>
 </file>
 
@@ -8058,7 +8546,7 @@
         </p:nvSpPr>
         <p:spPr>
           <a:xfrm>
-            <a:off x="2592925" y="340646"/>
+            <a:off x="1818010" y="624110"/>
             <a:ext cx="8911687" cy="1280890"/>
           </a:xfrm>
         </p:spPr>
@@ -8067,72 +8555,52 @@
           <a:lstStyle/>
           <a:p>
             <a:r>
-              <a:rPr lang="it-IT" dirty="0" smtClean="0"/>
-              <a:t>Input file: </a:t>
-            </a:r>
-            <a:r>
-              <a:rPr lang="it-IT" dirty="0" err="1" smtClean="0"/>
+              <a:rPr lang="it-IT" dirty="0"/>
+              <a:t>Analysis of the model: </a:t>
+            </a:r>
+            <a:r>
+              <a:rPr lang="it-IT" dirty="0" err="1"/>
               <a:t>what</a:t>
             </a:r>
             <a:r>
-              <a:rPr lang="it-IT" dirty="0" smtClean="0"/>
+              <a:rPr lang="it-IT" dirty="0"/>
               <a:t> </a:t>
             </a:r>
             <a:r>
-              <a:rPr lang="it-IT" dirty="0" err="1" smtClean="0"/>
-              <a:t>was</a:t>
-            </a:r>
-            <a:r>
-              <a:rPr lang="it-IT" dirty="0" smtClean="0"/>
+              <a:rPr lang="it-IT" dirty="0" err="1"/>
+              <a:t>did</a:t>
+            </a:r>
+            <a:r>
+              <a:rPr lang="it-IT" dirty="0"/>
               <a:t> </a:t>
             </a:r>
             <a:r>
-              <a:rPr lang="it-IT" dirty="0" err="1" smtClean="0"/>
-              <a:t>used</a:t>
+              <a:rPr lang="it-IT" dirty="0" err="1"/>
+              <a:t>we</a:t>
             </a:r>
             <a:r>
               <a:rPr lang="it-IT" dirty="0"/>
-              <a:t>?</a:t>
+              <a:t> focus on?</a:t>
             </a:r>
           </a:p>
         </p:txBody>
       </p:sp>
-      <p:pic>
-        <p:nvPicPr>
-          <p:cNvPr id="4" name="Segnaposto contenuto 3"/>
-          <p:cNvPicPr>
-            <a:picLocks noGrp="1" noChangeAspect="1"/>
-          </p:cNvPicPr>
-          <p:nvPr>
-            <p:ph idx="1"/>
-          </p:nvPr>
-        </p:nvPicPr>
-        <p:blipFill>
-          <a:blip r:embed="rId2"/>
-          <a:stretch>
-            <a:fillRect/>
-          </a:stretch>
-        </p:blipFill>
+      <p:sp>
+        <p:nvSpPr>
+          <p:cNvPr id="3" name="TextBox 2">
+            <a:extLst>
+              <a:ext uri="{FF2B5EF4-FFF2-40B4-BE49-F238E27FC236}">
+                <a16:creationId xmlns:a16="http://schemas.microsoft.com/office/drawing/2014/main" id="{45161FEB-5CC2-95A1-7E5F-5DF9047FF62A}"/>
+              </a:ext>
+            </a:extLst>
+          </p:cNvPr>
+          <p:cNvSpPr txBox="1"/>
+          <p:nvPr/>
+        </p:nvSpPr>
         <p:spPr>
           <a:xfrm>
-            <a:off x="681829" y="1344589"/>
-            <a:ext cx="6614958" cy="4416131"/>
-          </a:xfrm>
-          <a:prstGeom prst="rect">
-            <a:avLst/>
-          </a:prstGeom>
-        </p:spPr>
-      </p:pic>
-      <p:sp>
-        <p:nvSpPr>
-          <p:cNvPr id="6" name="CasellaDiTesto 5"/>
-          <p:cNvSpPr txBox="1"/>
-          <p:nvPr/>
-        </p:nvSpPr>
-        <p:spPr>
-          <a:xfrm>
-            <a:off x="8065008" y="1344589"/>
-            <a:ext cx="3439604" cy="2308324"/>
+            <a:off x="1263112" y="2074588"/>
+            <a:ext cx="9020014" cy="2585323"/>
           </a:xfrm>
           <a:prstGeom prst="rect">
             <a:avLst/>
@@ -8145,50 +8613,83 @@
           </a:bodyPr>
           <a:lstStyle/>
           <a:p>
-            <a:r>
-              <a:rPr lang="it-IT" dirty="0" err="1" smtClean="0"/>
-              <a:t>Participants</a:t>
-            </a:r>
-            <a:r>
-              <a:rPr lang="it-IT" dirty="0" smtClean="0"/>
-              <a:t>’ </a:t>
-            </a:r>
-            <a:r>
-              <a:rPr lang="it-IT" dirty="0" err="1" smtClean="0"/>
-              <a:t>features</a:t>
-            </a:r>
-            <a:endParaRPr lang="it-IT" dirty="0" smtClean="0"/>
-          </a:p>
-          <a:p>
             <a:pPr marL="285750" indent="-285750">
               <a:buFontTx/>
               <a:buChar char="-"/>
             </a:pPr>
             <a:r>
-              <a:rPr lang="it-IT" dirty="0" smtClean="0"/>
-              <a:t>13 </a:t>
-            </a:r>
-            <a:r>
-              <a:rPr lang="it-IT" dirty="0" err="1" smtClean="0"/>
-              <a:t>subjects</a:t>
-            </a:r>
-            <a:r>
-              <a:rPr lang="it-IT" dirty="0" smtClean="0"/>
-              <a:t>, 4 </a:t>
-            </a:r>
-            <a:r>
-              <a:rPr lang="it-IT" dirty="0" err="1" smtClean="0"/>
-              <a:t>females</a:t>
-            </a:r>
-            <a:r>
-              <a:rPr lang="it-IT" dirty="0" smtClean="0"/>
-              <a:t> and 9 </a:t>
-            </a:r>
-            <a:r>
-              <a:rPr lang="it-IT" dirty="0" err="1" smtClean="0"/>
-              <a:t>males</a:t>
-            </a:r>
-            <a:endParaRPr lang="it-IT" dirty="0" smtClean="0"/>
+              <a:rPr lang="nb-NO" dirty="0"/>
+              <a:t>Principal </a:t>
+            </a:r>
+            <a:r>
+              <a:rPr lang="nb-NO" dirty="0" err="1"/>
+              <a:t>component</a:t>
+            </a:r>
+            <a:r>
+              <a:rPr lang="nb-NO" dirty="0"/>
+              <a:t> </a:t>
+            </a:r>
+            <a:r>
+              <a:rPr lang="nb-NO" dirty="0" err="1"/>
+              <a:t>analysis</a:t>
+            </a:r>
+            <a:r>
+              <a:rPr lang="nb-NO" dirty="0"/>
+              <a:t>: </a:t>
+            </a:r>
+            <a:r>
+              <a:rPr lang="nb-NO" dirty="0" err="1"/>
+              <a:t>What</a:t>
+            </a:r>
+            <a:r>
+              <a:rPr lang="nb-NO" dirty="0"/>
+              <a:t> </a:t>
+            </a:r>
+            <a:r>
+              <a:rPr lang="nb-NO" dirty="0" err="1"/>
+              <a:t>are</a:t>
+            </a:r>
+            <a:r>
+              <a:rPr lang="nb-NO" dirty="0"/>
+              <a:t> </a:t>
+            </a:r>
+            <a:r>
+              <a:rPr lang="nb-NO" dirty="0" err="1"/>
+              <a:t>the</a:t>
+            </a:r>
+            <a:r>
+              <a:rPr lang="nb-NO" dirty="0"/>
+              <a:t> most relevant </a:t>
+            </a:r>
+            <a:r>
+              <a:rPr lang="nb-NO" dirty="0" err="1"/>
+              <a:t>features</a:t>
+            </a:r>
+            <a:r>
+              <a:rPr lang="nb-NO" dirty="0"/>
+              <a:t>?</a:t>
+            </a:r>
+          </a:p>
+          <a:p>
+            <a:pPr marL="285750" indent="-285750">
+              <a:buFont typeface="Wingdings" panose="05000000000000000000" pitchFamily="2" charset="2"/>
+              <a:buChar char="è"/>
+            </a:pPr>
+            <a:r>
+              <a:rPr lang="nb-NO" dirty="0"/>
+              <a:t>Analysis </a:t>
+            </a:r>
+            <a:r>
+              <a:rPr lang="nb-NO" dirty="0" err="1"/>
+              <a:t>of</a:t>
+            </a:r>
+            <a:r>
+              <a:rPr lang="nb-NO" dirty="0"/>
+              <a:t> PCA </a:t>
+            </a:r>
+          </a:p>
+          <a:p>
+            <a:endParaRPr lang="nb-NO" dirty="0"/>
           </a:p>
           <a:p>
             <a:pPr marL="285750" indent="-285750">
@@ -8196,77 +8697,260 @@
               <a:buChar char="-"/>
             </a:pPr>
             <a:r>
-              <a:rPr lang="it-IT" dirty="0" err="1" smtClean="0"/>
-              <a:t>Average</a:t>
-            </a:r>
-            <a:r>
-              <a:rPr lang="it-IT" dirty="0" smtClean="0"/>
+              <a:rPr lang="nb-NO" dirty="0" err="1"/>
+              <a:t>What’s</a:t>
+            </a:r>
+            <a:r>
+              <a:rPr lang="nb-NO" dirty="0"/>
               <a:t> </a:t>
             </a:r>
             <a:r>
-              <a:rPr lang="it-IT" dirty="0" err="1" smtClean="0"/>
-              <a:t>age</a:t>
-            </a:r>
-            <a:r>
-              <a:rPr lang="it-IT" dirty="0" smtClean="0"/>
-              <a:t>: 25.07 </a:t>
-            </a:r>
-            <a:r>
-              <a:rPr lang="it-IT" dirty="0" err="1" smtClean="0"/>
-              <a:t>years</a:t>
-            </a:r>
-            <a:r>
-              <a:rPr lang="it-IT" dirty="0" smtClean="0"/>
-              <a:t>, </a:t>
-            </a:r>
-            <a:r>
-              <a:rPr lang="it-IT" dirty="0" err="1" smtClean="0"/>
-              <a:t>between</a:t>
-            </a:r>
-            <a:r>
-              <a:rPr lang="it-IT" dirty="0" smtClean="0"/>
-              <a:t> 21 and 32, with a standard </a:t>
-            </a:r>
-            <a:r>
-              <a:rPr lang="it-IT" dirty="0" err="1" smtClean="0"/>
-              <a:t>deviation</a:t>
-            </a:r>
-            <a:r>
-              <a:rPr lang="it-IT" dirty="0" smtClean="0"/>
-              <a:t> of 3.41 </a:t>
-            </a:r>
-            <a:r>
-              <a:rPr lang="it-IT" dirty="0" err="1" smtClean="0"/>
-              <a:t>years</a:t>
-            </a:r>
-            <a:endParaRPr lang="it-IT" dirty="0" smtClean="0"/>
+              <a:rPr lang="nb-NO" dirty="0" err="1"/>
+              <a:t>the</a:t>
+            </a:r>
+            <a:r>
+              <a:rPr lang="nb-NO" dirty="0"/>
+              <a:t> </a:t>
+            </a:r>
+            <a:r>
+              <a:rPr lang="nb-NO" dirty="0" err="1"/>
+              <a:t>impact</a:t>
+            </a:r>
+            <a:r>
+              <a:rPr lang="nb-NO" dirty="0"/>
+              <a:t> </a:t>
+            </a:r>
+            <a:r>
+              <a:rPr lang="nb-NO" dirty="0" err="1"/>
+              <a:t>of</a:t>
+            </a:r>
+            <a:r>
+              <a:rPr lang="nb-NO" dirty="0"/>
+              <a:t> IMU Data </a:t>
+            </a:r>
+            <a:r>
+              <a:rPr lang="nb-NO" dirty="0" err="1"/>
+              <a:t>on</a:t>
+            </a:r>
+            <a:r>
+              <a:rPr lang="nb-NO" dirty="0"/>
+              <a:t> </a:t>
+            </a:r>
+            <a:r>
+              <a:rPr lang="nb-NO" dirty="0" err="1"/>
+              <a:t>the</a:t>
+            </a:r>
+            <a:r>
+              <a:rPr lang="nb-NO" dirty="0"/>
+              <a:t> </a:t>
+            </a:r>
+            <a:r>
+              <a:rPr lang="nb-NO" dirty="0" err="1"/>
+              <a:t>model</a:t>
+            </a:r>
+            <a:r>
+              <a:rPr lang="nb-NO" dirty="0"/>
+              <a:t>? Do </a:t>
+            </a:r>
+            <a:r>
+              <a:rPr lang="nb-NO" dirty="0" err="1"/>
+              <a:t>they</a:t>
+            </a:r>
+            <a:r>
+              <a:rPr lang="nb-NO" dirty="0"/>
+              <a:t> </a:t>
+            </a:r>
+            <a:r>
+              <a:rPr lang="nb-NO" dirty="0" err="1"/>
+              <a:t>improve</a:t>
+            </a:r>
+            <a:r>
+              <a:rPr lang="nb-NO" dirty="0"/>
+              <a:t> </a:t>
+            </a:r>
+            <a:r>
+              <a:rPr lang="nb-NO" dirty="0" err="1"/>
+              <a:t>the</a:t>
+            </a:r>
+            <a:r>
+              <a:rPr lang="nb-NO" dirty="0"/>
+              <a:t> </a:t>
+            </a:r>
+            <a:r>
+              <a:rPr lang="nb-NO" dirty="0" err="1"/>
+              <a:t>performance</a:t>
+            </a:r>
+            <a:r>
+              <a:rPr lang="nb-NO" dirty="0"/>
+              <a:t>? </a:t>
+            </a:r>
+          </a:p>
+          <a:p>
+            <a:pPr marL="285750" indent="-285750">
+              <a:buFont typeface="Wingdings" panose="05000000000000000000" pitchFamily="2" charset="2"/>
+              <a:buChar char="è"/>
+            </a:pPr>
+            <a:r>
+              <a:rPr lang="nb-NO" dirty="0" err="1"/>
+              <a:t>Comparison</a:t>
+            </a:r>
+            <a:r>
+              <a:rPr lang="nb-NO" dirty="0"/>
+              <a:t> </a:t>
+            </a:r>
+            <a:r>
+              <a:rPr lang="nb-NO" dirty="0" err="1"/>
+              <a:t>of</a:t>
+            </a:r>
+            <a:r>
+              <a:rPr lang="nb-NO" dirty="0"/>
+              <a:t> </a:t>
+            </a:r>
+            <a:r>
+              <a:rPr lang="nb-NO" dirty="0" err="1"/>
+              <a:t>model</a:t>
+            </a:r>
+            <a:r>
+              <a:rPr lang="nb-NO" dirty="0"/>
+              <a:t> </a:t>
+            </a:r>
+            <a:r>
+              <a:rPr lang="nb-NO" dirty="0" err="1"/>
+              <a:t>created</a:t>
+            </a:r>
+            <a:r>
+              <a:rPr lang="nb-NO" dirty="0"/>
+              <a:t> </a:t>
+            </a:r>
+            <a:r>
+              <a:rPr lang="nb-NO" dirty="0" err="1"/>
+              <a:t>with</a:t>
+            </a:r>
+            <a:r>
+              <a:rPr lang="nb-NO" dirty="0"/>
+              <a:t> and </a:t>
+            </a:r>
+            <a:r>
+              <a:rPr lang="nb-NO" dirty="0" err="1"/>
+              <a:t>without</a:t>
+            </a:r>
+            <a:r>
+              <a:rPr lang="nb-NO" dirty="0"/>
+              <a:t> IMU Data</a:t>
+            </a:r>
+          </a:p>
+          <a:p>
+            <a:endParaRPr lang="nb-NO" dirty="0"/>
           </a:p>
           <a:p>
             <a:pPr marL="285750" indent="-285750">
               <a:buFontTx/>
               <a:buChar char="-"/>
             </a:pPr>
-            <a:endParaRPr lang="it-IT" dirty="0" smtClean="0"/>
+            <a:r>
+              <a:rPr lang="nb-NO" dirty="0" err="1"/>
+              <a:t>Can</a:t>
+            </a:r>
+            <a:r>
+              <a:rPr lang="nb-NO" dirty="0"/>
+              <a:t> RPE be </a:t>
+            </a:r>
+            <a:r>
+              <a:rPr lang="nb-NO" dirty="0" err="1"/>
+              <a:t>modeled</a:t>
+            </a:r>
+            <a:r>
+              <a:rPr lang="nb-NO" dirty="0"/>
+              <a:t> and </a:t>
+            </a:r>
+            <a:r>
+              <a:rPr lang="nb-NO" dirty="0" err="1"/>
+              <a:t>if</a:t>
+            </a:r>
+            <a:r>
+              <a:rPr lang="nb-NO" dirty="0"/>
+              <a:t> </a:t>
+            </a:r>
+            <a:r>
+              <a:rPr lang="nb-NO" dirty="0" err="1"/>
+              <a:t>yes</a:t>
+            </a:r>
+            <a:r>
+              <a:rPr lang="nb-NO" dirty="0"/>
+              <a:t>, </a:t>
+            </a:r>
+            <a:r>
+              <a:rPr lang="nb-NO" dirty="0" err="1"/>
+              <a:t>does</a:t>
+            </a:r>
+            <a:r>
+              <a:rPr lang="nb-NO" dirty="0"/>
+              <a:t> it </a:t>
+            </a:r>
+            <a:r>
+              <a:rPr lang="nb-NO" dirty="0" err="1"/>
+              <a:t>improve</a:t>
+            </a:r>
+            <a:r>
+              <a:rPr lang="nb-NO" dirty="0"/>
+              <a:t> </a:t>
+            </a:r>
+            <a:r>
+              <a:rPr lang="nb-NO" dirty="0" err="1"/>
+              <a:t>the</a:t>
+            </a:r>
+            <a:r>
+              <a:rPr lang="nb-NO" dirty="0"/>
+              <a:t> Power output </a:t>
+            </a:r>
+            <a:r>
+              <a:rPr lang="nb-NO" dirty="0" err="1"/>
+              <a:t>model</a:t>
+            </a:r>
+            <a:r>
+              <a:rPr lang="nb-NO" dirty="0"/>
+              <a:t>?</a:t>
+            </a:r>
+          </a:p>
+          <a:p>
+            <a:pPr marL="285750" indent="-285750">
+              <a:buFont typeface="Wingdings" panose="05000000000000000000" pitchFamily="2" charset="2"/>
+              <a:buChar char="è"/>
+            </a:pPr>
+            <a:r>
+              <a:rPr lang="nb-NO" dirty="0" err="1"/>
+              <a:t>Considerations</a:t>
+            </a:r>
+            <a:r>
+              <a:rPr lang="nb-NO" dirty="0"/>
+              <a:t> over </a:t>
+            </a:r>
+            <a:r>
+              <a:rPr lang="nb-NO" dirty="0" err="1"/>
+              <a:t>our</a:t>
+            </a:r>
+            <a:r>
+              <a:rPr lang="nb-NO" dirty="0"/>
+              <a:t> </a:t>
+            </a:r>
+            <a:r>
+              <a:rPr lang="nb-NO" dirty="0" err="1"/>
+              <a:t>results</a:t>
+            </a:r>
+            <a:endParaRPr lang="nb-NO" dirty="0"/>
           </a:p>
         </p:txBody>
       </p:sp>
     </p:spTree>
     <p:extLst>
       <p:ext uri="{BB962C8B-B14F-4D97-AF65-F5344CB8AC3E}">
-        <p14:creationId xmlns:p14="http://schemas.microsoft.com/office/powerpoint/2010/main" val="298697350"/>
+        <p14:creationId xmlns:p14="http://schemas.microsoft.com/office/powerpoint/2010/main" val="793196190"/>
       </p:ext>
     </p:extLst>
   </p:cSld>
   <p:clrMapOvr>
     <a:masterClrMapping/>
   </p:clrMapOvr>
-  <p:timing>
-    <p:tnLst>
-      <p:par>
-        <p:cTn id="1" dur="indefinite" restart="never" nodeType="tmRoot"/>
-      </p:par>
-    </p:tnLst>
-  </p:timing>
 </p:sld>
 </file>
 
@@ -8303,38 +8987,37 @@
           <a:lstStyle/>
           <a:p>
             <a:r>
-              <a:rPr lang="it-IT" dirty="0" err="1" smtClean="0"/>
+              <a:rPr lang="it-IT" dirty="0" err="1"/>
               <a:t>What</a:t>
             </a:r>
             <a:r>
-              <a:rPr lang="it-IT" dirty="0" smtClean="0"/>
+              <a:rPr lang="it-IT" dirty="0"/>
               <a:t> </a:t>
             </a:r>
             <a:r>
-              <a:rPr lang="it-IT" dirty="0" err="1" smtClean="0"/>
+              <a:rPr lang="it-IT" dirty="0" err="1"/>
               <a:t>models</a:t>
             </a:r>
             <a:r>
-              <a:rPr lang="it-IT" dirty="0" smtClean="0"/>
+              <a:rPr lang="it-IT" dirty="0"/>
               <a:t> </a:t>
             </a:r>
             <a:r>
-              <a:rPr lang="it-IT" dirty="0" err="1" smtClean="0"/>
+              <a:rPr lang="it-IT" dirty="0" err="1"/>
               <a:t>were</a:t>
             </a:r>
             <a:r>
-              <a:rPr lang="it-IT" dirty="0" smtClean="0"/>
+              <a:rPr lang="it-IT" dirty="0"/>
               <a:t> </a:t>
             </a:r>
             <a:r>
-              <a:rPr lang="it-IT" dirty="0" err="1" smtClean="0"/>
+              <a:rPr lang="it-IT" dirty="0" err="1"/>
               <a:t>used</a:t>
             </a:r>
             <a:r>
-              <a:rPr lang="it-IT" dirty="0" smtClean="0"/>
+              <a:rPr lang="it-IT" dirty="0"/>
               <a:t>?</a:t>
             </a:r>
-            <a:endParaRPr lang="it-IT" dirty="0"/>
           </a:p>
         </p:txBody>
       </p:sp>
@@ -8353,52 +9036,54 @@
             <p:spPr>
               <a:xfrm>
                 <a:off x="687260" y="2158468"/>
-                <a:ext cx="4313864" cy="3777622"/>
+                <a:ext cx="2427899" cy="3738637"/>
               </a:xfrm>
             </p:spPr>
             <p:txBody>
-              <a:bodyPr/>
+              <a:bodyPr>
+                <a:normAutofit fontScale="62500" lnSpcReduction="20000"/>
+              </a:bodyPr>
               <a:lstStyle/>
               <a:p>
                 <a:r>
-                  <a:rPr lang="it-IT" dirty="0" smtClean="0"/>
+                  <a:rPr lang="it-IT" dirty="0"/>
                   <a:t>Linear model: </a:t>
                 </a:r>
                 <a:r>
-                  <a:rPr lang="el-GR" dirty="0" smtClean="0"/>
+                  <a:rPr lang="el-GR" dirty="0"/>
                   <a:t>α</a:t>
                 </a:r>
                 <a:r>
-                  <a:rPr lang="it-IT" dirty="0" smtClean="0"/>
+                  <a:rPr lang="it-IT" dirty="0"/>
                   <a:t> </a:t>
                 </a:r>
                 <a:r>
-                  <a:rPr lang="it-IT" dirty="0" err="1" smtClean="0"/>
+                  <a:rPr lang="it-IT" dirty="0" err="1"/>
                   <a:t>as</a:t>
                 </a:r>
                 <a:r>
-                  <a:rPr lang="it-IT" dirty="0" smtClean="0"/>
+                  <a:rPr lang="it-IT" dirty="0"/>
                   <a:t> a </a:t>
                 </a:r>
                 <a:r>
-                  <a:rPr lang="it-IT" dirty="0" err="1" smtClean="0"/>
+                  <a:rPr lang="it-IT" dirty="0" err="1"/>
                   <a:t>corrective</a:t>
                 </a:r>
                 <a:r>
-                  <a:rPr lang="it-IT" dirty="0" smtClean="0"/>
+                  <a:rPr lang="it-IT" dirty="0"/>
                   <a:t> </a:t>
                 </a:r>
                 <a:r>
-                  <a:rPr lang="it-IT" dirty="0" err="1" smtClean="0"/>
+                  <a:rPr lang="it-IT" dirty="0" err="1"/>
                   <a:t>factor</a:t>
                 </a:r>
-                <a:endParaRPr lang="it-IT" dirty="0" smtClean="0"/>
+                <a:endParaRPr lang="it-IT" dirty="0"/>
               </a:p>
               <a:p>
                 <a:pPr marL="0" indent="0">
                   <a:buNone/>
                 </a:pPr>
-                <a:endParaRPr lang="it-IT" b="0" i="1" dirty="0" smtClean="0">
+                <a:endParaRPr lang="it-IT" b="0" i="1" dirty="0">
                   <a:latin typeface="Cambria Math" panose="02040503050406030204" pitchFamily="18" charset="0"/>
                 </a:endParaRPr>
               </a:p>
@@ -8483,14 +9168,14 @@
                     </m:oMath>
                   </m:oMathPara>
                 </a14:m>
-                <a:endParaRPr lang="it-IT" b="0" dirty="0" smtClean="0"/>
+                <a:endParaRPr lang="it-IT" b="0" dirty="0"/>
               </a:p>
               <a:p>
                 <a:pPr marL="0" indent="0">
                   <a:buNone/>
                 </a:pPr>
                 <a:r>
-                  <a:rPr lang="it-IT" dirty="0" smtClean="0"/>
+                  <a:rPr lang="it-IT" dirty="0"/>
                   <a:t>With </a:t>
                 </a:r>
               </a:p>
@@ -8637,7 +9322,7 @@
                     </m:oMath>
                   </m:oMathPara>
                 </a14:m>
-                <a:endParaRPr lang="it-IT" dirty="0" smtClean="0"/>
+                <a:endParaRPr lang="it-IT" dirty="0"/>
               </a:p>
               <a:p>
                 <a:pPr marL="0" indent="0">
@@ -8770,12 +9455,12 @@
             <p:spPr>
               <a:xfrm>
                 <a:off x="687260" y="2158468"/>
-                <a:ext cx="4313864" cy="3777622"/>
+                <a:ext cx="2427899" cy="3738637"/>
               </a:xfrm>
-              <a:blipFill rotWithShape="0">
+              <a:blipFill>
                 <a:blip r:embed="rId2"/>
                 <a:stretch>
-                  <a:fillRect l="-1273" t="-806"/>
+                  <a:fillRect t="-979"/>
                 </a:stretch>
               </a:blipFill>
             </p:spPr>
@@ -8784,7 +9469,7 @@
               <a:lstStyle/>
               <a:p>
                 <a:r>
-                  <a:rPr lang="it-IT">
+                  <a:rPr lang="nb-NO">
                     <a:noFill/>
                   </a:rPr>
                   <a:t> </a:t>
@@ -8808,24 +9493,26 @@
             </p:nvSpPr>
             <p:spPr>
               <a:xfrm>
-                <a:off x="4864608" y="2186384"/>
-                <a:ext cx="7159751" cy="3858284"/>
+                <a:off x="2666826" y="2158468"/>
+                <a:ext cx="4443307" cy="2680548"/>
               </a:xfrm>
             </p:spPr>
             <p:txBody>
-              <a:bodyPr/>
+              <a:bodyPr>
+                <a:normAutofit fontScale="62500" lnSpcReduction="20000"/>
+              </a:bodyPr>
               <a:lstStyle/>
               <a:p>
                 <a:r>
-                  <a:rPr lang="it-IT" dirty="0" smtClean="0"/>
+                  <a:rPr lang="it-IT" dirty="0"/>
                   <a:t>Linear </a:t>
                 </a:r>
                 <a:r>
-                  <a:rPr lang="it-IT" dirty="0" err="1" smtClean="0"/>
+                  <a:rPr lang="it-IT" dirty="0" err="1"/>
                   <a:t>regression</a:t>
                 </a:r>
                 <a:r>
-                  <a:rPr lang="it-IT" dirty="0" smtClean="0"/>
+                  <a:rPr lang="it-IT" dirty="0"/>
                   <a:t> model:</a:t>
                 </a:r>
               </a:p>
@@ -8866,7 +9553,7 @@
                     </m:oMath>
                   </m:oMathPara>
                 </a14:m>
-                <a:endParaRPr lang="it-IT" b="0" dirty="0" smtClean="0"/>
+                <a:endParaRPr lang="it-IT" b="0" dirty="0"/>
               </a:p>
               <a:p>
                 <a:pPr marL="0" indent="0">
@@ -10089,13 +10776,13 @@
             </p:nvSpPr>
             <p:spPr>
               <a:xfrm>
-                <a:off x="4864608" y="2186384"/>
-                <a:ext cx="7159751" cy="3858284"/>
+                <a:off x="2666826" y="2158468"/>
+                <a:ext cx="4443307" cy="2680548"/>
               </a:xfrm>
-              <a:blipFill rotWithShape="0">
+              <a:blipFill>
                 <a:blip r:embed="rId3"/>
                 <a:stretch>
-                  <a:fillRect l="-596" t="-948"/>
+                  <a:fillRect t="-1364"/>
                 </a:stretch>
               </a:blipFill>
             </p:spPr>
@@ -10104,7 +10791,7 @@
               <a:lstStyle/>
               <a:p>
                 <a:r>
-                  <a:rPr lang="it-IT">
+                  <a:rPr lang="nb-NO">
                     <a:noFill/>
                   </a:rPr>
                   <a:t> </a:t>
@@ -10114,6 +10801,156 @@
           </p:sp>
         </mc:Fallback>
       </mc:AlternateContent>
+      <p:sp>
+        <p:nvSpPr>
+          <p:cNvPr id="7" name="TextBox 6">
+            <a:extLst>
+              <a:ext uri="{FF2B5EF4-FFF2-40B4-BE49-F238E27FC236}">
+                <a16:creationId xmlns:a16="http://schemas.microsoft.com/office/drawing/2014/main" id="{68BCE4F0-7D97-321E-7A38-FD829E20CAD4}"/>
+              </a:ext>
+            </a:extLst>
+          </p:cNvPr>
+          <p:cNvSpPr txBox="1"/>
+          <p:nvPr/>
+        </p:nvSpPr>
+        <p:spPr>
+          <a:xfrm>
+            <a:off x="8577022" y="2083363"/>
+            <a:ext cx="2163303" cy="261610"/>
+          </a:xfrm>
+          <a:prstGeom prst="rect">
+            <a:avLst/>
+          </a:prstGeom>
+          <a:noFill/>
+        </p:spPr>
+        <p:txBody>
+          <a:bodyPr wrap="square" rtlCol="0">
+            <a:spAutoFit/>
+          </a:bodyPr>
+          <a:lstStyle/>
+          <a:p>
+            <a:r>
+              <a:rPr lang="nb-NO" sz="1100" dirty="0"/>
+              <a:t>Support </a:t>
+            </a:r>
+            <a:r>
+              <a:rPr lang="nb-NO" sz="1100" dirty="0" err="1"/>
+              <a:t>vector</a:t>
+            </a:r>
+            <a:r>
+              <a:rPr lang="nb-NO" sz="1100" dirty="0"/>
+              <a:t> </a:t>
+            </a:r>
+            <a:r>
+              <a:rPr lang="nb-NO" sz="1100" dirty="0" err="1"/>
+              <a:t>regression</a:t>
+            </a:r>
+            <a:r>
+              <a:rPr lang="nb-NO" sz="1100" dirty="0"/>
+              <a:t>:</a:t>
+            </a:r>
+          </a:p>
+        </p:txBody>
+      </p:sp>
+      <p:sp>
+        <p:nvSpPr>
+          <p:cNvPr id="8" name="TextBox 7">
+            <a:extLst>
+              <a:ext uri="{FF2B5EF4-FFF2-40B4-BE49-F238E27FC236}">
+                <a16:creationId xmlns:a16="http://schemas.microsoft.com/office/drawing/2014/main" id="{2FA9DD88-F95F-5BBD-C5AA-D377080E8F79}"/>
+              </a:ext>
+            </a:extLst>
+          </p:cNvPr>
+          <p:cNvSpPr txBox="1"/>
+          <p:nvPr/>
+        </p:nvSpPr>
+        <p:spPr>
+          <a:xfrm>
+            <a:off x="7911885" y="2394488"/>
+            <a:ext cx="3378630" cy="430887"/>
+          </a:xfrm>
+          <a:prstGeom prst="rect">
+            <a:avLst/>
+          </a:prstGeom>
+          <a:noFill/>
+        </p:spPr>
+        <p:txBody>
+          <a:bodyPr wrap="square" rtlCol="0">
+            <a:spAutoFit/>
+          </a:bodyPr>
+          <a:lstStyle/>
+          <a:p>
+            <a:r>
+              <a:rPr lang="nb-NO" sz="1100" dirty="0"/>
+              <a:t>-&gt; </a:t>
+            </a:r>
+            <a:r>
+              <a:rPr lang="nb-NO" sz="1100" dirty="0" err="1"/>
+              <a:t>Approximates</a:t>
+            </a:r>
+            <a:r>
+              <a:rPr lang="nb-NO" sz="1100" dirty="0"/>
+              <a:t> </a:t>
+            </a:r>
+            <a:r>
+              <a:rPr lang="nb-NO" sz="1100" dirty="0" err="1"/>
+              <a:t>the</a:t>
+            </a:r>
+            <a:r>
+              <a:rPr lang="nb-NO" sz="1100" dirty="0"/>
+              <a:t> </a:t>
+            </a:r>
+            <a:r>
+              <a:rPr lang="nb-NO" sz="1100" dirty="0" err="1"/>
+              <a:t>continuous-valued</a:t>
+            </a:r>
+            <a:r>
+              <a:rPr lang="nb-NO" sz="1100" dirty="0"/>
+              <a:t> </a:t>
+            </a:r>
+            <a:r>
+              <a:rPr lang="nb-NO" sz="1100" dirty="0" err="1"/>
+              <a:t>function</a:t>
+            </a:r>
+            <a:r>
+              <a:rPr lang="nb-NO" sz="1100" dirty="0"/>
+              <a:t> </a:t>
+            </a:r>
+            <a:r>
+              <a:rPr lang="nb-NO" sz="1100" dirty="0" err="1"/>
+              <a:t>minimizing</a:t>
+            </a:r>
+            <a:r>
+              <a:rPr lang="nb-NO" sz="1100" dirty="0"/>
+              <a:t> </a:t>
+            </a:r>
+            <a:r>
+              <a:rPr lang="nb-NO" sz="1100" dirty="0" err="1"/>
+              <a:t>the</a:t>
+            </a:r>
+            <a:r>
+              <a:rPr lang="nb-NO" sz="1100" dirty="0"/>
+              <a:t> </a:t>
+            </a:r>
+            <a:r>
+              <a:rPr lang="nb-NO" sz="1100" dirty="0" err="1"/>
+              <a:t>prediction</a:t>
+            </a:r>
+            <a:r>
+              <a:rPr lang="nb-NO" sz="1100" dirty="0"/>
+              <a:t> </a:t>
+            </a:r>
+            <a:r>
+              <a:rPr lang="nb-NO" sz="1100" dirty="0" err="1"/>
+              <a:t>error</a:t>
+            </a:r>
+            <a:r>
+              <a:rPr lang="nb-NO" sz="1100" dirty="0"/>
+              <a:t>.</a:t>
+            </a:r>
+          </a:p>
+        </p:txBody>
+      </p:sp>
     </p:spTree>
     <p:extLst>
       <p:ext uri="{BB962C8B-B14F-4D97-AF65-F5344CB8AC3E}">
@@ -10124,13 +10961,6 @@
   <p:clrMapOvr>
     <a:masterClrMapping/>
   </p:clrMapOvr>
-  <p:timing>
-    <p:tnLst>
-      <p:par>
-        <p:cTn id="1" dur="indefinite" restart="never" nodeType="tmRoot"/>
-      </p:par>
-    </p:tnLst>
-  </p:timing>
 </p:sld>
 </file>
 
@@ -10164,7 +10994,7 @@
         <p:spPr>
           <a:xfrm>
             <a:off x="1558526" y="1383030"/>
-            <a:ext cx="9663748" cy="4568952"/>
+            <a:ext cx="10003210" cy="1073451"/>
           </a:xfrm>
         </p:spPr>
         <p:txBody>
@@ -10175,619 +11005,7 @@
               <a:buFontTx/>
               <a:buChar char="-"/>
             </a:pPr>
-            <a:r>
-              <a:rPr lang="it-IT" dirty="0" err="1" smtClean="0"/>
-              <a:t>Trained</a:t>
-            </a:r>
-            <a:r>
-              <a:rPr lang="it-IT" dirty="0" smtClean="0"/>
-              <a:t> on 11 </a:t>
-            </a:r>
-            <a:r>
-              <a:rPr lang="it-IT" dirty="0" err="1" smtClean="0"/>
-              <a:t>participants</a:t>
-            </a:r>
-            <a:r>
-              <a:rPr lang="it-IT" dirty="0" smtClean="0"/>
-              <a:t>, </a:t>
-            </a:r>
-            <a:r>
-              <a:rPr lang="it-IT" dirty="0" err="1" smtClean="0"/>
-              <a:t>both</a:t>
-            </a:r>
-            <a:r>
-              <a:rPr lang="it-IT" dirty="0" smtClean="0"/>
-              <a:t> </a:t>
-            </a:r>
-            <a:r>
-              <a:rPr lang="it-IT" dirty="0" err="1" smtClean="0"/>
-              <a:t>female</a:t>
-            </a:r>
-            <a:r>
-              <a:rPr lang="it-IT" dirty="0" smtClean="0"/>
-              <a:t> and male </a:t>
-            </a:r>
-            <a:r>
-              <a:rPr lang="it-IT" dirty="0" err="1" smtClean="0"/>
-              <a:t>subjects</a:t>
-            </a:r>
-            <a:r>
-              <a:rPr lang="it-IT" dirty="0" smtClean="0"/>
-              <a:t>, </a:t>
-            </a:r>
-            <a:r>
-              <a:rPr lang="it-IT" dirty="0" err="1" smtClean="0"/>
-              <a:t>chosen</a:t>
-            </a:r>
-            <a:r>
-              <a:rPr lang="it-IT" dirty="0" smtClean="0"/>
-              <a:t> </a:t>
-            </a:r>
-            <a:r>
-              <a:rPr lang="it-IT" dirty="0" err="1" smtClean="0"/>
-              <a:t>randomly</a:t>
-            </a:r>
-            <a:endParaRPr lang="it-IT" dirty="0" smtClean="0"/>
-          </a:p>
-          <a:p>
-            <a:pPr>
-              <a:buFontTx/>
-              <a:buChar char="-"/>
-            </a:pPr>
-            <a:r>
-              <a:rPr lang="it-IT" dirty="0" smtClean="0"/>
-              <a:t>3 </a:t>
-            </a:r>
-            <a:r>
-              <a:rPr lang="it-IT" dirty="0" err="1" smtClean="0"/>
-              <a:t>subjects</a:t>
-            </a:r>
-            <a:r>
-              <a:rPr lang="it-IT" dirty="0" smtClean="0"/>
-              <a:t> </a:t>
-            </a:r>
-            <a:r>
-              <a:rPr lang="it-IT" dirty="0" err="1" smtClean="0"/>
-              <a:t>were</a:t>
-            </a:r>
-            <a:r>
-              <a:rPr lang="it-IT" dirty="0" smtClean="0"/>
-              <a:t> </a:t>
-            </a:r>
-            <a:r>
-              <a:rPr lang="it-IT" dirty="0" err="1" smtClean="0"/>
-              <a:t>witheld</a:t>
-            </a:r>
-            <a:r>
-              <a:rPr lang="it-IT" dirty="0" smtClean="0"/>
-              <a:t> for </a:t>
-            </a:r>
-            <a:r>
-              <a:rPr lang="it-IT" dirty="0" err="1" smtClean="0"/>
-              <a:t>testing</a:t>
-            </a:r>
-            <a:r>
-              <a:rPr lang="it-IT" dirty="0" smtClean="0"/>
-              <a:t> the model </a:t>
-            </a:r>
-            <a:r>
-              <a:rPr lang="it-IT" dirty="0" err="1" smtClean="0"/>
-              <a:t>as</a:t>
-            </a:r>
-            <a:r>
-              <a:rPr lang="it-IT" dirty="0" smtClean="0"/>
-              <a:t> new, </a:t>
-            </a:r>
-            <a:r>
-              <a:rPr lang="it-IT" dirty="0" err="1" smtClean="0"/>
-              <a:t>unseen</a:t>
-            </a:r>
-            <a:r>
-              <a:rPr lang="it-IT" dirty="0" smtClean="0"/>
-              <a:t> data; </a:t>
-            </a:r>
-            <a:r>
-              <a:rPr lang="it-IT" dirty="0" err="1" smtClean="0"/>
-              <a:t>this</a:t>
-            </a:r>
-            <a:r>
-              <a:rPr lang="it-IT" dirty="0" smtClean="0"/>
-              <a:t> training set </a:t>
-            </a:r>
-            <a:r>
-              <a:rPr lang="it-IT" dirty="0" err="1" smtClean="0"/>
-              <a:t>includes</a:t>
-            </a:r>
-            <a:r>
-              <a:rPr lang="it-IT" dirty="0" smtClean="0"/>
-              <a:t> </a:t>
-            </a:r>
-            <a:r>
-              <a:rPr lang="it-IT" dirty="0" err="1" smtClean="0"/>
-              <a:t>participant</a:t>
-            </a:r>
-            <a:r>
-              <a:rPr lang="it-IT" dirty="0" smtClean="0"/>
-              <a:t> 14 </a:t>
-            </a:r>
-            <a:r>
-              <a:rPr lang="it-IT" dirty="0" err="1" smtClean="0"/>
-              <a:t>who</a:t>
-            </a:r>
-            <a:r>
-              <a:rPr lang="it-IT" dirty="0" smtClean="0"/>
-              <a:t> </a:t>
-            </a:r>
-            <a:r>
-              <a:rPr lang="it-IT" dirty="0" err="1" smtClean="0"/>
-              <a:t>was</a:t>
-            </a:r>
-            <a:r>
-              <a:rPr lang="it-IT" dirty="0" smtClean="0"/>
-              <a:t> </a:t>
-            </a:r>
-            <a:r>
-              <a:rPr lang="it-IT" dirty="0" err="1" smtClean="0"/>
-              <a:t>excluded</a:t>
-            </a:r>
-            <a:r>
-              <a:rPr lang="it-IT" dirty="0" smtClean="0"/>
-              <a:t> from the training </a:t>
-            </a:r>
-            <a:r>
-              <a:rPr lang="it-IT" dirty="0" err="1" smtClean="0"/>
-              <a:t>as</a:t>
-            </a:r>
-            <a:r>
-              <a:rPr lang="it-IT" dirty="0" smtClean="0"/>
-              <a:t> he </a:t>
-            </a:r>
-            <a:r>
-              <a:rPr lang="it-IT" dirty="0" err="1" smtClean="0"/>
-              <a:t>complained</a:t>
-            </a:r>
-            <a:r>
-              <a:rPr lang="it-IT" dirty="0" smtClean="0"/>
-              <a:t> </a:t>
-            </a:r>
-            <a:r>
-              <a:rPr lang="it-IT" dirty="0" err="1" smtClean="0"/>
-              <a:t>pain</a:t>
-            </a:r>
-            <a:r>
-              <a:rPr lang="it-IT" dirty="0" smtClean="0"/>
-              <a:t> in the </a:t>
-            </a:r>
-            <a:r>
-              <a:rPr lang="it-IT" dirty="0" err="1" smtClean="0"/>
-              <a:t>shoulder</a:t>
-            </a:r>
-            <a:r>
-              <a:rPr lang="it-IT" dirty="0" smtClean="0"/>
-              <a:t> </a:t>
-            </a:r>
-            <a:r>
-              <a:rPr lang="it-IT" dirty="0" err="1" smtClean="0"/>
-              <a:t>probably</a:t>
-            </a:r>
-            <a:r>
-              <a:rPr lang="it-IT" dirty="0" smtClean="0"/>
-              <a:t> </a:t>
-            </a:r>
-            <a:r>
-              <a:rPr lang="it-IT" dirty="0" err="1" smtClean="0"/>
-              <a:t>linked</a:t>
-            </a:r>
-            <a:r>
-              <a:rPr lang="it-IT" dirty="0" smtClean="0"/>
-              <a:t> to a </a:t>
-            </a:r>
-            <a:r>
-              <a:rPr lang="it-IT" dirty="0" err="1" smtClean="0"/>
-              <a:t>previously</a:t>
-            </a:r>
-            <a:r>
-              <a:rPr lang="it-IT" dirty="0" smtClean="0"/>
-              <a:t> </a:t>
-            </a:r>
-            <a:r>
-              <a:rPr lang="it-IT" dirty="0" err="1" smtClean="0"/>
-              <a:t>received</a:t>
-            </a:r>
-            <a:r>
-              <a:rPr lang="it-IT" dirty="0" smtClean="0"/>
-              <a:t> </a:t>
-            </a:r>
-            <a:r>
-              <a:rPr lang="it-IT" dirty="0" err="1" smtClean="0"/>
-              <a:t>surgery</a:t>
-            </a:r>
-            <a:r>
-              <a:rPr lang="it-IT" dirty="0" smtClean="0"/>
-              <a:t> and </a:t>
-            </a:r>
-            <a:r>
-              <a:rPr lang="it-IT" dirty="0" err="1" smtClean="0"/>
-              <a:t>one</a:t>
-            </a:r>
-            <a:r>
-              <a:rPr lang="it-IT" dirty="0" smtClean="0"/>
-              <a:t> </a:t>
-            </a:r>
-            <a:r>
-              <a:rPr lang="it-IT" dirty="0" err="1" smtClean="0"/>
-              <a:t>female</a:t>
-            </a:r>
-            <a:r>
-              <a:rPr lang="it-IT" dirty="0" smtClean="0"/>
-              <a:t> </a:t>
-            </a:r>
-            <a:r>
-              <a:rPr lang="it-IT" dirty="0" err="1" smtClean="0"/>
-              <a:t>subject</a:t>
-            </a:r>
-            <a:r>
-              <a:rPr lang="it-IT" dirty="0" smtClean="0"/>
-              <a:t> (</a:t>
-            </a:r>
-            <a:r>
-              <a:rPr lang="it-IT" dirty="0" err="1" smtClean="0"/>
-              <a:t>subject</a:t>
-            </a:r>
-            <a:r>
-              <a:rPr lang="it-IT" dirty="0" smtClean="0"/>
-              <a:t> 16)</a:t>
-            </a:r>
-          </a:p>
-          <a:p>
-            <a:pPr>
-              <a:buFontTx/>
-              <a:buChar char="-"/>
-            </a:pPr>
-            <a:r>
-              <a:rPr lang="it-IT" dirty="0" smtClean="0"/>
-              <a:t>RPE </a:t>
-            </a:r>
-            <a:r>
-              <a:rPr lang="it-IT" dirty="0" err="1" smtClean="0"/>
-              <a:t>was</a:t>
-            </a:r>
-            <a:r>
-              <a:rPr lang="it-IT" dirty="0" smtClean="0"/>
-              <a:t> first </a:t>
-            </a:r>
-            <a:r>
-              <a:rPr lang="it-IT" dirty="0" err="1" smtClean="0"/>
-              <a:t>included</a:t>
-            </a:r>
-            <a:r>
-              <a:rPr lang="it-IT" dirty="0" smtClean="0"/>
-              <a:t> </a:t>
-            </a:r>
-            <a:r>
-              <a:rPr lang="it-IT" dirty="0" err="1" smtClean="0"/>
-              <a:t>as</a:t>
-            </a:r>
-            <a:r>
-              <a:rPr lang="it-IT" dirty="0" smtClean="0"/>
-              <a:t> an input </a:t>
-            </a:r>
-            <a:r>
-              <a:rPr lang="it-IT" dirty="0" err="1" smtClean="0"/>
-              <a:t>variable</a:t>
-            </a:r>
-            <a:r>
-              <a:rPr lang="it-IT" dirty="0" smtClean="0"/>
-              <a:t>, </a:t>
-            </a:r>
-            <a:r>
-              <a:rPr lang="it-IT" dirty="0" err="1" smtClean="0"/>
-              <a:t>but</a:t>
-            </a:r>
-            <a:r>
-              <a:rPr lang="it-IT" dirty="0" smtClean="0"/>
-              <a:t> </a:t>
-            </a:r>
-            <a:r>
-              <a:rPr lang="it-IT" dirty="0" err="1" smtClean="0"/>
-              <a:t>it</a:t>
-            </a:r>
-            <a:r>
-              <a:rPr lang="it-IT" dirty="0" smtClean="0"/>
-              <a:t> </a:t>
-            </a:r>
-            <a:r>
-              <a:rPr lang="it-IT" dirty="0" err="1" smtClean="0"/>
-              <a:t>will</a:t>
-            </a:r>
-            <a:r>
-              <a:rPr lang="it-IT" dirty="0" smtClean="0"/>
-              <a:t> </a:t>
-            </a:r>
-            <a:r>
-              <a:rPr lang="it-IT" dirty="0" err="1" smtClean="0"/>
-              <a:t>not</a:t>
-            </a:r>
-            <a:r>
-              <a:rPr lang="it-IT" dirty="0" smtClean="0"/>
-              <a:t> be </a:t>
-            </a:r>
-            <a:r>
-              <a:rPr lang="it-IT" dirty="0" err="1" smtClean="0"/>
-              <a:t>provided</a:t>
-            </a:r>
-            <a:r>
-              <a:rPr lang="it-IT" dirty="0" smtClean="0"/>
-              <a:t> from </a:t>
-            </a:r>
-            <a:r>
-              <a:rPr lang="it-IT" dirty="0" err="1" smtClean="0"/>
-              <a:t>Zwift</a:t>
-            </a:r>
-            <a:r>
-              <a:rPr lang="it-IT" dirty="0" smtClean="0"/>
-              <a:t> </a:t>
-            </a:r>
-            <a:r>
-              <a:rPr lang="it-IT" dirty="0" err="1" smtClean="0"/>
-              <a:t>users</a:t>
-            </a:r>
-            <a:r>
-              <a:rPr lang="it-IT" dirty="0" smtClean="0"/>
-              <a:t>, so a </a:t>
-            </a:r>
-            <a:r>
-              <a:rPr lang="it-IT" dirty="0" err="1" smtClean="0"/>
-              <a:t>second</a:t>
-            </a:r>
-            <a:r>
-              <a:rPr lang="it-IT" dirty="0" smtClean="0"/>
-              <a:t> </a:t>
-            </a:r>
-            <a:r>
-              <a:rPr lang="it-IT" dirty="0" err="1" smtClean="0"/>
-              <a:t>version</a:t>
-            </a:r>
-            <a:r>
-              <a:rPr lang="it-IT" dirty="0" smtClean="0"/>
-              <a:t> of the model </a:t>
-            </a:r>
-            <a:r>
-              <a:rPr lang="it-IT" dirty="0" err="1" smtClean="0"/>
-              <a:t>without</a:t>
-            </a:r>
-            <a:r>
-              <a:rPr lang="it-IT" dirty="0" smtClean="0"/>
-              <a:t> RPE </a:t>
-            </a:r>
-            <a:r>
-              <a:rPr lang="it-IT" dirty="0" err="1" smtClean="0"/>
-              <a:t>has</a:t>
-            </a:r>
-            <a:r>
-              <a:rPr lang="it-IT" dirty="0" smtClean="0"/>
-              <a:t> </a:t>
-            </a:r>
-            <a:r>
-              <a:rPr lang="it-IT" dirty="0" err="1" smtClean="0"/>
-              <a:t>also</a:t>
-            </a:r>
-            <a:r>
-              <a:rPr lang="it-IT" dirty="0" smtClean="0"/>
-              <a:t> </a:t>
-            </a:r>
-            <a:r>
-              <a:rPr lang="it-IT" dirty="0" err="1" smtClean="0"/>
-              <a:t>been</a:t>
-            </a:r>
-            <a:r>
-              <a:rPr lang="it-IT" dirty="0" smtClean="0"/>
-              <a:t> </a:t>
-            </a:r>
-            <a:r>
-              <a:rPr lang="it-IT" dirty="0" err="1" smtClean="0"/>
-              <a:t>tested</a:t>
-            </a:r>
-            <a:r>
-              <a:rPr lang="it-IT" dirty="0" smtClean="0"/>
-              <a:t> on the </a:t>
-            </a:r>
-            <a:r>
-              <a:rPr lang="it-IT" dirty="0" err="1" smtClean="0"/>
-              <a:t>same</a:t>
-            </a:r>
-            <a:r>
-              <a:rPr lang="it-IT" dirty="0" smtClean="0"/>
-              <a:t> </a:t>
-            </a:r>
-            <a:r>
-              <a:rPr lang="it-IT" dirty="0" err="1" smtClean="0"/>
-              <a:t>dataset</a:t>
-            </a:r>
-            <a:r>
-              <a:rPr lang="it-IT" dirty="0"/>
-              <a:t> </a:t>
-            </a:r>
-            <a:r>
-              <a:rPr lang="it-IT" dirty="0" smtClean="0"/>
-              <a:t>to compare performances</a:t>
-            </a:r>
-          </a:p>
-          <a:p>
-            <a:pPr marL="0" indent="0">
-              <a:buNone/>
-            </a:pPr>
-            <a:r>
-              <a:rPr lang="it-IT" dirty="0" smtClean="0"/>
-              <a:t>- Note </a:t>
-            </a:r>
-            <a:r>
-              <a:rPr lang="it-IT" dirty="0" err="1" smtClean="0"/>
-              <a:t>that</a:t>
-            </a:r>
-            <a:r>
-              <a:rPr lang="it-IT" dirty="0" smtClean="0"/>
-              <a:t> the curve </a:t>
-            </a:r>
-            <a:r>
-              <a:rPr lang="it-IT" dirty="0" err="1" smtClean="0"/>
-              <a:t>chosen</a:t>
-            </a:r>
-            <a:r>
-              <a:rPr lang="it-IT" dirty="0" smtClean="0"/>
-              <a:t> </a:t>
-            </a:r>
-            <a:r>
-              <a:rPr lang="it-IT" dirty="0" err="1" smtClean="0"/>
-              <a:t>as</a:t>
-            </a:r>
-            <a:r>
-              <a:rPr lang="it-IT" dirty="0" smtClean="0"/>
-              <a:t> </a:t>
-            </a:r>
-            <a:r>
-              <a:rPr lang="it-IT" dirty="0" err="1" smtClean="0"/>
-              <a:t>gold</a:t>
-            </a:r>
-            <a:r>
-              <a:rPr lang="it-IT" dirty="0" smtClean="0"/>
-              <a:t> standard </a:t>
-            </a:r>
-            <a:r>
-              <a:rPr lang="it-IT" dirty="0" err="1" smtClean="0"/>
-              <a:t>while</a:t>
-            </a:r>
-            <a:r>
-              <a:rPr lang="it-IT" dirty="0" smtClean="0"/>
-              <a:t> </a:t>
-            </a:r>
-            <a:r>
-              <a:rPr lang="it-IT" dirty="0" err="1" smtClean="0"/>
-              <a:t>evaluating</a:t>
-            </a:r>
-            <a:r>
-              <a:rPr lang="it-IT" dirty="0" smtClean="0"/>
-              <a:t> the performances </a:t>
-            </a:r>
-            <a:r>
-              <a:rPr lang="it-IT" dirty="0" err="1" smtClean="0"/>
-              <a:t>is</a:t>
-            </a:r>
-            <a:r>
-              <a:rPr lang="it-IT" dirty="0" smtClean="0"/>
-              <a:t> the </a:t>
-            </a:r>
-            <a:r>
-              <a:rPr lang="it-IT" dirty="0" err="1" smtClean="0"/>
-              <a:t>Power</a:t>
-            </a:r>
-            <a:r>
-              <a:rPr lang="it-IT" dirty="0" smtClean="0"/>
-              <a:t> output on the </a:t>
-            </a:r>
-            <a:r>
-              <a:rPr lang="it-IT" dirty="0" err="1" smtClean="0"/>
-              <a:t>bicycle</a:t>
-            </a:r>
-            <a:r>
-              <a:rPr lang="it-IT" dirty="0" smtClean="0"/>
-              <a:t>, so the </a:t>
-            </a:r>
-            <a:r>
-              <a:rPr lang="it-IT" dirty="0" err="1" smtClean="0"/>
-              <a:t>repeteability</a:t>
-            </a:r>
-            <a:r>
-              <a:rPr lang="it-IT" dirty="0" smtClean="0"/>
-              <a:t> of the test </a:t>
-            </a:r>
-            <a:r>
-              <a:rPr lang="it-IT" dirty="0" err="1" smtClean="0"/>
-              <a:t>is</a:t>
-            </a:r>
-            <a:r>
-              <a:rPr lang="it-IT" dirty="0" smtClean="0"/>
-              <a:t> </a:t>
-            </a:r>
-            <a:r>
-              <a:rPr lang="it-IT" dirty="0" err="1" smtClean="0"/>
-              <a:t>already</a:t>
-            </a:r>
-            <a:r>
-              <a:rPr lang="it-IT" dirty="0" smtClean="0"/>
-              <a:t> </a:t>
-            </a:r>
-            <a:r>
-              <a:rPr lang="it-IT" dirty="0" err="1" smtClean="0"/>
-              <a:t>compromised</a:t>
-            </a:r>
-            <a:r>
-              <a:rPr lang="it-IT" dirty="0" smtClean="0"/>
-              <a:t>. A </a:t>
-            </a:r>
-            <a:r>
-              <a:rPr lang="it-IT" dirty="0" err="1" smtClean="0"/>
-              <a:t>perfect</a:t>
-            </a:r>
-            <a:r>
-              <a:rPr lang="it-IT" dirty="0" smtClean="0"/>
-              <a:t> </a:t>
-            </a:r>
-            <a:r>
-              <a:rPr lang="it-IT" dirty="0" err="1" smtClean="0"/>
-              <a:t>overlapping</a:t>
-            </a:r>
-            <a:r>
-              <a:rPr lang="it-IT" dirty="0" smtClean="0"/>
-              <a:t> of </a:t>
-            </a:r>
-            <a:r>
-              <a:rPr lang="it-IT" dirty="0" err="1" smtClean="0"/>
-              <a:t>curves</a:t>
-            </a:r>
-            <a:r>
-              <a:rPr lang="it-IT" dirty="0" smtClean="0"/>
-              <a:t> </a:t>
-            </a:r>
-            <a:r>
-              <a:rPr lang="it-IT" dirty="0" err="1" smtClean="0"/>
-              <a:t>is</a:t>
-            </a:r>
-            <a:r>
-              <a:rPr lang="it-IT" dirty="0" smtClean="0"/>
-              <a:t> </a:t>
-            </a:r>
-            <a:r>
-              <a:rPr lang="it-IT" dirty="0" err="1" smtClean="0"/>
-              <a:t>not</a:t>
-            </a:r>
-            <a:r>
-              <a:rPr lang="it-IT" dirty="0" smtClean="0"/>
-              <a:t> to be </a:t>
-            </a:r>
-            <a:r>
-              <a:rPr lang="it-IT" dirty="0" err="1" smtClean="0"/>
-              <a:t>expected</a:t>
-            </a:r>
-            <a:r>
-              <a:rPr lang="it-IT" dirty="0" smtClean="0"/>
-              <a:t> in </a:t>
-            </a:r>
-            <a:r>
-              <a:rPr lang="it-IT" dirty="0" err="1" smtClean="0"/>
-              <a:t>any</a:t>
-            </a:r>
-            <a:r>
-              <a:rPr lang="it-IT" dirty="0" smtClean="0"/>
-              <a:t> case.</a:t>
-            </a:r>
-          </a:p>
-          <a:p>
-            <a:pPr>
-              <a:buFontTx/>
-              <a:buChar char="-"/>
-            </a:pPr>
-            <a:endParaRPr lang="it-IT" dirty="0" smtClean="0"/>
+            <a:endParaRPr lang="it-IT" dirty="0"/>
           </a:p>
           <a:p>
             <a:pPr>
@@ -10819,30 +11037,591 @@
           <a:lstStyle/>
           <a:p>
             <a:r>
-              <a:rPr lang="it-IT" dirty="0" smtClean="0"/>
+              <a:rPr lang="it-IT" dirty="0"/>
               <a:t>How </a:t>
             </a:r>
             <a:r>
               <a:rPr lang="it-IT" dirty="0" err="1"/>
-              <a:t>w</a:t>
-            </a:r>
-            <a:r>
-              <a:rPr lang="it-IT" dirty="0" err="1" smtClean="0"/>
-              <a:t>as</a:t>
-            </a:r>
-            <a:r>
-              <a:rPr lang="it-IT" dirty="0" smtClean="0"/>
-              <a:t> the model </a:t>
-            </a:r>
-            <a:r>
-              <a:rPr lang="it-IT" dirty="0" err="1" smtClean="0"/>
+              <a:t>were</a:t>
+            </a:r>
+            <a:r>
+              <a:rPr lang="it-IT" dirty="0"/>
+              <a:t> the models </a:t>
+            </a:r>
+            <a:r>
+              <a:rPr lang="it-IT" dirty="0" err="1"/>
               <a:t>trained</a:t>
             </a:r>
             <a:r>
-              <a:rPr lang="it-IT" dirty="0" smtClean="0"/>
+              <a:rPr lang="it-IT" dirty="0"/>
               <a:t>?</a:t>
             </a:r>
-            <a:endParaRPr lang="it-IT" dirty="0"/>
+          </a:p>
+        </p:txBody>
+      </p:sp>
+      <p:sp>
+        <p:nvSpPr>
+          <p:cNvPr id="2" name="TextBox 1">
+            <a:extLst>
+              <a:ext uri="{FF2B5EF4-FFF2-40B4-BE49-F238E27FC236}">
+                <a16:creationId xmlns:a16="http://schemas.microsoft.com/office/drawing/2014/main" id="{118846C6-2D86-821C-DCFE-359BEDA6E5EF}"/>
+              </a:ext>
+            </a:extLst>
+          </p:cNvPr>
+          <p:cNvSpPr txBox="1"/>
+          <p:nvPr/>
+        </p:nvSpPr>
+        <p:spPr>
+          <a:xfrm>
+            <a:off x="1499934" y="1063387"/>
+            <a:ext cx="9780932" cy="3139321"/>
+          </a:xfrm>
+          <a:prstGeom prst="rect">
+            <a:avLst/>
+          </a:prstGeom>
+          <a:noFill/>
+        </p:spPr>
+        <p:txBody>
+          <a:bodyPr wrap="square" rtlCol="0">
+            <a:spAutoFit/>
+          </a:bodyPr>
+          <a:lstStyle/>
+          <a:p>
+            <a:r>
+              <a:rPr lang="nb-NO" dirty="0"/>
+              <a:t>RPE </a:t>
+            </a:r>
+            <a:r>
+              <a:rPr lang="nb-NO" dirty="0" err="1"/>
+              <a:t>model</a:t>
+            </a:r>
+            <a:r>
+              <a:rPr lang="nb-NO" dirty="0"/>
+              <a:t>: </a:t>
+            </a:r>
+          </a:p>
+          <a:p>
+            <a:r>
+              <a:rPr lang="nb-NO" dirty="0"/>
+              <a:t>-   </a:t>
+            </a:r>
+            <a:r>
+              <a:rPr lang="nb-NO" dirty="0" err="1"/>
+              <a:t>Feature</a:t>
+            </a:r>
+            <a:r>
+              <a:rPr lang="nb-NO" dirty="0"/>
+              <a:t> </a:t>
+            </a:r>
+            <a:r>
+              <a:rPr lang="nb-NO" dirty="0" err="1"/>
+              <a:t>extraction</a:t>
+            </a:r>
+            <a:r>
+              <a:rPr lang="nb-NO" dirty="0"/>
+              <a:t> over </a:t>
+            </a:r>
+            <a:r>
+              <a:rPr lang="nb-NO" dirty="0" err="1"/>
+              <a:t>windows</a:t>
+            </a:r>
+            <a:r>
+              <a:rPr lang="nb-NO" dirty="0"/>
+              <a:t> </a:t>
+            </a:r>
+            <a:r>
+              <a:rPr lang="nb-NO" dirty="0" err="1"/>
+              <a:t>of</a:t>
+            </a:r>
+            <a:r>
+              <a:rPr lang="nb-NO" dirty="0"/>
+              <a:t> 180 s and 60 s </a:t>
+            </a:r>
+            <a:r>
+              <a:rPr lang="nb-NO" dirty="0" err="1"/>
+              <a:t>length</a:t>
+            </a:r>
+            <a:endParaRPr lang="nb-NO" dirty="0"/>
+          </a:p>
+          <a:p>
+            <a:pPr marL="285750" indent="-285750">
+              <a:buFontTx/>
+              <a:buChar char="-"/>
+            </a:pPr>
+            <a:r>
+              <a:rPr lang="nb-NO" dirty="0"/>
+              <a:t>Linear </a:t>
+            </a:r>
+            <a:r>
+              <a:rPr lang="nb-NO" dirty="0" err="1"/>
+              <a:t>regression</a:t>
+            </a:r>
+            <a:r>
+              <a:rPr lang="nb-NO" dirty="0"/>
+              <a:t> (</a:t>
+            </a:r>
+            <a:r>
+              <a:rPr lang="nb-NO" dirty="0" err="1"/>
+              <a:t>LinearRegression</a:t>
+            </a:r>
+            <a:r>
+              <a:rPr lang="nb-NO" dirty="0"/>
+              <a:t> </a:t>
+            </a:r>
+            <a:r>
+              <a:rPr lang="nb-NO" dirty="0" err="1"/>
+              <a:t>package</a:t>
+            </a:r>
+            <a:r>
+              <a:rPr lang="nb-NO" dirty="0"/>
+              <a:t> from </a:t>
+            </a:r>
+            <a:r>
+              <a:rPr lang="nb-NO" dirty="0" err="1"/>
+              <a:t>sklearn</a:t>
+            </a:r>
+            <a:r>
+              <a:rPr lang="nb-NO" dirty="0"/>
+              <a:t>)</a:t>
+            </a:r>
+          </a:p>
+          <a:p>
+            <a:pPr marL="285750" indent="-285750">
+              <a:buFontTx/>
+              <a:buChar char="-"/>
+            </a:pPr>
+            <a:r>
+              <a:rPr lang="nb-NO" dirty="0"/>
+              <a:t>Support </a:t>
+            </a:r>
+            <a:r>
+              <a:rPr lang="nb-NO" dirty="0" err="1"/>
+              <a:t>vector</a:t>
+            </a:r>
+            <a:r>
+              <a:rPr lang="nb-NO" dirty="0"/>
+              <a:t> </a:t>
+            </a:r>
+            <a:r>
+              <a:rPr lang="nb-NO" dirty="0" err="1"/>
+              <a:t>regression</a:t>
+            </a:r>
+            <a:r>
+              <a:rPr lang="nb-NO" dirty="0"/>
+              <a:t> (SVR </a:t>
+            </a:r>
+            <a:r>
+              <a:rPr lang="nb-NO" dirty="0" err="1"/>
+              <a:t>pavckage</a:t>
+            </a:r>
+            <a:r>
+              <a:rPr lang="nb-NO" dirty="0"/>
+              <a:t> from </a:t>
+            </a:r>
+            <a:r>
+              <a:rPr lang="nb-NO" dirty="0" err="1"/>
+              <a:t>sklearn</a:t>
+            </a:r>
+            <a:r>
+              <a:rPr lang="nb-NO" dirty="0"/>
+              <a:t>)</a:t>
+            </a:r>
+          </a:p>
+          <a:p>
+            <a:pPr marL="285750" indent="-285750">
+              <a:buFontTx/>
+              <a:buChar char="-"/>
+            </a:pPr>
+            <a:endParaRPr lang="nb-NO" dirty="0"/>
+          </a:p>
+          <a:p>
+            <a:r>
+              <a:rPr lang="nb-NO" dirty="0"/>
+              <a:t>Power output </a:t>
+            </a:r>
+            <a:r>
+              <a:rPr lang="nb-NO" dirty="0" err="1"/>
+              <a:t>model</a:t>
+            </a:r>
+            <a:endParaRPr lang="nb-NO" dirty="0"/>
+          </a:p>
+          <a:p>
+            <a:pPr marL="285750" indent="-285750">
+              <a:buFontTx/>
+              <a:buChar char="-"/>
+            </a:pPr>
+            <a:r>
+              <a:rPr lang="nb-NO" dirty="0"/>
+              <a:t>Alpha as ratio </a:t>
+            </a:r>
+            <a:r>
+              <a:rPr lang="nb-NO" dirty="0" err="1"/>
+              <a:t>between</a:t>
+            </a:r>
+            <a:r>
+              <a:rPr lang="nb-NO" dirty="0"/>
+              <a:t> </a:t>
+            </a:r>
+            <a:r>
+              <a:rPr lang="nb-NO" dirty="0" err="1"/>
+              <a:t>P_bc</a:t>
+            </a:r>
+            <a:r>
+              <a:rPr lang="nb-NO" dirty="0"/>
+              <a:t> and </a:t>
+            </a:r>
+            <a:r>
+              <a:rPr lang="nb-NO" dirty="0" err="1"/>
+              <a:t>P_hc</a:t>
+            </a:r>
+            <a:endParaRPr lang="nb-NO" dirty="0"/>
+          </a:p>
+          <a:p>
+            <a:pPr marL="285750" indent="-285750">
+              <a:buFontTx/>
+              <a:buChar char="-"/>
+            </a:pPr>
+            <a:r>
+              <a:rPr lang="nb-NO" dirty="0"/>
+              <a:t>Linear </a:t>
+            </a:r>
+            <a:r>
+              <a:rPr lang="nb-NO" dirty="0" err="1"/>
+              <a:t>regression</a:t>
+            </a:r>
+            <a:endParaRPr lang="nb-NO" dirty="0"/>
+          </a:p>
+          <a:p>
+            <a:pPr marL="285750" indent="-285750">
+              <a:buFontTx/>
+              <a:buChar char="-"/>
+            </a:pPr>
+            <a:r>
+              <a:rPr lang="nb-NO" dirty="0"/>
+              <a:t>SVR?</a:t>
+            </a:r>
+          </a:p>
+          <a:p>
+            <a:pPr marL="285750" indent="-285750">
+              <a:buFontTx/>
+              <a:buChar char="-"/>
+            </a:pPr>
+            <a:endParaRPr lang="nb-NO" dirty="0"/>
+          </a:p>
+          <a:p>
+            <a:pPr marL="285750" indent="-285750">
+              <a:buFontTx/>
+              <a:buChar char="-"/>
+            </a:pPr>
+            <a:endParaRPr lang="nb-NO" dirty="0"/>
+          </a:p>
+        </p:txBody>
+      </p:sp>
+      <p:sp>
+        <p:nvSpPr>
+          <p:cNvPr id="4" name="Titolo 8">
+            <a:extLst>
+              <a:ext uri="{FF2B5EF4-FFF2-40B4-BE49-F238E27FC236}">
+                <a16:creationId xmlns:a16="http://schemas.microsoft.com/office/drawing/2014/main" id="{0BC96D3F-08E6-39FB-A064-4AB0AD233E7D}"/>
+              </a:ext>
+            </a:extLst>
+          </p:cNvPr>
+          <p:cNvSpPr txBox="1">
+            <a:spLocks/>
+          </p:cNvSpPr>
+          <p:nvPr/>
+        </p:nvSpPr>
+        <p:spPr>
+          <a:xfrm>
+            <a:off x="1699840" y="4061315"/>
+            <a:ext cx="8911687" cy="1280890"/>
+          </a:xfrm>
+          <a:prstGeom prst="rect">
+            <a:avLst/>
+          </a:prstGeom>
+        </p:spPr>
+        <p:txBody>
+          <a:bodyPr vert="horz" lIns="91440" tIns="45720" rIns="91440" bIns="45720" rtlCol="0" anchor="t">
+            <a:normAutofit/>
+          </a:bodyPr>
+          <a:lstStyle>
+            <a:lvl1pPr algn="l" defTabSz="457200" rtl="0" eaLnBrk="1" latinLnBrk="0" hangingPunct="1">
+              <a:spcBef>
+                <a:spcPct val="0"/>
+              </a:spcBef>
+              <a:buNone/>
+              <a:defRPr sz="3600" kern="1200">
+                <a:solidFill>
+                  <a:schemeClr val="accent2">
+                    <a:lumMod val="75000"/>
+                  </a:schemeClr>
+                </a:solidFill>
+                <a:latin typeface="+mj-lt"/>
+                <a:ea typeface="+mj-ea"/>
+                <a:cs typeface="+mj-cs"/>
+              </a:defRPr>
+            </a:lvl1pPr>
+            <a:lvl2pPr eaLnBrk="1" hangingPunct="1">
+              <a:defRPr>
+                <a:solidFill>
+                  <a:schemeClr val="tx2"/>
+                </a:solidFill>
+              </a:defRPr>
+            </a:lvl2pPr>
+            <a:lvl3pPr eaLnBrk="1" hangingPunct="1">
+              <a:defRPr>
+                <a:solidFill>
+                  <a:schemeClr val="tx2"/>
+                </a:solidFill>
+              </a:defRPr>
+            </a:lvl3pPr>
+            <a:lvl4pPr eaLnBrk="1" hangingPunct="1">
+              <a:defRPr>
+                <a:solidFill>
+                  <a:schemeClr val="tx2"/>
+                </a:solidFill>
+              </a:defRPr>
+            </a:lvl4pPr>
+            <a:lvl5pPr eaLnBrk="1" hangingPunct="1">
+              <a:defRPr>
+                <a:solidFill>
+                  <a:schemeClr val="tx2"/>
+                </a:solidFill>
+              </a:defRPr>
+            </a:lvl5pPr>
+            <a:lvl6pPr eaLnBrk="1" hangingPunct="1">
+              <a:defRPr>
+                <a:solidFill>
+                  <a:schemeClr val="tx2"/>
+                </a:solidFill>
+              </a:defRPr>
+            </a:lvl6pPr>
+            <a:lvl7pPr eaLnBrk="1" hangingPunct="1">
+              <a:defRPr>
+                <a:solidFill>
+                  <a:schemeClr val="tx2"/>
+                </a:solidFill>
+              </a:defRPr>
+            </a:lvl7pPr>
+            <a:lvl8pPr eaLnBrk="1" hangingPunct="1">
+              <a:defRPr>
+                <a:solidFill>
+                  <a:schemeClr val="tx2"/>
+                </a:solidFill>
+              </a:defRPr>
+            </a:lvl8pPr>
+            <a:lvl9pPr eaLnBrk="1" hangingPunct="1">
+              <a:defRPr>
+                <a:solidFill>
+                  <a:schemeClr val="tx2"/>
+                </a:solidFill>
+              </a:defRPr>
+            </a:lvl9pPr>
+          </a:lstStyle>
+          <a:p>
+            <a:r>
+              <a:rPr lang="it-IT" dirty="0"/>
+              <a:t>How </a:t>
+            </a:r>
+            <a:r>
+              <a:rPr lang="it-IT" dirty="0" err="1"/>
+              <a:t>were</a:t>
+            </a:r>
+            <a:r>
+              <a:rPr lang="it-IT" dirty="0"/>
+              <a:t> the models </a:t>
+            </a:r>
+            <a:r>
+              <a:rPr lang="it-IT" dirty="0" err="1"/>
+              <a:t>tested</a:t>
+            </a:r>
+            <a:r>
+              <a:rPr lang="it-IT" dirty="0"/>
+              <a:t>?</a:t>
+            </a:r>
+          </a:p>
+        </p:txBody>
+      </p:sp>
+      <p:sp>
+        <p:nvSpPr>
+          <p:cNvPr id="5" name="TextBox 4">
+            <a:extLst>
+              <a:ext uri="{FF2B5EF4-FFF2-40B4-BE49-F238E27FC236}">
+                <a16:creationId xmlns:a16="http://schemas.microsoft.com/office/drawing/2014/main" id="{10FED207-A040-CFF2-38E7-047CAD3257EF}"/>
+              </a:ext>
+            </a:extLst>
+          </p:cNvPr>
+          <p:cNvSpPr txBox="1"/>
+          <p:nvPr/>
+        </p:nvSpPr>
+        <p:spPr>
+          <a:xfrm>
+            <a:off x="1323810" y="4871283"/>
+            <a:ext cx="9360030" cy="923330"/>
+          </a:xfrm>
+          <a:prstGeom prst="rect">
+            <a:avLst/>
+          </a:prstGeom>
+          <a:noFill/>
+        </p:spPr>
+        <p:txBody>
+          <a:bodyPr wrap="square" rtlCol="0">
+            <a:spAutoFit/>
+          </a:bodyPr>
+          <a:lstStyle/>
+          <a:p>
+            <a:r>
+              <a:rPr lang="nb-NO" dirty="0" err="1"/>
+              <a:t>Leave</a:t>
+            </a:r>
+            <a:r>
+              <a:rPr lang="nb-NO" dirty="0"/>
+              <a:t> p-</a:t>
+            </a:r>
+            <a:r>
+              <a:rPr lang="nb-NO" dirty="0" err="1"/>
+              <a:t>out</a:t>
+            </a:r>
+            <a:r>
+              <a:rPr lang="nb-NO" dirty="0"/>
+              <a:t> </a:t>
+            </a:r>
+            <a:r>
+              <a:rPr lang="nb-NO" dirty="0" err="1"/>
+              <a:t>method</a:t>
+            </a:r>
+            <a:r>
+              <a:rPr lang="nb-NO" dirty="0"/>
+              <a:t>: 1 </a:t>
+            </a:r>
+            <a:r>
+              <a:rPr lang="nb-NO" dirty="0" err="1"/>
+              <a:t>subject</a:t>
+            </a:r>
+            <a:r>
+              <a:rPr lang="nb-NO" dirty="0"/>
+              <a:t> </a:t>
+            </a:r>
+            <a:r>
+              <a:rPr lang="nb-NO" dirty="0" err="1"/>
+              <a:t>left</a:t>
+            </a:r>
+            <a:r>
+              <a:rPr lang="nb-NO" dirty="0"/>
+              <a:t> </a:t>
+            </a:r>
+            <a:r>
+              <a:rPr lang="nb-NO" dirty="0" err="1"/>
+              <a:t>out</a:t>
+            </a:r>
+            <a:r>
+              <a:rPr lang="nb-NO" dirty="0"/>
+              <a:t> </a:t>
+            </a:r>
+            <a:r>
+              <a:rPr lang="nb-NO" dirty="0" err="1"/>
+              <a:t>of</a:t>
+            </a:r>
+            <a:r>
+              <a:rPr lang="nb-NO" dirty="0"/>
+              <a:t> </a:t>
+            </a:r>
+            <a:r>
+              <a:rPr lang="nb-NO" dirty="0" err="1"/>
+              <a:t>the</a:t>
+            </a:r>
+            <a:r>
+              <a:rPr lang="nb-NO" dirty="0"/>
+              <a:t> training </a:t>
+            </a:r>
+            <a:r>
+              <a:rPr lang="nb-NO" dirty="0" err="1"/>
+              <a:t>set</a:t>
+            </a:r>
+            <a:r>
+              <a:rPr lang="nb-NO" dirty="0"/>
+              <a:t> and used as test </a:t>
+            </a:r>
+            <a:r>
+              <a:rPr lang="nb-NO" dirty="0" err="1"/>
+              <a:t>set</a:t>
+            </a:r>
+            <a:r>
+              <a:rPr lang="nb-NO" dirty="0"/>
+              <a:t>. The </a:t>
+            </a:r>
+            <a:r>
+              <a:rPr lang="nb-NO" dirty="0" err="1"/>
+              <a:t>model</a:t>
+            </a:r>
+            <a:r>
+              <a:rPr lang="nb-NO" dirty="0"/>
+              <a:t> </a:t>
+            </a:r>
+            <a:r>
+              <a:rPr lang="nb-NO" dirty="0" err="1"/>
+              <a:t>gets</a:t>
+            </a:r>
+            <a:r>
+              <a:rPr lang="nb-NO" dirty="0"/>
+              <a:t> </a:t>
+            </a:r>
+            <a:r>
+              <a:rPr lang="nb-NO" dirty="0" err="1"/>
+              <a:t>iteratively</a:t>
+            </a:r>
+            <a:r>
+              <a:rPr lang="nb-NO" dirty="0"/>
+              <a:t> </a:t>
+            </a:r>
+            <a:r>
+              <a:rPr lang="nb-NO" dirty="0" err="1"/>
+              <a:t>trained</a:t>
+            </a:r>
+            <a:r>
+              <a:rPr lang="nb-NO" dirty="0"/>
+              <a:t> </a:t>
+            </a:r>
+            <a:r>
+              <a:rPr lang="nb-NO" dirty="0" err="1"/>
+              <a:t>with</a:t>
+            </a:r>
+            <a:r>
+              <a:rPr lang="nb-NO" dirty="0"/>
+              <a:t> a </a:t>
+            </a:r>
+            <a:r>
+              <a:rPr lang="nb-NO" dirty="0" err="1"/>
+              <a:t>new</a:t>
+            </a:r>
+            <a:r>
+              <a:rPr lang="nb-NO" dirty="0"/>
+              <a:t> test </a:t>
+            </a:r>
+            <a:r>
+              <a:rPr lang="nb-NO" dirty="0" err="1"/>
+              <a:t>set</a:t>
+            </a:r>
+            <a:endParaRPr lang="nb-NO" dirty="0"/>
+          </a:p>
+          <a:p>
+            <a:r>
+              <a:rPr lang="nb-NO" dirty="0"/>
+              <a:t>- Variables </a:t>
+            </a:r>
+            <a:r>
+              <a:rPr lang="nb-NO" dirty="0" err="1"/>
+              <a:t>considered</a:t>
+            </a:r>
+            <a:r>
+              <a:rPr lang="nb-NO" dirty="0"/>
+              <a:t>: r^2 </a:t>
+            </a:r>
+            <a:r>
+              <a:rPr lang="nb-NO" dirty="0" err="1"/>
+              <a:t>value</a:t>
+            </a:r>
+            <a:endParaRPr lang="nb-NO" dirty="0"/>
           </a:p>
         </p:txBody>
       </p:sp>
@@ -10856,13 +11635,6 @@
   <p:clrMapOvr>
     <a:masterClrMapping/>
   </p:clrMapOvr>
-  <p:timing>
-    <p:tnLst>
-      <p:par>
-        <p:cTn id="1" dur="indefinite" restart="never" nodeType="tmRoot"/>
-      </p:par>
-    </p:tnLst>
-  </p:timing>
 </p:sld>
 </file>
 
@@ -10885,7 +11657,13 @@
       </p:grpSpPr>
       <p:sp>
         <p:nvSpPr>
-          <p:cNvPr id="2" name="Titolo 1"/>
+          <p:cNvPr id="10" name="Title 9">
+            <a:extLst>
+              <a:ext uri="{FF2B5EF4-FFF2-40B4-BE49-F238E27FC236}">
+                <a16:creationId xmlns:a16="http://schemas.microsoft.com/office/drawing/2014/main" id="{B220F548-4D9A-D89B-EA1E-CC9F95E66F70}"/>
+              </a:ext>
+            </a:extLst>
+          </p:cNvPr>
           <p:cNvSpPr>
             <a:spLocks noGrp="1"/>
           </p:cNvSpPr>
@@ -10893,301 +11671,554 @@
             <p:ph type="title"/>
           </p:nvPr>
         </p:nvSpPr>
-        <p:spPr>
-          <a:xfrm>
-            <a:off x="1419225" y="252635"/>
-            <a:ext cx="11048999" cy="1118965"/>
-          </a:xfrm>
-        </p:spPr>
-        <p:txBody>
-          <a:bodyPr>
-            <a:normAutofit/>
-          </a:bodyPr>
-          <a:lstStyle/>
-          <a:p>
-            <a:r>
-              <a:rPr lang="it-IT" dirty="0" err="1" smtClean="0"/>
-              <a:t>Comparing</a:t>
-            </a:r>
-            <a:r>
-              <a:rPr lang="it-IT" dirty="0" smtClean="0"/>
-              <a:t> </a:t>
-            </a:r>
-            <a:r>
-              <a:rPr lang="it-IT" dirty="0" err="1" smtClean="0"/>
-              <a:t>models</a:t>
-            </a:r>
-            <a:r>
-              <a:rPr lang="it-IT" dirty="0" smtClean="0"/>
-              <a:t>: </a:t>
-            </a:r>
-            <a:r>
-              <a:rPr lang="it-IT" dirty="0" err="1" smtClean="0"/>
-              <a:t>healthy</a:t>
-            </a:r>
-            <a:r>
-              <a:rPr lang="it-IT" dirty="0" smtClean="0"/>
-              <a:t>, male </a:t>
-            </a:r>
-            <a:r>
-              <a:rPr lang="it-IT" dirty="0" err="1" smtClean="0"/>
-              <a:t>participant</a:t>
-            </a:r>
-            <a:endParaRPr lang="it-IT" dirty="0"/>
-          </a:p>
-        </p:txBody>
-      </p:sp>
-      <p:sp>
-        <p:nvSpPr>
-          <p:cNvPr id="3" name="Segnaposto testo 2"/>
-          <p:cNvSpPr>
-            <a:spLocks noGrp="1"/>
-          </p:cNvSpPr>
-          <p:nvPr>
-            <p:ph type="body" idx="1"/>
-          </p:nvPr>
-        </p:nvSpPr>
-        <p:spPr>
-          <a:xfrm>
-            <a:off x="1221497" y="1264555"/>
-            <a:ext cx="3992732" cy="576262"/>
-          </a:xfrm>
-        </p:spPr>
+        <p:spPr/>
         <p:txBody>
           <a:bodyPr/>
           <a:lstStyle/>
           <a:p>
-            <a:pPr algn="ctr"/>
-            <a:r>
-              <a:rPr lang="it-IT" dirty="0" smtClean="0"/>
-              <a:t>With RPE</a:t>
-            </a:r>
-            <a:endParaRPr lang="it-IT" dirty="0"/>
+            <a:r>
+              <a:rPr lang="nb-NO" dirty="0"/>
+              <a:t>RPE Model: </a:t>
+            </a:r>
+            <a:r>
+              <a:rPr lang="nb-NO" dirty="0" err="1"/>
+              <a:t>Feature</a:t>
+            </a:r>
+            <a:r>
+              <a:rPr lang="nb-NO" dirty="0"/>
+              <a:t> </a:t>
+            </a:r>
+            <a:r>
+              <a:rPr lang="nb-NO" dirty="0" err="1"/>
+              <a:t>extraction</a:t>
+            </a:r>
+            <a:endParaRPr lang="nb-NO" dirty="0"/>
           </a:p>
         </p:txBody>
       </p:sp>
       <p:sp>
         <p:nvSpPr>
-          <p:cNvPr id="5" name="Segnaposto testo 4"/>
-          <p:cNvSpPr>
-            <a:spLocks noGrp="1"/>
-          </p:cNvSpPr>
-          <p:nvPr>
-            <p:ph type="body" sz="quarter" idx="3"/>
-          </p:nvPr>
+          <p:cNvPr id="12" name="TextBox 11">
+            <a:extLst>
+              <a:ext uri="{FF2B5EF4-FFF2-40B4-BE49-F238E27FC236}">
+                <a16:creationId xmlns:a16="http://schemas.microsoft.com/office/drawing/2014/main" id="{12327E7A-2F18-3BCD-F402-768D92A8D5F8}"/>
+              </a:ext>
+            </a:extLst>
+          </p:cNvPr>
+          <p:cNvSpPr txBox="1"/>
+          <p:nvPr/>
         </p:nvSpPr>
         <p:spPr>
           <a:xfrm>
-            <a:off x="7411379" y="1294301"/>
-            <a:ext cx="3999001" cy="576262"/>
-          </a:xfrm>
-        </p:spPr>
-        <p:txBody>
-          <a:bodyPr/>
-          <a:lstStyle/>
-          <a:p>
-            <a:pPr algn="ctr"/>
-            <a:r>
-              <a:rPr lang="it-IT" dirty="0" err="1" smtClean="0"/>
-              <a:t>Without</a:t>
-            </a:r>
-            <a:r>
-              <a:rPr lang="it-IT" dirty="0" smtClean="0"/>
-              <a:t> RPE</a:t>
-            </a:r>
-            <a:endParaRPr lang="it-IT" dirty="0"/>
-          </a:p>
-        </p:txBody>
-      </p:sp>
-      <p:pic>
-        <p:nvPicPr>
-          <p:cNvPr id="12" name="Immagine 11"/>
-          <p:cNvPicPr>
-            <a:picLocks noChangeAspect="1"/>
-          </p:cNvPicPr>
-          <p:nvPr/>
-        </p:nvPicPr>
-        <p:blipFill>
-          <a:blip r:embed="rId2"/>
-          <a:stretch>
-            <a:fillRect/>
-          </a:stretch>
-        </p:blipFill>
-        <p:spPr>
-          <a:xfrm>
-            <a:off x="152760" y="1840817"/>
-            <a:ext cx="6200775" cy="4748695"/>
+            <a:off x="1162373" y="1743559"/>
+            <a:ext cx="3440624" cy="4524315"/>
           </a:xfrm>
           <a:prstGeom prst="rect">
             <a:avLst/>
           </a:prstGeom>
+          <a:noFill/>
         </p:spPr>
-      </p:pic>
-      <p:pic>
-        <p:nvPicPr>
-          <p:cNvPr id="8" name="Segnaposto contenuto 7"/>
-          <p:cNvPicPr>
-            <a:picLocks noGrp="1" noChangeAspect="1"/>
-          </p:cNvPicPr>
-          <p:nvPr>
-            <p:ph sz="quarter" idx="4"/>
-          </p:nvPr>
-        </p:nvPicPr>
-        <p:blipFill>
-          <a:blip r:embed="rId3"/>
-          <a:stretch>
-            <a:fillRect/>
-          </a:stretch>
-        </p:blipFill>
+        <p:txBody>
+          <a:bodyPr wrap="square" rtlCol="0">
+            <a:spAutoFit/>
+          </a:bodyPr>
+          <a:lstStyle/>
+          <a:p>
+            <a:r>
+              <a:rPr lang="nb-NO" dirty="0"/>
+              <a:t>From </a:t>
+            </a:r>
+            <a:r>
+              <a:rPr lang="nb-NO" dirty="0" err="1"/>
+              <a:t>Zwift</a:t>
+            </a:r>
+            <a:r>
+              <a:rPr lang="nb-NO" dirty="0"/>
+              <a:t> data (Power, Heart Rate, </a:t>
+            </a:r>
+            <a:r>
+              <a:rPr lang="nb-NO" dirty="0" err="1"/>
+              <a:t>Cadence</a:t>
+            </a:r>
+            <a:r>
+              <a:rPr lang="nb-NO" dirty="0"/>
+              <a:t>)</a:t>
+            </a:r>
+          </a:p>
+          <a:p>
+            <a:pPr marL="285750" indent="-285750">
+              <a:buFontTx/>
+              <a:buChar char="-"/>
+            </a:pPr>
+            <a:r>
+              <a:rPr lang="nb-NO" dirty="0" err="1"/>
+              <a:t>Mean</a:t>
+            </a:r>
+            <a:endParaRPr lang="nb-NO" dirty="0"/>
+          </a:p>
+          <a:p>
+            <a:pPr marL="285750" indent="-285750">
+              <a:buFontTx/>
+              <a:buChar char="-"/>
+            </a:pPr>
+            <a:r>
+              <a:rPr lang="nb-NO" dirty="0"/>
+              <a:t>Min and Max</a:t>
+            </a:r>
+          </a:p>
+          <a:p>
+            <a:pPr marL="285750" indent="-285750">
+              <a:buFontTx/>
+              <a:buChar char="-"/>
+            </a:pPr>
+            <a:r>
+              <a:rPr lang="nb-NO" dirty="0"/>
+              <a:t>Standard and Median abs </a:t>
+            </a:r>
+            <a:r>
+              <a:rPr lang="nb-NO" dirty="0" err="1"/>
+              <a:t>deviation</a:t>
+            </a:r>
+            <a:r>
+              <a:rPr lang="nb-NO" dirty="0"/>
+              <a:t> </a:t>
+            </a:r>
+          </a:p>
+          <a:p>
+            <a:pPr marL="285750" indent="-285750">
+              <a:buFontTx/>
+              <a:buChar char="-"/>
+            </a:pPr>
+            <a:r>
+              <a:rPr lang="nb-NO" dirty="0"/>
+              <a:t>Energy and </a:t>
+            </a:r>
+            <a:r>
+              <a:rPr lang="nb-NO" dirty="0" err="1"/>
+              <a:t>entropy</a:t>
+            </a:r>
+            <a:endParaRPr lang="nb-NO" dirty="0"/>
+          </a:p>
+          <a:p>
+            <a:pPr marL="285750" indent="-285750">
+              <a:buFontTx/>
+              <a:buChar char="-"/>
+            </a:pPr>
+            <a:r>
+              <a:rPr lang="nb-NO" dirty="0" err="1"/>
+              <a:t>Interquartile</a:t>
+            </a:r>
+            <a:r>
+              <a:rPr lang="nb-NO" dirty="0"/>
+              <a:t> range</a:t>
+            </a:r>
+          </a:p>
+          <a:p>
+            <a:pPr marL="285750" indent="-285750">
+              <a:buFontTx/>
+              <a:buChar char="-"/>
+            </a:pPr>
+            <a:r>
+              <a:rPr lang="nb-NO" dirty="0" err="1"/>
+              <a:t>Kurtosis</a:t>
+            </a:r>
+            <a:r>
+              <a:rPr lang="nb-NO" dirty="0"/>
+              <a:t> </a:t>
+            </a:r>
+          </a:p>
+          <a:p>
+            <a:pPr marL="285750" indent="-285750">
+              <a:buFontTx/>
+              <a:buChar char="-"/>
+            </a:pPr>
+            <a:r>
+              <a:rPr lang="nb-NO" dirty="0" err="1"/>
+              <a:t>Skewness</a:t>
+            </a:r>
+            <a:endParaRPr lang="nb-NO" dirty="0"/>
+          </a:p>
+          <a:p>
+            <a:pPr marL="285750" indent="-285750">
+              <a:buFontTx/>
+              <a:buChar char="-"/>
+            </a:pPr>
+            <a:r>
+              <a:rPr lang="nb-NO" dirty="0" err="1"/>
+              <a:t>Percentage</a:t>
+            </a:r>
+            <a:r>
+              <a:rPr lang="nb-NO" dirty="0"/>
+              <a:t> </a:t>
+            </a:r>
+            <a:r>
+              <a:rPr lang="nb-NO" dirty="0" err="1"/>
+              <a:t>of</a:t>
+            </a:r>
+            <a:r>
+              <a:rPr lang="nb-NO" dirty="0"/>
+              <a:t> </a:t>
+            </a:r>
+            <a:r>
+              <a:rPr lang="nb-NO" dirty="0" err="1"/>
+              <a:t>max</a:t>
+            </a:r>
+            <a:r>
+              <a:rPr lang="nb-NO" dirty="0"/>
+              <a:t> </a:t>
+            </a:r>
+            <a:r>
+              <a:rPr lang="nb-NO" dirty="0" err="1"/>
+              <a:t>value</a:t>
+            </a:r>
+            <a:endParaRPr lang="nb-NO" dirty="0"/>
+          </a:p>
+          <a:p>
+            <a:pPr marL="285750" indent="-285750">
+              <a:buFontTx/>
+              <a:buChar char="-"/>
+            </a:pPr>
+            <a:endParaRPr lang="nb-NO" dirty="0"/>
+          </a:p>
+          <a:p>
+            <a:pPr marL="285750" indent="-285750">
+              <a:buFontTx/>
+              <a:buChar char="-"/>
+            </a:pPr>
+            <a:endParaRPr lang="nb-NO" dirty="0"/>
+          </a:p>
+          <a:p>
+            <a:pPr marL="285750" indent="-285750">
+              <a:buFont typeface="Wingdings" panose="05000000000000000000" pitchFamily="2" charset="2"/>
+              <a:buChar char="è"/>
+            </a:pPr>
+            <a:r>
+              <a:rPr lang="nb-NO" dirty="0"/>
+              <a:t>Total </a:t>
+            </a:r>
+            <a:r>
+              <a:rPr lang="nb-NO" dirty="0" err="1"/>
+              <a:t>of</a:t>
+            </a:r>
+            <a:r>
+              <a:rPr lang="nb-NO" dirty="0"/>
+              <a:t> 37 </a:t>
+            </a:r>
+            <a:r>
+              <a:rPr lang="nb-NO" dirty="0" err="1"/>
+              <a:t>features</a:t>
+            </a:r>
+            <a:endParaRPr lang="nb-NO" dirty="0"/>
+          </a:p>
+          <a:p>
+            <a:endParaRPr lang="nb-NO" dirty="0"/>
+          </a:p>
+          <a:p>
+            <a:pPr marL="285750" indent="-285750">
+              <a:buFontTx/>
+              <a:buChar char="-"/>
+            </a:pPr>
+            <a:endParaRPr lang="nb-NO" dirty="0"/>
+          </a:p>
+        </p:txBody>
+      </p:sp>
+      <p:sp>
+        <p:nvSpPr>
+          <p:cNvPr id="15" name="TextBox 14">
+            <a:extLst>
+              <a:ext uri="{FF2B5EF4-FFF2-40B4-BE49-F238E27FC236}">
+                <a16:creationId xmlns:a16="http://schemas.microsoft.com/office/drawing/2014/main" id="{FF1B0E29-2E49-57A3-063C-E292F6822984}"/>
+              </a:ext>
+            </a:extLst>
+          </p:cNvPr>
+          <p:cNvSpPr txBox="1"/>
+          <p:nvPr/>
+        </p:nvSpPr>
         <p:spPr>
           <a:xfrm>
-            <a:off x="6014581" y="1840818"/>
-            <a:ext cx="6109189" cy="4749382"/>
+            <a:off x="5494149" y="1696419"/>
+            <a:ext cx="4951709" cy="4524315"/>
           </a:xfrm>
           <a:prstGeom prst="rect">
             <a:avLst/>
           </a:prstGeom>
+          <a:noFill/>
         </p:spPr>
-      </p:pic>
+        <p:txBody>
+          <a:bodyPr wrap="square" rtlCol="0">
+            <a:spAutoFit/>
+          </a:bodyPr>
+          <a:lstStyle/>
+          <a:p>
+            <a:r>
+              <a:rPr lang="nb-NO" dirty="0"/>
+              <a:t>For IMU Data, in </a:t>
+            </a:r>
+            <a:r>
+              <a:rPr lang="nb-NO" dirty="0" err="1"/>
+              <a:t>addiction</a:t>
+            </a:r>
+            <a:r>
+              <a:rPr lang="nb-NO" dirty="0"/>
+              <a:t>:</a:t>
+            </a:r>
+          </a:p>
+          <a:p>
+            <a:pPr marL="285750" indent="-285750">
+              <a:buFontTx/>
+              <a:buChar char="-"/>
+            </a:pPr>
+            <a:r>
+              <a:rPr lang="nb-NO" dirty="0" err="1"/>
+              <a:t>Psd</a:t>
+            </a:r>
+            <a:r>
+              <a:rPr lang="nb-NO" dirty="0"/>
+              <a:t> </a:t>
+            </a:r>
+            <a:r>
+              <a:rPr lang="nb-NO" dirty="0" err="1"/>
+              <a:t>mean</a:t>
+            </a:r>
+            <a:r>
+              <a:rPr lang="nb-NO" dirty="0"/>
+              <a:t>, min and </a:t>
+            </a:r>
+            <a:r>
+              <a:rPr lang="nb-NO" dirty="0" err="1"/>
+              <a:t>max</a:t>
+            </a:r>
+            <a:endParaRPr lang="nb-NO" dirty="0"/>
+          </a:p>
+          <a:p>
+            <a:pPr marL="285750" indent="-285750">
+              <a:buFontTx/>
+              <a:buChar char="-"/>
+            </a:pPr>
+            <a:r>
+              <a:rPr lang="nb-NO" dirty="0" err="1"/>
+              <a:t>Feature</a:t>
+            </a:r>
+            <a:r>
+              <a:rPr lang="nb-NO" dirty="0"/>
+              <a:t> </a:t>
+            </a:r>
+            <a:r>
+              <a:rPr lang="nb-NO" dirty="0" err="1"/>
+              <a:t>extraction</a:t>
+            </a:r>
+            <a:r>
+              <a:rPr lang="nb-NO" dirty="0"/>
+              <a:t> </a:t>
+            </a:r>
+            <a:r>
+              <a:rPr lang="nb-NO" dirty="0" err="1"/>
+              <a:t>was</a:t>
+            </a:r>
+            <a:r>
+              <a:rPr lang="nb-NO" dirty="0"/>
+              <a:t> </a:t>
+            </a:r>
+            <a:r>
+              <a:rPr lang="nb-NO" dirty="0" err="1"/>
+              <a:t>performed</a:t>
+            </a:r>
+            <a:r>
+              <a:rPr lang="nb-NO" dirty="0"/>
+              <a:t> </a:t>
+            </a:r>
+            <a:r>
+              <a:rPr lang="nb-NO" dirty="0" err="1"/>
+              <a:t>on</a:t>
+            </a:r>
+            <a:r>
+              <a:rPr lang="nb-NO" dirty="0"/>
+              <a:t> </a:t>
+            </a:r>
+            <a:r>
+              <a:rPr lang="nb-NO" dirty="0" err="1"/>
+              <a:t>the</a:t>
+            </a:r>
+            <a:r>
+              <a:rPr lang="nb-NO" dirty="0"/>
+              <a:t> </a:t>
+            </a:r>
+            <a:r>
+              <a:rPr lang="nb-NO" dirty="0" err="1"/>
+              <a:t>acceleration</a:t>
+            </a:r>
+            <a:r>
+              <a:rPr lang="nb-NO" dirty="0"/>
+              <a:t> </a:t>
+            </a:r>
+            <a:r>
+              <a:rPr lang="nb-NO" dirty="0" err="1"/>
+              <a:t>along</a:t>
+            </a:r>
+            <a:r>
+              <a:rPr lang="nb-NO" dirty="0"/>
+              <a:t> </a:t>
+            </a:r>
+            <a:r>
+              <a:rPr lang="nb-NO" dirty="0" err="1"/>
+              <a:t>the</a:t>
+            </a:r>
+            <a:r>
+              <a:rPr lang="nb-NO" dirty="0"/>
+              <a:t> </a:t>
+            </a:r>
+            <a:r>
+              <a:rPr lang="nb-NO" dirty="0" err="1"/>
+              <a:t>X</a:t>
+            </a:r>
+            <a:r>
+              <a:rPr lang="nb-NO" dirty="0"/>
+              <a:t>, Y and Z </a:t>
+            </a:r>
+            <a:r>
+              <a:rPr lang="nb-NO" dirty="0" err="1"/>
+              <a:t>axis</a:t>
+            </a:r>
+            <a:r>
+              <a:rPr lang="nb-NO" dirty="0"/>
+              <a:t> and </a:t>
+            </a:r>
+            <a:r>
+              <a:rPr lang="nb-NO" dirty="0" err="1"/>
+              <a:t>on</a:t>
+            </a:r>
+            <a:r>
+              <a:rPr lang="nb-NO" dirty="0"/>
+              <a:t> </a:t>
+            </a:r>
+            <a:r>
+              <a:rPr lang="nb-NO" dirty="0" err="1"/>
+              <a:t>the</a:t>
+            </a:r>
+            <a:r>
+              <a:rPr lang="nb-NO" dirty="0"/>
+              <a:t> </a:t>
+            </a:r>
+            <a:r>
+              <a:rPr lang="nb-NO" dirty="0" err="1"/>
+              <a:t>rotation</a:t>
+            </a:r>
+            <a:r>
+              <a:rPr lang="nb-NO" dirty="0"/>
+              <a:t> </a:t>
+            </a:r>
+            <a:r>
+              <a:rPr lang="nb-NO" dirty="0" err="1"/>
+              <a:t>along</a:t>
+            </a:r>
+            <a:r>
+              <a:rPr lang="nb-NO" dirty="0"/>
+              <a:t> </a:t>
+            </a:r>
+            <a:r>
+              <a:rPr lang="nb-NO" dirty="0" err="1"/>
+              <a:t>the</a:t>
+            </a:r>
+            <a:r>
+              <a:rPr lang="nb-NO" dirty="0"/>
+              <a:t> same </a:t>
+            </a:r>
+            <a:r>
+              <a:rPr lang="nb-NO" dirty="0" err="1"/>
+              <a:t>axes</a:t>
+            </a:r>
+            <a:endParaRPr lang="nb-NO" dirty="0"/>
+          </a:p>
+          <a:p>
+            <a:pPr marL="285750" indent="-285750">
+              <a:buFontTx/>
+              <a:buChar char="-"/>
+            </a:pPr>
+            <a:endParaRPr lang="nb-NO" dirty="0"/>
+          </a:p>
+          <a:p>
+            <a:pPr marL="285750" indent="-285750">
+              <a:buFontTx/>
+              <a:buChar char="-"/>
+            </a:pPr>
+            <a:endParaRPr lang="nb-NO" dirty="0"/>
+          </a:p>
+          <a:p>
+            <a:pPr marL="285750" indent="-285750">
+              <a:buFontTx/>
+              <a:buChar char="-"/>
+            </a:pPr>
+            <a:endParaRPr lang="nb-NO" dirty="0"/>
+          </a:p>
+          <a:p>
+            <a:pPr marL="285750" indent="-285750">
+              <a:buFontTx/>
+              <a:buChar char="-"/>
+            </a:pPr>
+            <a:endParaRPr lang="nb-NO" dirty="0"/>
+          </a:p>
+          <a:p>
+            <a:pPr marL="285750" indent="-285750">
+              <a:buFontTx/>
+              <a:buChar char="-"/>
+            </a:pPr>
+            <a:endParaRPr lang="nb-NO" dirty="0"/>
+          </a:p>
+          <a:p>
+            <a:pPr marL="285750" indent="-285750">
+              <a:buFontTx/>
+              <a:buChar char="-"/>
+            </a:pPr>
+            <a:endParaRPr lang="nb-NO" dirty="0"/>
+          </a:p>
+          <a:p>
+            <a:pPr marL="285750" indent="-285750">
+              <a:buFont typeface="Wingdings" panose="05000000000000000000" pitchFamily="2" charset="2"/>
+              <a:buChar char="è"/>
+            </a:pPr>
+            <a:endParaRPr lang="nb-NO" dirty="0"/>
+          </a:p>
+          <a:p>
+            <a:pPr marL="285750" indent="-285750">
+              <a:buFont typeface="Wingdings" panose="05000000000000000000" pitchFamily="2" charset="2"/>
+              <a:buChar char="è"/>
+            </a:pPr>
+            <a:r>
+              <a:rPr lang="nb-NO" dirty="0"/>
+              <a:t>Total </a:t>
+            </a:r>
+            <a:r>
+              <a:rPr lang="nb-NO" dirty="0" err="1"/>
+              <a:t>of</a:t>
+            </a:r>
+            <a:r>
+              <a:rPr lang="nb-NO" dirty="0"/>
+              <a:t> 205 </a:t>
+            </a:r>
+            <a:r>
+              <a:rPr lang="nb-NO" dirty="0" err="1"/>
+              <a:t>features</a:t>
+            </a:r>
+            <a:endParaRPr lang="nb-NO" dirty="0"/>
+          </a:p>
+          <a:p>
+            <a:endParaRPr lang="nb-NO" dirty="0"/>
+          </a:p>
+          <a:p>
+            <a:endParaRPr lang="nb-NO" dirty="0"/>
+          </a:p>
+        </p:txBody>
+      </p:sp>
     </p:spTree>
     <p:extLst>
       <p:ext uri="{BB962C8B-B14F-4D97-AF65-F5344CB8AC3E}">
-        <p14:creationId xmlns:p14="http://schemas.microsoft.com/office/powerpoint/2010/main" val="36994865"/>
+        <p14:creationId xmlns:p14="http://schemas.microsoft.com/office/powerpoint/2010/main" val="4061169017"/>
       </p:ext>
     </p:extLst>
   </p:cSld>
   <p:clrMapOvr>
     <a:masterClrMapping/>
   </p:clrMapOvr>
-  <p:timing>
-    <p:tnLst>
-      <p:par>
-        <p:cTn id="1" dur="indefinite" restart="never" nodeType="tmRoot">
-          <p:childTnLst>
-            <p:seq concurrent="1" nextAc="seek">
-              <p:cTn id="2" dur="indefinite" nodeType="mainSeq">
-                <p:childTnLst>
-                  <p:par>
-                    <p:cTn id="3" fill="hold">
-                      <p:stCondLst>
-                        <p:cond delay="indefinite"/>
-                      </p:stCondLst>
-                      <p:childTnLst>
-                        <p:par>
-                          <p:cTn id="4" fill="hold">
-                            <p:stCondLst>
-                              <p:cond delay="0"/>
-                            </p:stCondLst>
-                            <p:childTnLst>
-                              <p:par>
-                                <p:cTn id="5" presetID="42" presetClass="entr" presetSubtype="0" fill="hold" nodeType="clickEffect">
-                                  <p:stCondLst>
-                                    <p:cond delay="0"/>
-                                  </p:stCondLst>
-                                  <p:childTnLst>
-                                    <p:set>
-                                      <p:cBhvr>
-                                        <p:cTn id="6" dur="1" fill="hold">
-                                          <p:stCondLst>
-                                            <p:cond delay="0"/>
-                                          </p:stCondLst>
-                                        </p:cTn>
-                                        <p:tgtEl>
-                                          <p:spTgt spid="8"/>
-                                        </p:tgtEl>
-                                        <p:attrNameLst>
-                                          <p:attrName>style.visibility</p:attrName>
-                                        </p:attrNameLst>
-                                      </p:cBhvr>
-                                      <p:to>
-                                        <p:strVal val="visible"/>
-                                      </p:to>
-                                    </p:set>
-                                    <p:animEffect transition="in" filter="fade">
-                                      <p:cBhvr>
-                                        <p:cTn id="7" dur="1000"/>
-                                        <p:tgtEl>
-                                          <p:spTgt spid="8"/>
-                                        </p:tgtEl>
-                                      </p:cBhvr>
-                                    </p:animEffect>
-                                    <p:anim calcmode="lin" valueType="num">
-                                      <p:cBhvr>
-                                        <p:cTn id="8" dur="1000" fill="hold"/>
-                                        <p:tgtEl>
-                                          <p:spTgt spid="8"/>
-                                        </p:tgtEl>
-                                        <p:attrNameLst>
-                                          <p:attrName>ppt_x</p:attrName>
-                                        </p:attrNameLst>
-                                      </p:cBhvr>
-                                      <p:tavLst>
-                                        <p:tav tm="0">
-                                          <p:val>
-                                            <p:strVal val="#ppt_x"/>
-                                          </p:val>
-                                        </p:tav>
-                                        <p:tav tm="100000">
-                                          <p:val>
-                                            <p:strVal val="#ppt_x"/>
-                                          </p:val>
-                                        </p:tav>
-                                      </p:tavLst>
-                                    </p:anim>
-                                    <p:anim calcmode="lin" valueType="num">
-                                      <p:cBhvr>
-                                        <p:cTn id="9" dur="1000" fill="hold"/>
-                                        <p:tgtEl>
-                                          <p:spTgt spid="8"/>
-                                        </p:tgtEl>
-                                        <p:attrNameLst>
-                                          <p:attrName>ppt_y</p:attrName>
-                                        </p:attrNameLst>
-                                      </p:cBhvr>
-                                      <p:tavLst>
-                                        <p:tav tm="0">
-                                          <p:val>
-                                            <p:strVal val="#ppt_y+.1"/>
-                                          </p:val>
-                                        </p:tav>
-                                        <p:tav tm="100000">
-                                          <p:val>
-                                            <p:strVal val="#ppt_y"/>
-                                          </p:val>
-                                        </p:tav>
-                                      </p:tavLst>
-                                    </p:anim>
-                                  </p:childTnLst>
-                                </p:cTn>
-                              </p:par>
-                            </p:childTnLst>
-                          </p:cTn>
-                        </p:par>
-                      </p:childTnLst>
-                    </p:cTn>
-                  </p:par>
-                </p:childTnLst>
-              </p:cTn>
-              <p:prevCondLst>
-                <p:cond evt="onPrev" delay="0">
-                  <p:tgtEl>
-                    <p:sldTgt/>
-                  </p:tgtEl>
-                </p:cond>
-              </p:prevCondLst>
-              <p:nextCondLst>
-                <p:cond evt="onNext" delay="0">
-                  <p:tgtEl>
-                    <p:sldTgt/>
-                  </p:tgtEl>
-                </p:cond>
-              </p:nextCondLst>
-            </p:seq>
-          </p:childTnLst>
-        </p:cTn>
-      </p:par>
-    </p:tnLst>
-  </p:timing>
 </p:sld>
 </file>
 
@@ -11220,144 +12251,30 @@
         </p:nvSpPr>
         <p:spPr>
           <a:xfrm>
-            <a:off x="1545875" y="628106"/>
-            <a:ext cx="10646125" cy="1099804"/>
-          </a:xfrm>
-        </p:spPr>
-        <p:txBody>
-          <a:bodyPr>
-            <a:normAutofit fontScale="90000"/>
-          </a:bodyPr>
-          <a:lstStyle/>
-          <a:p>
-            <a:r>
-              <a:rPr lang="it-IT" dirty="0" err="1" smtClean="0"/>
-              <a:t>Comparing</a:t>
-            </a:r>
-            <a:r>
-              <a:rPr lang="it-IT" dirty="0" smtClean="0"/>
-              <a:t> </a:t>
-            </a:r>
-            <a:r>
-              <a:rPr lang="it-IT" dirty="0" err="1" smtClean="0"/>
-              <a:t>models</a:t>
-            </a:r>
-            <a:r>
-              <a:rPr lang="it-IT" dirty="0" smtClean="0"/>
-              <a:t>: </a:t>
-            </a:r>
-            <a:r>
-              <a:rPr lang="it-IT" dirty="0" err="1" smtClean="0"/>
-              <a:t>previously</a:t>
-            </a:r>
-            <a:r>
-              <a:rPr lang="it-IT" dirty="0" smtClean="0"/>
-              <a:t> </a:t>
-            </a:r>
-            <a:r>
-              <a:rPr lang="it-IT" dirty="0" err="1" smtClean="0"/>
-              <a:t>injured</a:t>
-            </a:r>
-            <a:r>
-              <a:rPr lang="it-IT" dirty="0" smtClean="0"/>
-              <a:t> </a:t>
-            </a:r>
-            <a:r>
-              <a:rPr lang="it-IT" dirty="0" err="1" smtClean="0"/>
-              <a:t>participant</a:t>
-            </a:r>
-            <a:r>
-              <a:rPr lang="it-IT" dirty="0" smtClean="0"/>
-              <a:t> </a:t>
-            </a:r>
-            <a:endParaRPr lang="it-IT" dirty="0"/>
-          </a:p>
-        </p:txBody>
-      </p:sp>
-      <p:sp>
-        <p:nvSpPr>
-          <p:cNvPr id="3" name="Segnaposto testo 2"/>
-          <p:cNvSpPr>
-            <a:spLocks noGrp="1"/>
-          </p:cNvSpPr>
-          <p:nvPr>
-            <p:ph type="body" idx="1"/>
-          </p:nvPr>
-        </p:nvSpPr>
-        <p:spPr>
-          <a:xfrm>
-            <a:off x="1221497" y="1264555"/>
-            <a:ext cx="3992732" cy="576262"/>
+            <a:off x="1640156" y="531121"/>
+            <a:ext cx="9828590" cy="1280890"/>
           </a:xfrm>
         </p:spPr>
         <p:txBody>
           <a:bodyPr/>
           <a:lstStyle/>
           <a:p>
-            <a:pPr algn="ctr"/>
-            <a:r>
-              <a:rPr lang="it-IT" dirty="0" smtClean="0"/>
-              <a:t>With RPE</a:t>
-            </a:r>
-            <a:endParaRPr lang="it-IT" dirty="0"/>
-          </a:p>
-        </p:txBody>
-      </p:sp>
-      <p:sp>
-        <p:nvSpPr>
-          <p:cNvPr id="5" name="Segnaposto testo 4"/>
-          <p:cNvSpPr>
-            <a:spLocks noGrp="1"/>
-          </p:cNvSpPr>
-          <p:nvPr>
-            <p:ph type="body" sz="quarter" idx="3"/>
-          </p:nvPr>
-        </p:nvSpPr>
-        <p:spPr>
-          <a:xfrm>
-            <a:off x="7098574" y="1264555"/>
-            <a:ext cx="3999001" cy="576262"/>
-          </a:xfrm>
-        </p:spPr>
-        <p:txBody>
-          <a:bodyPr/>
-          <a:lstStyle/>
-          <a:p>
-            <a:pPr algn="ctr"/>
-            <a:r>
-              <a:rPr lang="it-IT" dirty="0" err="1" smtClean="0"/>
-              <a:t>Without</a:t>
-            </a:r>
-            <a:r>
-              <a:rPr lang="it-IT" dirty="0" smtClean="0"/>
-              <a:t> RPE</a:t>
-            </a:r>
-            <a:endParaRPr lang="it-IT" dirty="0"/>
-          </a:p>
-        </p:txBody>
-      </p:sp>
-      <p:sp>
-        <p:nvSpPr>
-          <p:cNvPr id="13" name="Segnaposto contenuto 12"/>
-          <p:cNvSpPr>
-            <a:spLocks noGrp="1"/>
-          </p:cNvSpPr>
-          <p:nvPr>
-            <p:ph sz="half" idx="2"/>
-          </p:nvPr>
-        </p:nvSpPr>
-        <p:spPr/>
-        <p:txBody>
-          <a:bodyPr/>
-          <a:lstStyle/>
-          <a:p>
-            <a:endParaRPr lang="it-IT"/>
+            <a:r>
+              <a:rPr lang="it-IT" dirty="0"/>
+              <a:t>Model performance: 60 second windows</a:t>
+            </a:r>
           </a:p>
         </p:txBody>
       </p:sp>
       <p:pic>
         <p:nvPicPr>
-          <p:cNvPr id="14" name="Immagine 13"/>
+          <p:cNvPr id="26" name="Picture 25" descr="A group of graphs with red and blue dots&#10;&#10;AI-generated content may be incorrect.">
+            <a:extLst>
+              <a:ext uri="{FF2B5EF4-FFF2-40B4-BE49-F238E27FC236}">
+                <a16:creationId xmlns:a16="http://schemas.microsoft.com/office/drawing/2014/main" id="{00088A85-E7D0-0267-0918-E6C039EB792D}"/>
+              </a:ext>
+            </a:extLst>
+          </p:cNvPr>
           <p:cNvPicPr>
             <a:picLocks noChangeAspect="1"/>
           </p:cNvPicPr>
@@ -11371,57 +12288,108 @@
         </p:blipFill>
         <p:spPr>
           <a:xfrm>
-            <a:off x="148874" y="1835900"/>
-            <a:ext cx="6137977" cy="4677474"/>
+            <a:off x="436579" y="1409699"/>
+            <a:ext cx="8848700" cy="5046525"/>
           </a:xfrm>
           <a:prstGeom prst="rect">
             <a:avLst/>
           </a:prstGeom>
         </p:spPr>
       </p:pic>
-      <p:pic>
-        <p:nvPicPr>
-          <p:cNvPr id="12" name="Segnaposto contenuto 11"/>
-          <p:cNvPicPr>
-            <a:picLocks noGrp="1" noChangeAspect="1"/>
-          </p:cNvPicPr>
-          <p:nvPr>
-            <p:ph sz="quarter" idx="4"/>
-          </p:nvPr>
-        </p:nvPicPr>
-        <p:blipFill>
-          <a:blip r:embed="rId3"/>
-          <a:stretch>
-            <a:fillRect/>
-          </a:stretch>
-        </p:blipFill>
+      <p:sp>
+        <p:nvSpPr>
+          <p:cNvPr id="29" name="TextBox 28">
+            <a:extLst>
+              <a:ext uri="{FF2B5EF4-FFF2-40B4-BE49-F238E27FC236}">
+                <a16:creationId xmlns:a16="http://schemas.microsoft.com/office/drawing/2014/main" id="{2B7CE53E-1D9C-48DC-A06D-5218FC86E805}"/>
+              </a:ext>
+            </a:extLst>
+          </p:cNvPr>
+          <p:cNvSpPr txBox="1"/>
+          <p:nvPr/>
+        </p:nvSpPr>
         <p:spPr>
           <a:xfrm>
-            <a:off x="5938034" y="1840817"/>
-            <a:ext cx="6171670" cy="4672557"/>
+            <a:off x="9448800" y="1952625"/>
+            <a:ext cx="2105025" cy="2308324"/>
           </a:xfrm>
           <a:prstGeom prst="rect">
             <a:avLst/>
           </a:prstGeom>
+          <a:noFill/>
         </p:spPr>
-      </p:pic>
+        <p:txBody>
+          <a:bodyPr wrap="square" rtlCol="0">
+            <a:spAutoFit/>
+          </a:bodyPr>
+          <a:lstStyle/>
+          <a:p>
+            <a:r>
+              <a:rPr lang="nb-NO" dirty="0"/>
+              <a:t>r^2 minimum:  </a:t>
+            </a:r>
+          </a:p>
+          <a:p>
+            <a:r>
+              <a:rPr lang="nb-NO" dirty="0"/>
+              <a:t>- 0.114</a:t>
+            </a:r>
+          </a:p>
+          <a:p>
+            <a:endParaRPr lang="nb-NO" dirty="0"/>
+          </a:p>
+          <a:p>
+            <a:r>
+              <a:rPr lang="nb-NO" dirty="0"/>
+              <a:t>r^2 </a:t>
+            </a:r>
+            <a:r>
+              <a:rPr lang="nb-NO" dirty="0" err="1"/>
+              <a:t>maximum</a:t>
+            </a:r>
+            <a:r>
+              <a:rPr lang="nb-NO" dirty="0"/>
+              <a:t>:</a:t>
+            </a:r>
+          </a:p>
+          <a:p>
+            <a:r>
+              <a:rPr lang="nb-NO" dirty="0"/>
+              <a:t>0.736</a:t>
+            </a:r>
+          </a:p>
+          <a:p>
+            <a:endParaRPr lang="nb-NO" dirty="0"/>
+          </a:p>
+          <a:p>
+            <a:r>
+              <a:rPr lang="nb-NO" dirty="0"/>
+              <a:t>r^2 </a:t>
+            </a:r>
+            <a:r>
+              <a:rPr lang="nb-NO" dirty="0" err="1"/>
+              <a:t>average</a:t>
+            </a:r>
+            <a:r>
+              <a:rPr lang="nb-NO" dirty="0"/>
+              <a:t>:</a:t>
+            </a:r>
+          </a:p>
+          <a:p>
+            <a:endParaRPr lang="nb-NO" dirty="0"/>
+          </a:p>
+        </p:txBody>
+      </p:sp>
     </p:spTree>
     <p:extLst>
       <p:ext uri="{BB962C8B-B14F-4D97-AF65-F5344CB8AC3E}">
-        <p14:creationId xmlns:p14="http://schemas.microsoft.com/office/powerpoint/2010/main" val="1681889179"/>
+        <p14:creationId xmlns:p14="http://schemas.microsoft.com/office/powerpoint/2010/main" val="508040427"/>
       </p:ext>
     </p:extLst>
   </p:cSld>
   <p:clrMapOvr>
     <a:masterClrMapping/>
   </p:clrMapOvr>
-  <p:timing>
-    <p:tnLst>
-      <p:par>
-        <p:cTn id="1" dur="indefinite" restart="never" nodeType="tmRoot"/>
-      </p:par>
-    </p:tnLst>
-  </p:timing>
 </p:sld>
 </file>
 
@@ -11430,7 +12398,13 @@
   <p:cSld>
     <p:spTree>
       <p:nvGrpSpPr>
-        <p:cNvPr id="1" name=""/>
+        <p:cNvPr id="1" name="">
+          <a:extLst>
+            <a:ext uri="{FF2B5EF4-FFF2-40B4-BE49-F238E27FC236}">
+              <a16:creationId xmlns:a16="http://schemas.microsoft.com/office/drawing/2014/main" id="{A955ECAE-96A5-3D3B-33FF-8D639565B0E3}"/>
+            </a:ext>
+          </a:extLst>
+        </p:cNvPr>
         <p:cNvGrpSpPr/>
         <p:nvPr/>
       </p:nvGrpSpPr>
@@ -11444,7 +12418,13 @@
       </p:grpSpPr>
       <p:sp>
         <p:nvSpPr>
-          <p:cNvPr id="2" name="Titolo 1"/>
+          <p:cNvPr id="2" name="Titolo 1">
+            <a:extLst>
+              <a:ext uri="{FF2B5EF4-FFF2-40B4-BE49-F238E27FC236}">
+                <a16:creationId xmlns:a16="http://schemas.microsoft.com/office/drawing/2014/main" id="{E71DA6F9-0B41-16E7-69C0-3ECB50ED82DD}"/>
+              </a:ext>
+            </a:extLst>
+          </p:cNvPr>
           <p:cNvSpPr>
             <a:spLocks noGrp="1"/>
           </p:cNvSpPr>
@@ -11454,159 +12434,30 @@
         </p:nvSpPr>
         <p:spPr>
           <a:xfrm>
-            <a:off x="1609726" y="624110"/>
-            <a:ext cx="10582274" cy="1090390"/>
-          </a:xfrm>
-        </p:spPr>
-        <p:txBody>
-          <a:bodyPr>
-            <a:normAutofit fontScale="90000"/>
-          </a:bodyPr>
-          <a:lstStyle/>
-          <a:p>
-            <a:r>
-              <a:rPr lang="it-IT" dirty="0" err="1" smtClean="0"/>
-              <a:t>Comparing</a:t>
-            </a:r>
-            <a:r>
-              <a:rPr lang="it-IT" dirty="0" smtClean="0"/>
-              <a:t> </a:t>
-            </a:r>
-            <a:r>
-              <a:rPr lang="it-IT" dirty="0" err="1" smtClean="0"/>
-              <a:t>models</a:t>
-            </a:r>
-            <a:r>
-              <a:rPr lang="it-IT" dirty="0" smtClean="0"/>
-              <a:t>: </a:t>
-            </a:r>
-            <a:r>
-              <a:rPr lang="it-IT" dirty="0" err="1" smtClean="0"/>
-              <a:t>healthy</a:t>
-            </a:r>
-            <a:r>
-              <a:rPr lang="it-IT" dirty="0" smtClean="0"/>
-              <a:t>, </a:t>
-            </a:r>
-            <a:r>
-              <a:rPr lang="it-IT" dirty="0" err="1" smtClean="0"/>
-              <a:t>female</a:t>
-            </a:r>
-            <a:r>
-              <a:rPr lang="it-IT" dirty="0" smtClean="0"/>
-              <a:t> </a:t>
-            </a:r>
-            <a:r>
-              <a:rPr lang="it-IT" dirty="0" err="1" smtClean="0"/>
-              <a:t>participant</a:t>
-            </a:r>
-            <a:endParaRPr lang="it-IT" dirty="0"/>
-          </a:p>
-        </p:txBody>
-      </p:sp>
-      <p:sp>
-        <p:nvSpPr>
-          <p:cNvPr id="3" name="Segnaposto testo 2"/>
-          <p:cNvSpPr>
-            <a:spLocks noGrp="1"/>
-          </p:cNvSpPr>
-          <p:nvPr>
-            <p:ph type="body" idx="1"/>
-          </p:nvPr>
-        </p:nvSpPr>
-        <p:spPr>
-          <a:xfrm>
-            <a:off x="1221497" y="1264555"/>
-            <a:ext cx="3992732" cy="576262"/>
+            <a:off x="1640156" y="531121"/>
+            <a:ext cx="9828590" cy="1280890"/>
           </a:xfrm>
         </p:spPr>
         <p:txBody>
           <a:bodyPr/>
           <a:lstStyle/>
           <a:p>
-            <a:pPr algn="ctr"/>
-            <a:r>
-              <a:rPr lang="it-IT" dirty="0" smtClean="0"/>
-              <a:t>With RPE</a:t>
-            </a:r>
-            <a:endParaRPr lang="it-IT" dirty="0"/>
-          </a:p>
-        </p:txBody>
-      </p:sp>
-      <p:sp>
-        <p:nvSpPr>
-          <p:cNvPr id="5" name="Segnaposto testo 4"/>
-          <p:cNvSpPr>
-            <a:spLocks noGrp="1"/>
-          </p:cNvSpPr>
-          <p:nvPr>
-            <p:ph type="body" sz="quarter" idx="3"/>
-          </p:nvPr>
-        </p:nvSpPr>
-        <p:spPr>
-          <a:xfrm>
-            <a:off x="7098574" y="1264555"/>
-            <a:ext cx="3999001" cy="576262"/>
-          </a:xfrm>
-        </p:spPr>
-        <p:txBody>
-          <a:bodyPr/>
-          <a:lstStyle/>
-          <a:p>
-            <a:pPr algn="ctr"/>
-            <a:r>
-              <a:rPr lang="it-IT" dirty="0" err="1" smtClean="0"/>
-              <a:t>Without</a:t>
-            </a:r>
-            <a:r>
-              <a:rPr lang="it-IT" dirty="0" smtClean="0"/>
-              <a:t> RPE</a:t>
-            </a:r>
-            <a:endParaRPr lang="it-IT" dirty="0"/>
-          </a:p>
-        </p:txBody>
-      </p:sp>
-      <p:sp>
-        <p:nvSpPr>
-          <p:cNvPr id="4" name="Segnaposto contenuto 3"/>
-          <p:cNvSpPr>
-            <a:spLocks noGrp="1"/>
-          </p:cNvSpPr>
-          <p:nvPr>
-            <p:ph sz="half" idx="2"/>
-          </p:nvPr>
-        </p:nvSpPr>
-        <p:spPr/>
-        <p:txBody>
-          <a:bodyPr/>
-          <a:lstStyle/>
-          <a:p>
-            <a:endParaRPr lang="it-IT"/>
-          </a:p>
-        </p:txBody>
-      </p:sp>
-      <p:sp>
-        <p:nvSpPr>
-          <p:cNvPr id="7" name="Segnaposto contenuto 6"/>
-          <p:cNvSpPr>
-            <a:spLocks noGrp="1"/>
-          </p:cNvSpPr>
-          <p:nvPr>
-            <p:ph sz="quarter" idx="4"/>
-          </p:nvPr>
-        </p:nvSpPr>
-        <p:spPr/>
-        <p:txBody>
-          <a:bodyPr/>
-          <a:lstStyle/>
-          <a:p>
-            <a:endParaRPr lang="it-IT"/>
+            <a:r>
+              <a:rPr lang="it-IT" dirty="0"/>
+              <a:t>Model performance: 60 second windows</a:t>
+            </a:r>
           </a:p>
         </p:txBody>
       </p:sp>
       <p:pic>
         <p:nvPicPr>
-          <p:cNvPr id="13" name="Immagine 12"/>
+          <p:cNvPr id="4" name="Picture 3" descr="A group of graphs with red and blue dots&#10;&#10;AI-generated content may be incorrect.">
+            <a:extLst>
+              <a:ext uri="{FF2B5EF4-FFF2-40B4-BE49-F238E27FC236}">
+                <a16:creationId xmlns:a16="http://schemas.microsoft.com/office/drawing/2014/main" id="{761D70A5-C4B2-DA47-B198-842963D803A9}"/>
+              </a:ext>
+            </a:extLst>
+          </p:cNvPr>
           <p:cNvPicPr>
             <a:picLocks noChangeAspect="1"/>
           </p:cNvPicPr>
@@ -11620,32 +12471,8 @@
         </p:blipFill>
         <p:spPr>
           <a:xfrm>
-            <a:off x="189962" y="1872585"/>
-            <a:ext cx="6000750" cy="4547738"/>
-          </a:xfrm>
-          <a:prstGeom prst="rect">
-            <a:avLst/>
-          </a:prstGeom>
-        </p:spPr>
-      </p:pic>
-      <p:pic>
-        <p:nvPicPr>
-          <p:cNvPr id="8" name="Immagine 7"/>
-          <p:cNvPicPr>
-            <a:picLocks noChangeAspect="1"/>
-          </p:cNvPicPr>
-          <p:nvPr/>
-        </p:nvPicPr>
-        <p:blipFill>
-          <a:blip r:embed="rId3"/>
-          <a:stretch>
-            <a:fillRect/>
-          </a:stretch>
-        </p:blipFill>
-        <p:spPr>
-          <a:xfrm>
-            <a:off x="6190712" y="1872585"/>
-            <a:ext cx="5944138" cy="4547738"/>
+            <a:off x="638174" y="1354693"/>
+            <a:ext cx="9198697" cy="5246132"/>
           </a:xfrm>
           <a:prstGeom prst="rect">
             <a:avLst/>
@@ -11655,20 +12482,13 @@
     </p:spTree>
     <p:extLst>
       <p:ext uri="{BB962C8B-B14F-4D97-AF65-F5344CB8AC3E}">
-        <p14:creationId xmlns:p14="http://schemas.microsoft.com/office/powerpoint/2010/main" val="2891346891"/>
+        <p14:creationId xmlns:p14="http://schemas.microsoft.com/office/powerpoint/2010/main" val="2759609933"/>
       </p:ext>
     </p:extLst>
   </p:cSld>
   <p:clrMapOvr>
     <a:masterClrMapping/>
   </p:clrMapOvr>
-  <p:timing>
-    <p:tnLst>
-      <p:par>
-        <p:cTn id="1" dur="indefinite" restart="never" nodeType="tmRoot"/>
-      </p:par>
-    </p:tnLst>
-  </p:timing>
 </p:sld>
 </file>
 
@@ -11677,7 +12497,13 @@
   <p:cSld>
     <p:spTree>
       <p:nvGrpSpPr>
-        <p:cNvPr id="1" name=""/>
+        <p:cNvPr id="1" name="">
+          <a:extLst>
+            <a:ext uri="{FF2B5EF4-FFF2-40B4-BE49-F238E27FC236}">
+              <a16:creationId xmlns:a16="http://schemas.microsoft.com/office/drawing/2014/main" id="{14A28D6E-6C46-C2E4-5269-E29C24073C3A}"/>
+            </a:ext>
+          </a:extLst>
+        </p:cNvPr>
         <p:cNvGrpSpPr/>
         <p:nvPr/>
       </p:nvGrpSpPr>
@@ -11691,7 +12517,13 @@
       </p:grpSpPr>
       <p:sp>
         <p:nvSpPr>
-          <p:cNvPr id="2" name="Titolo 1"/>
+          <p:cNvPr id="2" name="Titolo 1">
+            <a:extLst>
+              <a:ext uri="{FF2B5EF4-FFF2-40B4-BE49-F238E27FC236}">
+                <a16:creationId xmlns:a16="http://schemas.microsoft.com/office/drawing/2014/main" id="{1FD440FF-8192-A35C-4D34-E4F85598E4F5}"/>
+              </a:ext>
+            </a:extLst>
+          </p:cNvPr>
           <p:cNvSpPr>
             <a:spLocks noGrp="1"/>
           </p:cNvSpPr>
@@ -11699,517 +12531,10 @@
             <p:ph type="title"/>
           </p:nvPr>
         </p:nvSpPr>
-        <p:spPr/>
-        <p:txBody>
-          <a:bodyPr/>
-          <a:lstStyle/>
-          <a:p>
-            <a:r>
-              <a:rPr lang="it-IT" dirty="0" smtClean="0"/>
-              <a:t>Analysis of the model performances</a:t>
-            </a:r>
-            <a:endParaRPr lang="it-IT" dirty="0"/>
-          </a:p>
-        </p:txBody>
-      </p:sp>
-      <p:sp>
-        <p:nvSpPr>
-          <p:cNvPr id="5" name="CasellaDiTesto 4"/>
-          <p:cNvSpPr txBox="1"/>
-          <p:nvPr/>
-        </p:nvSpPr>
         <p:spPr>
           <a:xfrm>
-            <a:off x="1162050" y="1905000"/>
-            <a:ext cx="10143465" cy="2862322"/>
-          </a:xfrm>
-          <a:prstGeom prst="rect">
-            <a:avLst/>
-          </a:prstGeom>
-          <a:noFill/>
-        </p:spPr>
-        <p:txBody>
-          <a:bodyPr wrap="square" rtlCol="0">
-            <a:spAutoFit/>
-          </a:bodyPr>
-          <a:lstStyle/>
-          <a:p>
-            <a:pPr marL="285750" indent="-285750">
-              <a:buFontTx/>
-              <a:buChar char="-"/>
-            </a:pPr>
-            <a:r>
-              <a:rPr lang="it-IT" dirty="0" smtClean="0"/>
-              <a:t>The model </a:t>
-            </a:r>
-            <a:r>
-              <a:rPr lang="it-IT" dirty="0" err="1" smtClean="0"/>
-              <a:t>seems</a:t>
-            </a:r>
-            <a:r>
-              <a:rPr lang="it-IT" dirty="0" smtClean="0"/>
-              <a:t> to </a:t>
-            </a:r>
-            <a:r>
-              <a:rPr lang="it-IT" dirty="0" err="1" smtClean="0"/>
-              <a:t>fit</a:t>
-            </a:r>
-            <a:r>
-              <a:rPr lang="it-IT" dirty="0" smtClean="0"/>
-              <a:t> </a:t>
-            </a:r>
-            <a:r>
-              <a:rPr lang="it-IT" dirty="0" err="1" smtClean="0"/>
-              <a:t>participants</a:t>
-            </a:r>
-            <a:r>
-              <a:rPr lang="it-IT" dirty="0" smtClean="0"/>
-              <a:t> </a:t>
-            </a:r>
-            <a:r>
-              <a:rPr lang="it-IT" dirty="0" err="1" smtClean="0"/>
-              <a:t>pretty</a:t>
-            </a:r>
-            <a:r>
-              <a:rPr lang="it-IT" dirty="0" smtClean="0"/>
-              <a:t> </a:t>
-            </a:r>
-            <a:r>
-              <a:rPr lang="it-IT" dirty="0" err="1" smtClean="0"/>
-              <a:t>well</a:t>
-            </a:r>
-            <a:r>
-              <a:rPr lang="it-IT" dirty="0" smtClean="0"/>
-              <a:t>, </a:t>
-            </a:r>
-            <a:r>
-              <a:rPr lang="it-IT" dirty="0" err="1" smtClean="0"/>
-              <a:t>even</a:t>
-            </a:r>
-            <a:r>
-              <a:rPr lang="it-IT" dirty="0" smtClean="0"/>
-              <a:t> </a:t>
-            </a:r>
-            <a:r>
-              <a:rPr lang="it-IT" dirty="0" err="1" smtClean="0"/>
-              <a:t>without</a:t>
-            </a:r>
-            <a:r>
-              <a:rPr lang="it-IT" dirty="0" smtClean="0"/>
-              <a:t> RPE</a:t>
-            </a:r>
-          </a:p>
-          <a:p>
-            <a:pPr marL="285750" indent="-285750">
-              <a:buFontTx/>
-              <a:buChar char="-"/>
-            </a:pPr>
-            <a:endParaRPr lang="it-IT" dirty="0" smtClean="0"/>
-          </a:p>
-          <a:p>
-            <a:r>
-              <a:rPr lang="it-IT" dirty="0" smtClean="0"/>
-              <a:t>-&gt; </a:t>
-            </a:r>
-            <a:r>
-              <a:rPr lang="it-IT" dirty="0" err="1" smtClean="0"/>
-              <a:t>Would</a:t>
-            </a:r>
-            <a:r>
-              <a:rPr lang="it-IT" dirty="0" smtClean="0"/>
-              <a:t> </a:t>
-            </a:r>
-            <a:r>
-              <a:rPr lang="it-IT" dirty="0" err="1" smtClean="0"/>
-              <a:t>it</a:t>
-            </a:r>
-            <a:r>
-              <a:rPr lang="it-IT" dirty="0" smtClean="0"/>
-              <a:t> be </a:t>
-            </a:r>
-            <a:r>
-              <a:rPr lang="it-IT" dirty="0" err="1" smtClean="0"/>
-              <a:t>possible</a:t>
-            </a:r>
-            <a:r>
-              <a:rPr lang="it-IT" dirty="0" smtClean="0"/>
-              <a:t> to </a:t>
-            </a:r>
-            <a:r>
-              <a:rPr lang="it-IT" dirty="0" err="1" smtClean="0"/>
-              <a:t>get</a:t>
-            </a:r>
-            <a:r>
-              <a:rPr lang="it-IT" dirty="0" smtClean="0"/>
-              <a:t> a </a:t>
-            </a:r>
-            <a:r>
-              <a:rPr lang="it-IT" dirty="0" err="1" smtClean="0"/>
-              <a:t>good</a:t>
-            </a:r>
-            <a:r>
-              <a:rPr lang="it-IT" dirty="0" smtClean="0"/>
-              <a:t> output </a:t>
-            </a:r>
-            <a:r>
-              <a:rPr lang="it-IT" dirty="0" err="1" smtClean="0"/>
-              <a:t>even</a:t>
-            </a:r>
-            <a:r>
-              <a:rPr lang="it-IT" dirty="0" smtClean="0"/>
-              <a:t> </a:t>
-            </a:r>
-            <a:r>
-              <a:rPr lang="it-IT" dirty="0" err="1" smtClean="0"/>
-              <a:t>without</a:t>
-            </a:r>
-            <a:r>
-              <a:rPr lang="it-IT" dirty="0" smtClean="0"/>
-              <a:t> RPE?</a:t>
-            </a:r>
-          </a:p>
-          <a:p>
-            <a:endParaRPr lang="it-IT" dirty="0" smtClean="0"/>
-          </a:p>
-          <a:p>
-            <a:pPr marL="285750" indent="-285750">
-              <a:buFontTx/>
-              <a:buChar char="-"/>
-            </a:pPr>
-            <a:r>
-              <a:rPr lang="it-IT" dirty="0" err="1" smtClean="0"/>
-              <a:t>Subject</a:t>
-            </a:r>
-            <a:r>
-              <a:rPr lang="it-IT" dirty="0" smtClean="0"/>
-              <a:t> 14 </a:t>
-            </a:r>
-            <a:r>
-              <a:rPr lang="it-IT" dirty="0" err="1" smtClean="0"/>
-              <a:t>seems</a:t>
-            </a:r>
-            <a:r>
-              <a:rPr lang="it-IT" dirty="0" smtClean="0"/>
-              <a:t> to </a:t>
-            </a:r>
-            <a:r>
-              <a:rPr lang="it-IT" dirty="0" err="1" smtClean="0"/>
-              <a:t>have</a:t>
-            </a:r>
-            <a:r>
-              <a:rPr lang="it-IT" dirty="0" smtClean="0"/>
-              <a:t> a </a:t>
-            </a:r>
-            <a:r>
-              <a:rPr lang="it-IT" dirty="0" err="1" smtClean="0"/>
-              <a:t>lower</a:t>
-            </a:r>
-            <a:r>
-              <a:rPr lang="it-IT" dirty="0" smtClean="0"/>
-              <a:t> </a:t>
-            </a:r>
-            <a:r>
-              <a:rPr lang="it-IT" dirty="0" err="1" smtClean="0"/>
-              <a:t>Power</a:t>
-            </a:r>
-            <a:r>
-              <a:rPr lang="it-IT" dirty="0" smtClean="0"/>
-              <a:t> output, </a:t>
-            </a:r>
-            <a:r>
-              <a:rPr lang="it-IT" dirty="0" err="1" smtClean="0"/>
-              <a:t>which</a:t>
-            </a:r>
-            <a:r>
-              <a:rPr lang="it-IT" dirty="0" smtClean="0"/>
-              <a:t> </a:t>
-            </a:r>
-            <a:r>
-              <a:rPr lang="it-IT" dirty="0" err="1" smtClean="0"/>
-              <a:t>is</a:t>
-            </a:r>
-            <a:r>
-              <a:rPr lang="it-IT" dirty="0" smtClean="0"/>
-              <a:t> </a:t>
-            </a:r>
-            <a:r>
-              <a:rPr lang="it-IT" dirty="0" err="1" smtClean="0"/>
-              <a:t>coherent</a:t>
-            </a:r>
-            <a:r>
-              <a:rPr lang="it-IT" dirty="0" smtClean="0"/>
-              <a:t> with the </a:t>
-            </a:r>
-            <a:r>
-              <a:rPr lang="it-IT" dirty="0" err="1" smtClean="0"/>
-              <a:t>fatigue</a:t>
-            </a:r>
-            <a:r>
-              <a:rPr lang="it-IT" dirty="0" smtClean="0"/>
-              <a:t> in the </a:t>
-            </a:r>
-            <a:r>
-              <a:rPr lang="it-IT" dirty="0" err="1" smtClean="0"/>
-              <a:t>shoulder</a:t>
-            </a:r>
-            <a:r>
-              <a:rPr lang="it-IT" dirty="0" smtClean="0"/>
-              <a:t> the </a:t>
-            </a:r>
-            <a:r>
-              <a:rPr lang="it-IT" dirty="0" err="1" smtClean="0"/>
-              <a:t>subject</a:t>
-            </a:r>
-            <a:r>
-              <a:rPr lang="it-IT" dirty="0" smtClean="0"/>
-              <a:t> </a:t>
-            </a:r>
-            <a:r>
-              <a:rPr lang="it-IT" dirty="0" err="1" smtClean="0"/>
-              <a:t>reported</a:t>
-            </a:r>
-            <a:endParaRPr lang="it-IT" dirty="0" smtClean="0"/>
-          </a:p>
-          <a:p>
-            <a:pPr marL="285750" indent="-285750">
-              <a:buFontTx/>
-              <a:buChar char="-"/>
-            </a:pPr>
-            <a:r>
-              <a:rPr lang="it-IT" dirty="0" err="1" smtClean="0"/>
-              <a:t>Subject</a:t>
-            </a:r>
-            <a:r>
-              <a:rPr lang="it-IT" dirty="0" smtClean="0"/>
-              <a:t> 6 (</a:t>
-            </a:r>
-            <a:r>
-              <a:rPr lang="it-IT" dirty="0" err="1" smtClean="0"/>
-              <a:t>female</a:t>
-            </a:r>
-            <a:r>
-              <a:rPr lang="it-IT" dirty="0" smtClean="0"/>
-              <a:t> </a:t>
-            </a:r>
-            <a:r>
-              <a:rPr lang="it-IT" dirty="0" err="1" smtClean="0"/>
-              <a:t>subject</a:t>
-            </a:r>
-            <a:r>
-              <a:rPr lang="it-IT" dirty="0" smtClean="0"/>
-              <a:t>) </a:t>
-            </a:r>
-            <a:r>
-              <a:rPr lang="it-IT" dirty="0" err="1" smtClean="0"/>
-              <a:t>is</a:t>
-            </a:r>
-            <a:r>
-              <a:rPr lang="it-IT" dirty="0" smtClean="0"/>
-              <a:t> the </a:t>
-            </a:r>
-            <a:r>
-              <a:rPr lang="it-IT" dirty="0" err="1" smtClean="0"/>
-              <a:t>one</a:t>
-            </a:r>
-            <a:r>
-              <a:rPr lang="it-IT" dirty="0" smtClean="0"/>
-              <a:t> </a:t>
-            </a:r>
-            <a:r>
-              <a:rPr lang="it-IT" dirty="0" err="1" smtClean="0"/>
-              <a:t>who</a:t>
-            </a:r>
-            <a:r>
-              <a:rPr lang="it-IT" dirty="0" smtClean="0"/>
-              <a:t> </a:t>
-            </a:r>
-            <a:r>
-              <a:rPr lang="it-IT" dirty="0" err="1" smtClean="0"/>
-              <a:t>experienced</a:t>
-            </a:r>
-            <a:r>
-              <a:rPr lang="it-IT" dirty="0" smtClean="0"/>
-              <a:t> a </a:t>
-            </a:r>
-            <a:r>
-              <a:rPr lang="it-IT" dirty="0" err="1" smtClean="0"/>
-              <a:t>bigger</a:t>
-            </a:r>
-            <a:r>
-              <a:rPr lang="it-IT" dirty="0" smtClean="0"/>
-              <a:t> </a:t>
-            </a:r>
-            <a:r>
-              <a:rPr lang="it-IT" dirty="0" err="1" smtClean="0"/>
-              <a:t>difference</a:t>
-            </a:r>
-            <a:r>
-              <a:rPr lang="it-IT" dirty="0" smtClean="0"/>
-              <a:t> </a:t>
-            </a:r>
-            <a:r>
-              <a:rPr lang="it-IT" dirty="0" err="1" smtClean="0"/>
-              <a:t>between</a:t>
-            </a:r>
-            <a:r>
-              <a:rPr lang="it-IT" dirty="0" smtClean="0"/>
-              <a:t> </a:t>
-            </a:r>
-            <a:r>
-              <a:rPr lang="it-IT" dirty="0" err="1" smtClean="0"/>
-              <a:t>recorded</a:t>
-            </a:r>
-            <a:r>
-              <a:rPr lang="it-IT" dirty="0" smtClean="0"/>
-              <a:t> and </a:t>
-            </a:r>
-            <a:r>
-              <a:rPr lang="it-IT" dirty="0" err="1" smtClean="0"/>
-              <a:t>predicted</a:t>
-            </a:r>
-            <a:r>
-              <a:rPr lang="it-IT" dirty="0" smtClean="0"/>
-              <a:t> </a:t>
-            </a:r>
-            <a:r>
-              <a:rPr lang="it-IT" dirty="0" err="1" smtClean="0"/>
-              <a:t>power</a:t>
-            </a:r>
-            <a:r>
-              <a:rPr lang="it-IT" dirty="0" smtClean="0"/>
-              <a:t> output</a:t>
-            </a:r>
-          </a:p>
-          <a:p>
-            <a:pPr marL="285750" indent="-285750">
-              <a:buFontTx/>
-              <a:buChar char="-"/>
-            </a:pPr>
-            <a:endParaRPr lang="it-IT" dirty="0" smtClean="0"/>
-          </a:p>
-          <a:p>
-            <a:r>
-              <a:rPr lang="it-IT" dirty="0" smtClean="0"/>
-              <a:t>-&gt; </a:t>
-            </a:r>
-            <a:r>
-              <a:rPr lang="it-IT" dirty="0" err="1" smtClean="0"/>
-              <a:t>Would</a:t>
-            </a:r>
-            <a:r>
-              <a:rPr lang="it-IT" dirty="0" smtClean="0"/>
-              <a:t> a gender-</a:t>
-            </a:r>
-            <a:r>
-              <a:rPr lang="it-IT" dirty="0" err="1" smtClean="0"/>
-              <a:t>based</a:t>
-            </a:r>
-            <a:r>
-              <a:rPr lang="it-IT" dirty="0" smtClean="0"/>
-              <a:t> model </a:t>
-            </a:r>
-            <a:r>
-              <a:rPr lang="it-IT" dirty="0" err="1" smtClean="0"/>
-              <a:t>perform</a:t>
-            </a:r>
-            <a:r>
-              <a:rPr lang="it-IT" dirty="0" smtClean="0"/>
-              <a:t> </a:t>
-            </a:r>
-            <a:r>
-              <a:rPr lang="it-IT" dirty="0" err="1" smtClean="0"/>
-              <a:t>better</a:t>
-            </a:r>
-            <a:r>
-              <a:rPr lang="it-IT" dirty="0" smtClean="0"/>
-              <a:t>?</a:t>
-            </a:r>
-            <a:endParaRPr lang="it-IT" dirty="0"/>
-          </a:p>
-        </p:txBody>
-      </p:sp>
-    </p:spTree>
-    <p:extLst>
-      <p:ext uri="{BB962C8B-B14F-4D97-AF65-F5344CB8AC3E}">
-        <p14:creationId xmlns:p14="http://schemas.microsoft.com/office/powerpoint/2010/main" val="793196190"/>
-      </p:ext>
-    </p:extLst>
-  </p:cSld>
-  <p:clrMapOvr>
-    <a:masterClrMapping/>
-  </p:clrMapOvr>
-  <p:timing>
-    <p:tnLst>
-      <p:par>
-        <p:cTn id="1" dur="indefinite" restart="never" nodeType="tmRoot"/>
-      </p:par>
-    </p:tnLst>
-  </p:timing>
-</p:sld>
-</file>
-
-<file path=ppt/slides/slide9.xml><?xml version="1.0" encoding="utf-8"?>
-<p:sld xmlns:a="http://schemas.openxmlformats.org/drawingml/2006/main" xmlns:r="http://schemas.openxmlformats.org/officeDocument/2006/relationships" xmlns:p="http://schemas.openxmlformats.org/presentationml/2006/main">
-  <p:cSld>
-    <p:spTree>
-      <p:nvGrpSpPr>
-        <p:cNvPr id="1" name=""/>
-        <p:cNvGrpSpPr/>
-        <p:nvPr/>
-      </p:nvGrpSpPr>
-      <p:grpSpPr>
-        <a:xfrm>
-          <a:off x="0" y="0"/>
-          <a:ext cx="0" cy="0"/>
-          <a:chOff x="0" y="0"/>
-          <a:chExt cx="0" cy="0"/>
-        </a:xfrm>
-      </p:grpSpPr>
-      <p:sp>
-        <p:nvSpPr>
-          <p:cNvPr id="2" name="Titolo 1"/>
-          <p:cNvSpPr>
-            <a:spLocks noGrp="1"/>
-          </p:cNvSpPr>
-          <p:nvPr>
-            <p:ph type="title"/>
-          </p:nvPr>
-        </p:nvSpPr>
-        <p:spPr/>
-        <p:txBody>
-          <a:bodyPr/>
-          <a:lstStyle/>
-          <a:p>
-            <a:r>
-              <a:rPr lang="it-IT" dirty="0" smtClean="0"/>
-              <a:t>Gender-</a:t>
-            </a:r>
-            <a:r>
-              <a:rPr lang="it-IT" dirty="0" err="1" smtClean="0"/>
-              <a:t>based</a:t>
-            </a:r>
-            <a:r>
-              <a:rPr lang="it-IT" dirty="0" smtClean="0"/>
-              <a:t> model </a:t>
-            </a:r>
-            <a:endParaRPr lang="it-IT" dirty="0"/>
-          </a:p>
-        </p:txBody>
-      </p:sp>
-      <p:sp>
-        <p:nvSpPr>
-          <p:cNvPr id="9" name="Segnaposto testo 8"/>
-          <p:cNvSpPr>
-            <a:spLocks noGrp="1"/>
-          </p:cNvSpPr>
-          <p:nvPr>
-            <p:ph type="body" idx="1"/>
-          </p:nvPr>
-        </p:nvSpPr>
-        <p:spPr>
-          <a:xfrm>
-            <a:off x="1728231" y="1328738"/>
-            <a:ext cx="3992732" cy="576262"/>
+            <a:off x="1640156" y="531121"/>
+            <a:ext cx="9828590" cy="1280890"/>
           </a:xfrm>
         </p:spPr>
         <p:txBody>
@@ -12217,157 +12542,21 @@
           <a:lstStyle/>
           <a:p>
             <a:r>
-              <a:rPr lang="it-IT" dirty="0" smtClean="0"/>
-              <a:t>Gender-</a:t>
-            </a:r>
-            <a:r>
-              <a:rPr lang="it-IT" dirty="0" err="1" smtClean="0"/>
-              <a:t>based</a:t>
-            </a:r>
-            <a:r>
-              <a:rPr lang="it-IT" dirty="0" smtClean="0"/>
-              <a:t> model</a:t>
-            </a:r>
-            <a:endParaRPr lang="it-IT" dirty="0"/>
-          </a:p>
-        </p:txBody>
-      </p:sp>
-      <p:sp>
-        <p:nvSpPr>
-          <p:cNvPr id="11" name="Segnaposto testo 10"/>
-          <p:cNvSpPr>
-            <a:spLocks noGrp="1"/>
-          </p:cNvSpPr>
-          <p:nvPr>
-            <p:ph type="body" sz="quarter" idx="3"/>
-          </p:nvPr>
-        </p:nvSpPr>
-        <p:spPr>
-          <a:xfrm>
-            <a:off x="7205211" y="1328738"/>
-            <a:ext cx="3999001" cy="576262"/>
-          </a:xfrm>
-        </p:spPr>
-        <p:txBody>
-          <a:bodyPr/>
-          <a:lstStyle/>
-          <a:p>
-            <a:r>
-              <a:rPr lang="it-IT" dirty="0" smtClean="0"/>
-              <a:t>Mixed gender model</a:t>
-            </a:r>
-            <a:endParaRPr lang="it-IT" dirty="0"/>
-          </a:p>
-        </p:txBody>
-      </p:sp>
-      <p:sp>
-        <p:nvSpPr>
-          <p:cNvPr id="5" name="CasellaDiTesto 4"/>
-          <p:cNvSpPr txBox="1"/>
-          <p:nvPr/>
-        </p:nvSpPr>
-        <p:spPr>
-          <a:xfrm>
-            <a:off x="8267700" y="228600"/>
-            <a:ext cx="3598862" cy="1477328"/>
-          </a:xfrm>
-          <a:prstGeom prst="rect">
-            <a:avLst/>
-          </a:prstGeom>
-          <a:noFill/>
-        </p:spPr>
-        <p:txBody>
-          <a:bodyPr wrap="square" rtlCol="0">
-            <a:spAutoFit/>
-          </a:bodyPr>
-          <a:lstStyle/>
-          <a:p>
-            <a:pPr marL="285750" indent="-285750">
-              <a:buFontTx/>
-              <a:buChar char="-"/>
-            </a:pPr>
-            <a:r>
-              <a:rPr lang="it-IT" dirty="0" err="1" smtClean="0"/>
-              <a:t>All</a:t>
-            </a:r>
-            <a:r>
-              <a:rPr lang="it-IT" dirty="0" smtClean="0"/>
-              <a:t> the </a:t>
-            </a:r>
-            <a:r>
-              <a:rPr lang="it-IT" dirty="0" err="1" smtClean="0"/>
-              <a:t>female</a:t>
-            </a:r>
-            <a:r>
-              <a:rPr lang="it-IT" dirty="0" smtClean="0"/>
-              <a:t> </a:t>
-            </a:r>
-            <a:r>
-              <a:rPr lang="it-IT" dirty="0" err="1" smtClean="0"/>
-              <a:t>participants</a:t>
-            </a:r>
-            <a:r>
-              <a:rPr lang="it-IT" dirty="0" smtClean="0"/>
-              <a:t> </a:t>
-            </a:r>
-            <a:r>
-              <a:rPr lang="it-IT" dirty="0" err="1" smtClean="0"/>
-              <a:t>declared</a:t>
-            </a:r>
-            <a:r>
-              <a:rPr lang="it-IT" dirty="0" smtClean="0"/>
-              <a:t> to be </a:t>
-            </a:r>
-            <a:r>
-              <a:rPr lang="it-IT" dirty="0" err="1" smtClean="0"/>
-              <a:t>healthy</a:t>
-            </a:r>
-            <a:r>
-              <a:rPr lang="it-IT" dirty="0" smtClean="0"/>
-              <a:t> and </a:t>
-            </a:r>
-            <a:r>
-              <a:rPr lang="it-IT" dirty="0" err="1" smtClean="0"/>
-              <a:t>did</a:t>
-            </a:r>
-            <a:r>
-              <a:rPr lang="it-IT" dirty="0" smtClean="0"/>
-              <a:t> </a:t>
-            </a:r>
-            <a:r>
-              <a:rPr lang="it-IT" dirty="0" err="1" smtClean="0"/>
-              <a:t>not</a:t>
-            </a:r>
-            <a:r>
-              <a:rPr lang="it-IT" dirty="0" smtClean="0"/>
-              <a:t> report </a:t>
-            </a:r>
-            <a:r>
-              <a:rPr lang="it-IT" dirty="0" err="1" smtClean="0"/>
-              <a:t>previous</a:t>
-            </a:r>
-            <a:r>
-              <a:rPr lang="it-IT" dirty="0" smtClean="0"/>
-              <a:t> </a:t>
-            </a:r>
-            <a:r>
-              <a:rPr lang="it-IT" dirty="0" err="1" smtClean="0"/>
-              <a:t>injuries</a:t>
-            </a:r>
-            <a:endParaRPr lang="it-IT" dirty="0" smtClean="0"/>
-          </a:p>
-          <a:p>
-            <a:pPr marL="285750" indent="-285750">
-              <a:buFontTx/>
-              <a:buChar char="-"/>
-            </a:pPr>
-            <a:endParaRPr lang="it-IT" dirty="0"/>
+              <a:rPr lang="it-IT" dirty="0"/>
+              <a:t>Model performance: 60 second windows</a:t>
+            </a:r>
           </a:p>
         </p:txBody>
       </p:sp>
       <p:pic>
         <p:nvPicPr>
-          <p:cNvPr id="14" name="Immagine 13"/>
+          <p:cNvPr id="4" name="Picture 3" descr="A group of graphs showing the results of a graph&#10;&#10;AI-generated content may be incorrect.">
+            <a:extLst>
+              <a:ext uri="{FF2B5EF4-FFF2-40B4-BE49-F238E27FC236}">
+                <a16:creationId xmlns:a16="http://schemas.microsoft.com/office/drawing/2014/main" id="{140130B8-E9E9-CA21-CCFB-B2D59887153E}"/>
+              </a:ext>
+            </a:extLst>
+          </p:cNvPr>
           <p:cNvPicPr>
             <a:picLocks noChangeAspect="1"/>
           </p:cNvPicPr>
@@ -12381,32 +12570,8 @@
         </p:blipFill>
         <p:spPr>
           <a:xfrm>
-            <a:off x="115848" y="1905000"/>
-            <a:ext cx="6259890" cy="4848545"/>
-          </a:xfrm>
-          <a:prstGeom prst="rect">
-            <a:avLst/>
-          </a:prstGeom>
-        </p:spPr>
-      </p:pic>
-      <p:pic>
-        <p:nvPicPr>
-          <p:cNvPr id="13" name="Immagine 12"/>
-          <p:cNvPicPr>
-            <a:picLocks noChangeAspect="1"/>
-          </p:cNvPicPr>
-          <p:nvPr/>
-        </p:nvPicPr>
-        <p:blipFill>
-          <a:blip r:embed="rId3"/>
-          <a:stretch>
-            <a:fillRect/>
-          </a:stretch>
-        </p:blipFill>
-        <p:spPr>
-          <a:xfrm>
-            <a:off x="5973324" y="1905000"/>
-            <a:ext cx="6018651" cy="4848545"/>
+            <a:off x="1036007" y="1331564"/>
+            <a:ext cx="9155743" cy="5221635"/>
           </a:xfrm>
           <a:prstGeom prst="rect">
             <a:avLst/>
@@ -12416,20 +12581,112 @@
     </p:spTree>
     <p:extLst>
       <p:ext uri="{BB962C8B-B14F-4D97-AF65-F5344CB8AC3E}">
-        <p14:creationId xmlns:p14="http://schemas.microsoft.com/office/powerpoint/2010/main" val="4061169017"/>
+        <p14:creationId xmlns:p14="http://schemas.microsoft.com/office/powerpoint/2010/main" val="1424497433"/>
       </p:ext>
     </p:extLst>
   </p:cSld>
   <p:clrMapOvr>
     <a:masterClrMapping/>
   </p:clrMapOvr>
-  <p:timing>
-    <p:tnLst>
-      <p:par>
-        <p:cTn id="1" dur="indefinite" restart="never" nodeType="tmRoot"/>
-      </p:par>
-    </p:tnLst>
-  </p:timing>
+</p:sld>
+</file>
+
+<file path=ppt/slides/slide9.xml><?xml version="1.0" encoding="utf-8"?>
+<p:sld xmlns:a="http://schemas.openxmlformats.org/drawingml/2006/main" xmlns:r="http://schemas.openxmlformats.org/officeDocument/2006/relationships" xmlns:p="http://schemas.openxmlformats.org/presentationml/2006/main">
+  <p:cSld>
+    <p:spTree>
+      <p:nvGrpSpPr>
+        <p:cNvPr id="1" name="">
+          <a:extLst>
+            <a:ext uri="{FF2B5EF4-FFF2-40B4-BE49-F238E27FC236}">
+              <a16:creationId xmlns:a16="http://schemas.microsoft.com/office/drawing/2014/main" id="{30C6A3B7-E9F0-AFF4-4B7F-A05CFC5E8810}"/>
+            </a:ext>
+          </a:extLst>
+        </p:cNvPr>
+        <p:cNvGrpSpPr/>
+        <p:nvPr/>
+      </p:nvGrpSpPr>
+      <p:grpSpPr>
+        <a:xfrm>
+          <a:off x="0" y="0"/>
+          <a:ext cx="0" cy="0"/>
+          <a:chOff x="0" y="0"/>
+          <a:chExt cx="0" cy="0"/>
+        </a:xfrm>
+      </p:grpSpPr>
+      <p:sp>
+        <p:nvSpPr>
+          <p:cNvPr id="2" name="Titolo 1">
+            <a:extLst>
+              <a:ext uri="{FF2B5EF4-FFF2-40B4-BE49-F238E27FC236}">
+                <a16:creationId xmlns:a16="http://schemas.microsoft.com/office/drawing/2014/main" id="{46C890E3-65D6-E866-5F26-7817BC7206D9}"/>
+              </a:ext>
+            </a:extLst>
+          </p:cNvPr>
+          <p:cNvSpPr>
+            <a:spLocks noGrp="1"/>
+          </p:cNvSpPr>
+          <p:nvPr>
+            <p:ph type="title"/>
+          </p:nvPr>
+        </p:nvSpPr>
+        <p:spPr>
+          <a:xfrm>
+            <a:off x="1640156" y="531121"/>
+            <a:ext cx="9828590" cy="1280890"/>
+          </a:xfrm>
+        </p:spPr>
+        <p:txBody>
+          <a:bodyPr/>
+          <a:lstStyle/>
+          <a:p>
+            <a:r>
+              <a:rPr lang="it-IT" dirty="0"/>
+              <a:t>Model performance: 60 second windows</a:t>
+            </a:r>
+          </a:p>
+        </p:txBody>
+      </p:sp>
+      <p:pic>
+        <p:nvPicPr>
+          <p:cNvPr id="5" name="Picture 4" descr="A group of graphs with red and blue dots&#10;&#10;AI-generated content may be incorrect.">
+            <a:extLst>
+              <a:ext uri="{FF2B5EF4-FFF2-40B4-BE49-F238E27FC236}">
+                <a16:creationId xmlns:a16="http://schemas.microsoft.com/office/drawing/2014/main" id="{EA68A70E-849B-CCDA-14CE-B53947C36AD2}"/>
+              </a:ext>
+            </a:extLst>
+          </p:cNvPr>
+          <p:cNvPicPr>
+            <a:picLocks noChangeAspect="1"/>
+          </p:cNvPicPr>
+          <p:nvPr/>
+        </p:nvPicPr>
+        <p:blipFill>
+          <a:blip r:embed="rId2"/>
+          <a:stretch>
+            <a:fillRect/>
+          </a:stretch>
+        </p:blipFill>
+        <p:spPr>
+          <a:xfrm>
+            <a:off x="723254" y="1381124"/>
+            <a:ext cx="9068844" cy="5172075"/>
+          </a:xfrm>
+          <a:prstGeom prst="rect">
+            <a:avLst/>
+          </a:prstGeom>
+        </p:spPr>
+      </p:pic>
+    </p:spTree>
+    <p:extLst>
+      <p:ext uri="{BB962C8B-B14F-4D97-AF65-F5344CB8AC3E}">
+        <p14:creationId xmlns:p14="http://schemas.microsoft.com/office/powerpoint/2010/main" val="3380047821"/>
+      </p:ext>
+    </p:extLst>
+  </p:cSld>
+  <p:clrMapOvr>
+    <a:masterClrMapping/>
+  </p:clrMapOvr>
 </p:sld>
 </file>
 
@@ -12674,4 +12931,319 @@
     </a:ext>
   </a:extLst>
 </a:theme>
+</file>
+
+<file path=ppt/theme/theme2.xml><?xml version="1.0" encoding="utf-8"?>
+<a:theme xmlns:a="http://schemas.openxmlformats.org/drawingml/2006/main" name="Office Theme">
+  <a:themeElements>
+    <a:clrScheme name="Office">
+      <a:dk1>
+        <a:sysClr val="windowText" lastClr="000000"/>
+      </a:dk1>
+      <a:lt1>
+        <a:sysClr val="window" lastClr="FFFFFF"/>
+      </a:lt1>
+      <a:dk2>
+        <a:srgbClr val="0E2841"/>
+      </a:dk2>
+      <a:lt2>
+        <a:srgbClr val="E8E8E8"/>
+      </a:lt2>
+      <a:accent1>
+        <a:srgbClr val="156082"/>
+      </a:accent1>
+      <a:accent2>
+        <a:srgbClr val="E97132"/>
+      </a:accent2>
+      <a:accent3>
+        <a:srgbClr val="196B24"/>
+      </a:accent3>
+      <a:accent4>
+        <a:srgbClr val="0F9ED5"/>
+      </a:accent4>
+      <a:accent5>
+        <a:srgbClr val="A02B93"/>
+      </a:accent5>
+      <a:accent6>
+        <a:srgbClr val="4EA72E"/>
+      </a:accent6>
+      <a:hlink>
+        <a:srgbClr val="467886"/>
+      </a:hlink>
+      <a:folHlink>
+        <a:srgbClr val="96607D"/>
+      </a:folHlink>
+    </a:clrScheme>
+    <a:fontScheme name="Office">
+      <a:majorFont>
+        <a:latin typeface="Aptos Display" panose="02110004020202020204"/>
+        <a:ea typeface=""/>
+        <a:cs typeface=""/>
+        <a:font script="Jpan" typeface="游ゴシック Light"/>
+        <a:font script="Hang" typeface="맑은 고딕"/>
+        <a:font script="Hans" typeface="等线 Light"/>
+        <a:font script="Hant" typeface="新細明體"/>
+        <a:font script="Arab" typeface="Times New Roman"/>
+        <a:font script="Hebr" typeface="Times New Roman"/>
+        <a:font script="Thai" typeface="Angsana New"/>
+        <a:font script="Ethi" typeface="Nyala"/>
+        <a:font script="Beng" typeface="Vrinda"/>
+        <a:font script="Gujr" typeface="Shruti"/>
+        <a:font script="Khmr" typeface="MoolBoran"/>
+        <a:font script="Knda" typeface="Tunga"/>
+        <a:font script="Guru" typeface="Raavi"/>
+        <a:font script="Cans" typeface="Euphemia"/>
+        <a:font script="Cher" typeface="Plantagenet Cherokee"/>
+        <a:font script="Yiii" typeface="Microsoft Yi Baiti"/>
+        <a:font script="Tibt" typeface="Microsoft Himalaya"/>
+        <a:font script="Thaa" typeface="MV Boli"/>
+        <a:font script="Deva" typeface="Mangal"/>
+        <a:font script="Telu" typeface="Gautami"/>
+        <a:font script="Taml" typeface="Latha"/>
+        <a:font script="Syrc" typeface="Estrangelo Edessa"/>
+        <a:font script="Orya" typeface="Kalinga"/>
+        <a:font script="Mlym" typeface="Kartika"/>
+        <a:font script="Laoo" typeface="DokChampa"/>
+        <a:font script="Sinh" typeface="Iskoola Pota"/>
+        <a:font script="Mong" typeface="Mongolian Baiti"/>
+        <a:font script="Viet" typeface="Times New Roman"/>
+        <a:font script="Uigh" typeface="Microsoft Uighur"/>
+        <a:font script="Geor" typeface="Sylfaen"/>
+        <a:font script="Armn" typeface="Arial"/>
+        <a:font script="Bugi" typeface="Leelawadee UI"/>
+        <a:font script="Bopo" typeface="Microsoft JhengHei"/>
+        <a:font script="Java" typeface="Javanese Text"/>
+        <a:font script="Lisu" typeface="Segoe UI"/>
+        <a:font script="Mymr" typeface="Myanmar Text"/>
+        <a:font script="Nkoo" typeface="Ebrima"/>
+        <a:font script="Olck" typeface="Nirmala UI"/>
+        <a:font script="Osma" typeface="Ebrima"/>
+        <a:font script="Phag" typeface="Phagspa"/>
+        <a:font script="Syrn" typeface="Estrangelo Edessa"/>
+        <a:font script="Syrj" typeface="Estrangelo Edessa"/>
+        <a:font script="Syre" typeface="Estrangelo Edessa"/>
+        <a:font script="Sora" typeface="Nirmala UI"/>
+        <a:font script="Tale" typeface="Microsoft Tai Le"/>
+        <a:font script="Talu" typeface="Microsoft New Tai Lue"/>
+        <a:font script="Tfng" typeface="Ebrima"/>
+      </a:majorFont>
+      <a:minorFont>
+        <a:latin typeface="Aptos" panose="02110004020202020204"/>
+        <a:ea typeface=""/>
+        <a:cs typeface=""/>
+        <a:font script="Jpan" typeface="游ゴシック"/>
+        <a:font script="Hang" typeface="맑은 고딕"/>
+        <a:font script="Hans" typeface="等线"/>
+        <a:font script="Hant" typeface="新細明體"/>
+        <a:font script="Arab" typeface="Arial"/>
+        <a:font script="Hebr" typeface="Arial"/>
+        <a:font script="Thai" typeface="Cordia New"/>
+        <a:font script="Ethi" typeface="Nyala"/>
+        <a:font script="Beng" typeface="Vrinda"/>
+        <a:font script="Gujr" typeface="Shruti"/>
+        <a:font script="Khmr" typeface="DaunPenh"/>
+        <a:font script="Knda" typeface="Tunga"/>
+        <a:font script="Guru" typeface="Raavi"/>
+        <a:font script="Cans" typeface="Euphemia"/>
+        <a:font script="Cher" typeface="Plantagenet Cherokee"/>
+        <a:font script="Yiii" typeface="Microsoft Yi Baiti"/>
+        <a:font script="Tibt" typeface="Microsoft Himalaya"/>
+        <a:font script="Thaa" typeface="MV Boli"/>
+        <a:font script="Deva" typeface="Mangal"/>
+        <a:font script="Telu" typeface="Gautami"/>
+        <a:font script="Taml" typeface="Latha"/>
+        <a:font script="Syrc" typeface="Estrangelo Edessa"/>
+        <a:font script="Orya" typeface="Kalinga"/>
+        <a:font script="Mlym" typeface="Kartika"/>
+        <a:font script="Laoo" typeface="DokChampa"/>
+        <a:font script="Sinh" typeface="Iskoola Pota"/>
+        <a:font script="Mong" typeface="Mongolian Baiti"/>
+        <a:font script="Viet" typeface="Arial"/>
+        <a:font script="Uigh" typeface="Microsoft Uighur"/>
+        <a:font script="Geor" typeface="Sylfaen"/>
+        <a:font script="Armn" typeface="Arial"/>
+        <a:font script="Bugi" typeface="Leelawadee UI"/>
+        <a:font script="Bopo" typeface="Microsoft JhengHei"/>
+        <a:font script="Java" typeface="Javanese Text"/>
+        <a:font script="Lisu" typeface="Segoe UI"/>
+        <a:font script="Mymr" typeface="Myanmar Text"/>
+        <a:font script="Nkoo" typeface="Ebrima"/>
+        <a:font script="Olck" typeface="Nirmala UI"/>
+        <a:font script="Osma" typeface="Ebrima"/>
+        <a:font script="Phag" typeface="Phagspa"/>
+        <a:font script="Syrn" typeface="Estrangelo Edessa"/>
+        <a:font script="Syrj" typeface="Estrangelo Edessa"/>
+        <a:font script="Syre" typeface="Estrangelo Edessa"/>
+        <a:font script="Sora" typeface="Nirmala UI"/>
+        <a:font script="Tale" typeface="Microsoft Tai Le"/>
+        <a:font script="Talu" typeface="Microsoft New Tai Lue"/>
+        <a:font script="Tfng" typeface="Ebrima"/>
+      </a:minorFont>
+    </a:fontScheme>
+    <a:fmtScheme name="Office">
+      <a:fillStyleLst>
+        <a:solidFill>
+          <a:schemeClr val="phClr"/>
+        </a:solidFill>
+        <a:gradFill rotWithShape="1">
+          <a:gsLst>
+            <a:gs pos="0">
+              <a:schemeClr val="phClr">
+                <a:lumMod val="110000"/>
+                <a:satMod val="105000"/>
+                <a:tint val="67000"/>
+              </a:schemeClr>
+            </a:gs>
+            <a:gs pos="50000">
+              <a:schemeClr val="phClr">
+                <a:lumMod val="105000"/>
+                <a:satMod val="103000"/>
+                <a:tint val="73000"/>
+              </a:schemeClr>
+            </a:gs>
+            <a:gs pos="100000">
+              <a:schemeClr val="phClr">
+                <a:lumMod val="105000"/>
+                <a:satMod val="109000"/>
+                <a:tint val="81000"/>
+              </a:schemeClr>
+            </a:gs>
+          </a:gsLst>
+          <a:lin ang="5400000" scaled="0"/>
+        </a:gradFill>
+        <a:gradFill rotWithShape="1">
+          <a:gsLst>
+            <a:gs pos="0">
+              <a:schemeClr val="phClr">
+                <a:satMod val="103000"/>
+                <a:lumMod val="102000"/>
+                <a:tint val="94000"/>
+              </a:schemeClr>
+            </a:gs>
+            <a:gs pos="50000">
+              <a:schemeClr val="phClr">
+                <a:satMod val="110000"/>
+                <a:lumMod val="100000"/>
+                <a:shade val="100000"/>
+              </a:schemeClr>
+            </a:gs>
+            <a:gs pos="100000">
+              <a:schemeClr val="phClr">
+                <a:lumMod val="99000"/>
+                <a:satMod val="120000"/>
+                <a:shade val="78000"/>
+              </a:schemeClr>
+            </a:gs>
+          </a:gsLst>
+          <a:lin ang="5400000" scaled="0"/>
+        </a:gradFill>
+      </a:fillStyleLst>
+      <a:lnStyleLst>
+        <a:ln w="12700" cap="flat" cmpd="sng" algn="ctr">
+          <a:solidFill>
+            <a:schemeClr val="phClr"/>
+          </a:solidFill>
+          <a:prstDash val="solid"/>
+          <a:miter lim="800000"/>
+        </a:ln>
+        <a:ln w="19050" cap="flat" cmpd="sng" algn="ctr">
+          <a:solidFill>
+            <a:schemeClr val="phClr"/>
+          </a:solidFill>
+          <a:prstDash val="solid"/>
+          <a:miter lim="800000"/>
+        </a:ln>
+        <a:ln w="25400" cap="flat" cmpd="sng" algn="ctr">
+          <a:solidFill>
+            <a:schemeClr val="phClr"/>
+          </a:solidFill>
+          <a:prstDash val="solid"/>
+          <a:miter lim="800000"/>
+        </a:ln>
+      </a:lnStyleLst>
+      <a:effectStyleLst>
+        <a:effectStyle>
+          <a:effectLst/>
+        </a:effectStyle>
+        <a:effectStyle>
+          <a:effectLst/>
+        </a:effectStyle>
+        <a:effectStyle>
+          <a:effectLst>
+            <a:outerShdw blurRad="57150" dist="19050" dir="5400000" algn="ctr" rotWithShape="0">
+              <a:srgbClr val="000000">
+                <a:alpha val="63000"/>
+              </a:srgbClr>
+            </a:outerShdw>
+          </a:effectLst>
+        </a:effectStyle>
+      </a:effectStyleLst>
+      <a:bgFillStyleLst>
+        <a:solidFill>
+          <a:schemeClr val="phClr"/>
+        </a:solidFill>
+        <a:solidFill>
+          <a:schemeClr val="phClr">
+            <a:tint val="95000"/>
+            <a:satMod val="170000"/>
+          </a:schemeClr>
+        </a:solidFill>
+        <a:gradFill rotWithShape="1">
+          <a:gsLst>
+            <a:gs pos="0">
+              <a:schemeClr val="phClr">
+                <a:tint val="93000"/>
+                <a:satMod val="150000"/>
+                <a:shade val="98000"/>
+                <a:lumMod val="102000"/>
+              </a:schemeClr>
+            </a:gs>
+            <a:gs pos="50000">
+              <a:schemeClr val="phClr">
+                <a:tint val="98000"/>
+                <a:satMod val="130000"/>
+                <a:shade val="90000"/>
+                <a:lumMod val="103000"/>
+              </a:schemeClr>
+            </a:gs>
+            <a:gs pos="100000">
+              <a:schemeClr val="phClr">
+                <a:shade val="63000"/>
+                <a:satMod val="120000"/>
+              </a:schemeClr>
+            </a:gs>
+          </a:gsLst>
+          <a:lin ang="5400000" scaled="0"/>
+        </a:gradFill>
+      </a:bgFillStyleLst>
+    </a:fmtScheme>
+  </a:themeElements>
+  <a:objectDefaults>
+    <a:lnDef>
+      <a:spPr/>
+      <a:bodyPr/>
+      <a:lstStyle/>
+      <a:style>
+        <a:lnRef idx="2">
+          <a:schemeClr val="accent1"/>
+        </a:lnRef>
+        <a:fillRef idx="0">
+          <a:schemeClr val="accent1"/>
+        </a:fillRef>
+        <a:effectRef idx="1">
+          <a:schemeClr val="accent1"/>
+        </a:effectRef>
+        <a:fontRef idx="minor">
+          <a:schemeClr val="tx1"/>
+        </a:fontRef>
+      </a:style>
+    </a:lnDef>
+  </a:objectDefaults>
+  <a:extraClrSchemeLst/>
+  <a:extLst>
+    <a:ext uri="{05A4C25C-085E-4340-85A3-A5531E510DB2}">
+      <thm15:themeFamily xmlns:thm15="http://schemas.microsoft.com/office/thememl/2012/main" name="Office Theme" id="{2E142A2C-CD16-42D6-873A-C26D2A0506FA}" vid="{1BDDFF52-6CD6-40A5-AB3C-68EB2F1E4D0A}"/>
+    </a:ext>
+  </a:extLst>
+</a:theme>
 </file>
--- a/Models for handcycle Power output.pptx
+++ b/Models for handcycle Power output.pptx
@@ -5,7 +5,7 @@
     <p:sldMasterId id="2147483648" r:id="rId1"/>
   </p:sldMasterIdLst>
   <p:notesMasterIdLst>
-    <p:notesMasterId r:id="rId15"/>
+    <p:notesMasterId r:id="rId16"/>
   </p:notesMasterIdLst>
   <p:sldIdLst>
     <p:sldId id="256" r:id="rId2"/>
@@ -21,6 +21,7 @@
     <p:sldId id="272" r:id="rId12"/>
     <p:sldId id="273" r:id="rId13"/>
     <p:sldId id="274" r:id="rId14"/>
+    <p:sldId id="275" r:id="rId15"/>
   </p:sldIdLst>
   <p:sldSz cx="12192000" cy="6858000"/>
   <p:notesSz cx="6858000" cy="9144000"/>
@@ -209,7 +210,7 @@
           <a:p>
             <a:fld id="{A3F31FE9-DDFA-4BBF-A90F-E3EE8477797B}" type="datetimeFigureOut">
               <a:rPr lang="nb-NO" smtClean="0"/>
-              <a:t>26.03.2025</a:t>
+              <a:t>28.03.2025</a:t>
             </a:fld>
             <a:endParaRPr lang="nb-NO"/>
           </a:p>
@@ -666,7 +667,7 @@
             <a:fld id="{B61BEF0D-F0BB-DE4B-95CE-6DB70DBA9567}" type="datetimeFigureOut">
               <a:rPr lang="en-US" dirty="0"/>
               <a:pPr/>
-              <a:t>3/26/2025</a:t>
+              <a:t>3/28/2025</a:t>
             </a:fld>
             <a:endParaRPr lang="en-US" dirty="0"/>
           </a:p>
@@ -1001,7 +1002,7 @@
             <a:fld id="{B61BEF0D-F0BB-DE4B-95CE-6DB70DBA9567}" type="datetimeFigureOut">
               <a:rPr lang="en-US" dirty="0"/>
               <a:pPr/>
-              <a:t>3/26/2025</a:t>
+              <a:t>3/28/2025</a:t>
             </a:fld>
             <a:endParaRPr lang="en-US" dirty="0"/>
           </a:p>
@@ -1399,7 +1400,7 @@
             <a:fld id="{B61BEF0D-F0BB-DE4B-95CE-6DB70DBA9567}" type="datetimeFigureOut">
               <a:rPr lang="en-US" dirty="0"/>
               <a:pPr/>
-              <a:t>3/26/2025</a:t>
+              <a:t>3/28/2025</a:t>
             </a:fld>
             <a:endParaRPr lang="en-US" dirty="0"/>
           </a:p>
@@ -1732,7 +1733,7 @@
             <a:fld id="{B61BEF0D-F0BB-DE4B-95CE-6DB70DBA9567}" type="datetimeFigureOut">
               <a:rPr lang="en-US" dirty="0"/>
               <a:pPr/>
-              <a:t>3/26/2025</a:t>
+              <a:t>3/28/2025</a:t>
             </a:fld>
             <a:endParaRPr lang="en-US" dirty="0"/>
           </a:p>
@@ -2049,7 +2050,7 @@
             <a:fld id="{B61BEF0D-F0BB-DE4B-95CE-6DB70DBA9567}" type="datetimeFigureOut">
               <a:rPr lang="en-US" dirty="0"/>
               <a:pPr/>
-              <a:t>3/26/2025</a:t>
+              <a:t>3/28/2025</a:t>
             </a:fld>
             <a:endParaRPr lang="en-US" dirty="0"/>
           </a:p>
@@ -2442,7 +2443,7 @@
             <a:fld id="{B61BEF0D-F0BB-DE4B-95CE-6DB70DBA9567}" type="datetimeFigureOut">
               <a:rPr lang="en-US" dirty="0"/>
               <a:pPr/>
-              <a:t>3/26/2025</a:t>
+              <a:t>3/28/2025</a:t>
             </a:fld>
             <a:endParaRPr lang="en-US" dirty="0"/>
           </a:p>
@@ -2696,7 +2697,7 @@
             <a:fld id="{B61BEF0D-F0BB-DE4B-95CE-6DB70DBA9567}" type="datetimeFigureOut">
               <a:rPr lang="en-US" dirty="0"/>
               <a:pPr/>
-              <a:t>3/26/2025</a:t>
+              <a:t>3/28/2025</a:t>
             </a:fld>
             <a:endParaRPr lang="en-US" dirty="0"/>
           </a:p>
@@ -2955,7 +2956,7 @@
             <a:fld id="{B61BEF0D-F0BB-DE4B-95CE-6DB70DBA9567}" type="datetimeFigureOut">
               <a:rPr lang="en-US" dirty="0"/>
               <a:pPr/>
-              <a:t>3/26/2025</a:t>
+              <a:t>3/28/2025</a:t>
             </a:fld>
             <a:endParaRPr lang="en-US" dirty="0"/>
           </a:p>
@@ -3214,7 +3215,7 @@
             <a:fld id="{B61BEF0D-F0BB-DE4B-95CE-6DB70DBA9567}" type="datetimeFigureOut">
               <a:rPr lang="en-US" dirty="0"/>
               <a:pPr/>
-              <a:t>3/26/2025</a:t>
+              <a:t>3/28/2025</a:t>
             </a:fld>
             <a:endParaRPr lang="en-US" dirty="0"/>
           </a:p>
@@ -3540,7 +3541,7 @@
             <a:fld id="{B61BEF0D-F0BB-DE4B-95CE-6DB70DBA9567}" type="datetimeFigureOut">
               <a:rPr lang="en-US" dirty="0"/>
               <a:pPr/>
-              <a:t>3/26/2025</a:t>
+              <a:t>3/28/2025</a:t>
             </a:fld>
             <a:endParaRPr lang="en-US" dirty="0"/>
           </a:p>
@@ -3860,7 +3861,7 @@
             <a:fld id="{B61BEF0D-F0BB-DE4B-95CE-6DB70DBA9567}" type="datetimeFigureOut">
               <a:rPr lang="en-US" dirty="0"/>
               <a:pPr/>
-              <a:t>3/26/2025</a:t>
+              <a:t>3/28/2025</a:t>
             </a:fld>
             <a:endParaRPr lang="en-US" dirty="0"/>
           </a:p>
@@ -4314,7 +4315,7 @@
             <a:fld id="{B61BEF0D-F0BB-DE4B-95CE-6DB70DBA9567}" type="datetimeFigureOut">
               <a:rPr lang="en-US" dirty="0"/>
               <a:pPr/>
-              <a:t>3/26/2025</a:t>
+              <a:t>3/28/2025</a:t>
             </a:fld>
             <a:endParaRPr lang="en-US" dirty="0"/>
           </a:p>
@@ -4516,7 +4517,7 @@
             <a:fld id="{B61BEF0D-F0BB-DE4B-95CE-6DB70DBA9567}" type="datetimeFigureOut">
               <a:rPr lang="en-US" dirty="0"/>
               <a:pPr/>
-              <a:t>3/26/2025</a:t>
+              <a:t>3/28/2025</a:t>
             </a:fld>
             <a:endParaRPr lang="en-US" dirty="0"/>
           </a:p>
@@ -4690,7 +4691,7 @@
             <a:fld id="{B61BEF0D-F0BB-DE4B-95CE-6DB70DBA9567}" type="datetimeFigureOut">
               <a:rPr lang="en-US" dirty="0"/>
               <a:pPr/>
-              <a:t>3/26/2025</a:t>
+              <a:t>3/28/2025</a:t>
             </a:fld>
             <a:endParaRPr lang="en-US" dirty="0"/>
           </a:p>
@@ -5020,7 +5021,7 @@
             <a:fld id="{B61BEF0D-F0BB-DE4B-95CE-6DB70DBA9567}" type="datetimeFigureOut">
               <a:rPr lang="en-US" dirty="0"/>
               <a:pPr/>
-              <a:t>3/26/2025</a:t>
+              <a:t>3/28/2025</a:t>
             </a:fld>
             <a:endParaRPr lang="en-US" dirty="0"/>
           </a:p>
@@ -5362,7 +5363,7 @@
             <a:fld id="{B61BEF0D-F0BB-DE4B-95CE-6DB70DBA9567}" type="datetimeFigureOut">
               <a:rPr lang="en-US" dirty="0"/>
               <a:pPr/>
-              <a:t>3/26/2025</a:t>
+              <a:t>3/28/2025</a:t>
             </a:fld>
             <a:endParaRPr lang="en-US" dirty="0"/>
           </a:p>
@@ -7476,7 +7477,7 @@
             <a:fld id="{B61BEF0D-F0BB-DE4B-95CE-6DB70DBA9567}" type="datetimeFigureOut">
               <a:rPr lang="en-US" dirty="0"/>
               <a:pPr/>
-              <a:t>3/26/2025</a:t>
+              <a:t>3/28/2025</a:t>
             </a:fld>
             <a:endParaRPr lang="en-US" dirty="0"/>
           </a:p>
@@ -8517,6 +8518,245 @@
 </p:sld>
 </file>
 
+<file path=ppt/slides/slide14.xml><?xml version="1.0" encoding="utf-8"?>
+<p:sld xmlns:a="http://schemas.openxmlformats.org/drawingml/2006/main" xmlns:r="http://schemas.openxmlformats.org/officeDocument/2006/relationships" xmlns:p="http://schemas.openxmlformats.org/presentationml/2006/main">
+  <p:cSld>
+    <p:spTree>
+      <p:nvGrpSpPr>
+        <p:cNvPr id="1" name=""/>
+        <p:cNvGrpSpPr/>
+        <p:nvPr/>
+      </p:nvGrpSpPr>
+      <p:grpSpPr>
+        <a:xfrm>
+          <a:off x="0" y="0"/>
+          <a:ext cx="0" cy="0"/>
+          <a:chOff x="0" y="0"/>
+          <a:chExt cx="0" cy="0"/>
+        </a:xfrm>
+      </p:grpSpPr>
+      <p:sp>
+        <p:nvSpPr>
+          <p:cNvPr id="2" name="Title 1">
+            <a:extLst>
+              <a:ext uri="{FF2B5EF4-FFF2-40B4-BE49-F238E27FC236}">
+                <a16:creationId xmlns:a16="http://schemas.microsoft.com/office/drawing/2014/main" id="{A745A519-3149-F2D5-EDE2-2E7A2FFE5B61}"/>
+              </a:ext>
+            </a:extLst>
+          </p:cNvPr>
+          <p:cNvSpPr>
+            <a:spLocks noGrp="1"/>
+          </p:cNvSpPr>
+          <p:nvPr>
+            <p:ph type="title"/>
+          </p:nvPr>
+        </p:nvSpPr>
+        <p:spPr/>
+        <p:txBody>
+          <a:bodyPr/>
+          <a:lstStyle/>
+          <a:p>
+            <a:r>
+              <a:rPr lang="nb-NO" dirty="0" err="1"/>
+              <a:t>Conclusions</a:t>
+            </a:r>
+            <a:r>
+              <a:rPr lang="nb-NO" dirty="0"/>
+              <a:t>:</a:t>
+            </a:r>
+            <a:br>
+              <a:rPr lang="nb-NO" dirty="0"/>
+            </a:br>
+            <a:endParaRPr lang="nb-NO" dirty="0"/>
+          </a:p>
+        </p:txBody>
+      </p:sp>
+      <p:sp>
+        <p:nvSpPr>
+          <p:cNvPr id="3" name="Content Placeholder 2">
+            <a:extLst>
+              <a:ext uri="{FF2B5EF4-FFF2-40B4-BE49-F238E27FC236}">
+                <a16:creationId xmlns:a16="http://schemas.microsoft.com/office/drawing/2014/main" id="{EAEF2F97-2E16-5E51-3D54-34EE5451B02A}"/>
+              </a:ext>
+            </a:extLst>
+          </p:cNvPr>
+          <p:cNvSpPr>
+            <a:spLocks noGrp="1"/>
+          </p:cNvSpPr>
+          <p:nvPr>
+            <p:ph idx="1"/>
+          </p:nvPr>
+        </p:nvSpPr>
+        <p:spPr/>
+        <p:txBody>
+          <a:bodyPr/>
+          <a:lstStyle/>
+          <a:p>
+            <a:r>
+              <a:rPr lang="nb-NO" dirty="0"/>
+              <a:t>Best </a:t>
+            </a:r>
+            <a:r>
+              <a:rPr lang="nb-NO" dirty="0" err="1"/>
+              <a:t>regression</a:t>
+            </a:r>
+            <a:r>
+              <a:rPr lang="nb-NO" dirty="0"/>
+              <a:t> </a:t>
+            </a:r>
+            <a:r>
+              <a:rPr lang="nb-NO" dirty="0" err="1"/>
+              <a:t>methos</a:t>
+            </a:r>
+            <a:r>
+              <a:rPr lang="nb-NO" dirty="0"/>
+              <a:t> = SVR</a:t>
+            </a:r>
+          </a:p>
+          <a:p>
+            <a:r>
+              <a:rPr lang="nb-NO" dirty="0"/>
+              <a:t>Best </a:t>
+            </a:r>
+            <a:r>
+              <a:rPr lang="nb-NO" dirty="0" err="1"/>
+              <a:t>window</a:t>
+            </a:r>
+            <a:r>
+              <a:rPr lang="nb-NO" dirty="0"/>
+              <a:t> </a:t>
+            </a:r>
+            <a:r>
+              <a:rPr lang="nb-NO" dirty="0" err="1"/>
+              <a:t>length</a:t>
+            </a:r>
+            <a:r>
+              <a:rPr lang="nb-NO" dirty="0"/>
+              <a:t> = 180 </a:t>
+            </a:r>
+            <a:r>
+              <a:rPr lang="nb-NO" dirty="0" err="1"/>
+              <a:t>seconds</a:t>
+            </a:r>
+            <a:endParaRPr lang="nb-NO" dirty="0"/>
+          </a:p>
+          <a:p>
+            <a:r>
+              <a:rPr lang="nb-NO" dirty="0"/>
+              <a:t>IMU Data do not </a:t>
+            </a:r>
+            <a:r>
+              <a:rPr lang="nb-NO" dirty="0" err="1"/>
+              <a:t>seem</a:t>
+            </a:r>
+            <a:r>
+              <a:rPr lang="nb-NO" dirty="0"/>
+              <a:t> to </a:t>
+            </a:r>
+            <a:r>
+              <a:rPr lang="nb-NO" dirty="0" err="1"/>
+              <a:t>affect</a:t>
+            </a:r>
+            <a:r>
+              <a:rPr lang="nb-NO" dirty="0"/>
+              <a:t> </a:t>
+            </a:r>
+            <a:r>
+              <a:rPr lang="nb-NO" dirty="0" err="1"/>
+              <a:t>the</a:t>
+            </a:r>
+            <a:r>
+              <a:rPr lang="nb-NO" dirty="0"/>
+              <a:t> final </a:t>
+            </a:r>
+            <a:r>
+              <a:rPr lang="nb-NO" dirty="0" err="1"/>
+              <a:t>results</a:t>
+            </a:r>
+            <a:r>
+              <a:rPr lang="nb-NO" dirty="0"/>
+              <a:t> </a:t>
+            </a:r>
+            <a:r>
+              <a:rPr lang="nb-NO" dirty="0" err="1"/>
+              <a:t>too</a:t>
+            </a:r>
+            <a:r>
+              <a:rPr lang="nb-NO" dirty="0"/>
+              <a:t> </a:t>
+            </a:r>
+            <a:r>
+              <a:rPr lang="nb-NO" dirty="0" err="1"/>
+              <a:t>much</a:t>
+            </a:r>
+            <a:r>
+              <a:rPr lang="nb-NO" dirty="0"/>
+              <a:t>, so </a:t>
+            </a:r>
+            <a:r>
+              <a:rPr lang="nb-NO" dirty="0" err="1"/>
+              <a:t>we</a:t>
+            </a:r>
+            <a:r>
+              <a:rPr lang="nb-NO" dirty="0"/>
+              <a:t> </a:t>
+            </a:r>
+            <a:r>
+              <a:rPr lang="nb-NO" dirty="0" err="1"/>
+              <a:t>can</a:t>
+            </a:r>
+            <a:r>
+              <a:rPr lang="nb-NO" dirty="0"/>
+              <a:t> skip it for </a:t>
+            </a:r>
+            <a:r>
+              <a:rPr lang="nb-NO" dirty="0" err="1"/>
+              <a:t>the</a:t>
+            </a:r>
+            <a:r>
+              <a:rPr lang="nb-NO" dirty="0"/>
+              <a:t> sake </a:t>
+            </a:r>
+            <a:r>
+              <a:rPr lang="nb-NO" dirty="0" err="1"/>
+              <a:t>of</a:t>
+            </a:r>
+            <a:r>
+              <a:rPr lang="nb-NO" dirty="0"/>
+              <a:t> testing </a:t>
+            </a:r>
+            <a:r>
+              <a:rPr lang="nb-NO" dirty="0" err="1"/>
+              <a:t>the</a:t>
+            </a:r>
+            <a:r>
+              <a:rPr lang="nb-NO" dirty="0"/>
+              <a:t> </a:t>
+            </a:r>
+            <a:r>
+              <a:rPr lang="nb-NO" dirty="0" err="1"/>
+              <a:t>model</a:t>
+            </a:r>
+            <a:r>
+              <a:rPr lang="nb-NO"/>
+              <a:t> in real time.</a:t>
+            </a:r>
+          </a:p>
+        </p:txBody>
+      </p:sp>
+    </p:spTree>
+    <p:extLst>
+      <p:ext uri="{BB962C8B-B14F-4D97-AF65-F5344CB8AC3E}">
+        <p14:creationId xmlns:p14="http://schemas.microsoft.com/office/powerpoint/2010/main" val="2638395234"/>
+      </p:ext>
+    </p:extLst>
+  </p:cSld>
+  <p:clrMapOvr>
+    <a:masterClrMapping/>
+  </p:clrMapOvr>
+</p:sld>
+</file>
+
 <file path=ppt/slides/slide2.xml><?xml version="1.0" encoding="utf-8"?>
 <p:sld xmlns:a="http://schemas.openxmlformats.org/drawingml/2006/main" xmlns:r="http://schemas.openxmlformats.org/officeDocument/2006/relationships" xmlns:p="http://schemas.openxmlformats.org/presentationml/2006/main">
   <p:cSld>
@@ -9021,8 +9261,8 @@
           </a:p>
         </p:txBody>
       </p:sp>
-      <mc:AlternateContent xmlns:mc="http://schemas.openxmlformats.org/markup-compatibility/2006">
-        <mc:Choice xmlns:a14="http://schemas.microsoft.com/office/drawing/2010/main" Requires="a14">
+      <mc:AlternateContent xmlns:mc="http://schemas.openxmlformats.org/markup-compatibility/2006" xmlns:a14="http://schemas.microsoft.com/office/drawing/2010/main">
+        <mc:Choice Requires="a14">
           <p:sp>
             <p:nvSpPr>
               <p:cNvPr id="3" name="Segnaposto contenuto 2"/>
@@ -9441,7 +9681,7 @@
             </p:txBody>
           </p:sp>
         </mc:Choice>
-        <mc:Fallback>
+        <mc:Fallback xmlns="">
           <p:sp>
             <p:nvSpPr>
               <p:cNvPr id="3" name="Segnaposto contenuto 2"/>
@@ -9479,8 +9719,8 @@
           </p:sp>
         </mc:Fallback>
       </mc:AlternateContent>
-      <mc:AlternateContent xmlns:mc="http://schemas.openxmlformats.org/markup-compatibility/2006">
-        <mc:Choice xmlns:a14="http://schemas.microsoft.com/office/drawing/2010/main" Requires="a14">
+      <mc:AlternateContent xmlns:mc="http://schemas.openxmlformats.org/markup-compatibility/2006" xmlns:a14="http://schemas.microsoft.com/office/drawing/2010/main">
+        <mc:Choice Requires="a14">
           <p:sp>
             <p:nvSpPr>
               <p:cNvPr id="4" name="Segnaposto contenuto 3"/>
@@ -10763,7 +11003,7 @@
             </p:txBody>
           </p:sp>
         </mc:Choice>
-        <mc:Fallback>
+        <mc:Fallback xmlns="">
           <p:sp>
             <p:nvSpPr>
               <p:cNvPr id="4" name="Segnaposto contenuto 3"/>
